--- a/DP version 1.1.pptx
+++ b/DP version 1.1.pptx
@@ -302,7 +302,7 @@
           <a:p>
             <a:fld id="{784AA43A-3F76-4A13-9CD6-36134EB429E3}" type="datetimeFigureOut">
               <a:rPr lang="en-US"/>
-              <a:t>10/28/2016</a:t>
+              <a:t>11/4/2016</a:t>
             </a:fld>
             <a:endParaRPr/>
           </a:p>
@@ -467,7 +467,7 @@
           <a:p>
             <a:fld id="{5F674A4F-2B7A-4ECB-A400-260B2FFC03C1}" type="datetimeFigureOut">
               <a:rPr lang="en-US"/>
-              <a:t>10/28/2016</a:t>
+              <a:t>11/4/2016</a:t>
             </a:fld>
             <a:endParaRPr/>
           </a:p>
@@ -947,6 +947,427 @@
           <a:lstStyle/>
           <a:p>
             <a:r>
+              <a:rPr lang="en-US" smtClean="0"/>
+              <a:t>Các control trong Windows Form</a:t>
+            </a:r>
+          </a:p>
+          <a:p>
+            <a:r>
+              <a:rPr lang="en-US" smtClean="0"/>
+              <a:t>Các</a:t>
+            </a:r>
+            <a:r>
+              <a:rPr lang="en-US" baseline="0" smtClean="0"/>
+              <a:t> lớp Stream trong .NET (Buffered Reader là một decorator của Stream class)</a:t>
+            </a:r>
+          </a:p>
+          <a:p>
+            <a:r>
+              <a:rPr lang="en-US" baseline="0" smtClean="0"/>
+              <a:t>Extension method trong .NET, (cho các class bị sealed vẫn có thể them vào các phương thứ)</a:t>
+            </a:r>
+            <a:endParaRPr lang="en-US"/>
+          </a:p>
+        </p:txBody>
+      </p:sp>
+      <p:sp>
+        <p:nvSpPr>
+          <p:cNvPr id="4" name="Slide Number Placeholder 3"/>
+          <p:cNvSpPr>
+            <a:spLocks noGrp="1"/>
+          </p:cNvSpPr>
+          <p:nvPr>
+            <p:ph type="sldNum" sz="quarter" idx="10"/>
+          </p:nvPr>
+        </p:nvSpPr>
+        <p:spPr/>
+        <p:txBody>
+          <a:bodyPr/>
+          <a:lstStyle/>
+          <a:p>
+            <a:fld id="{01F2A70B-78F2-4DCF-B53B-C990D2FAFB8A}" type="slidenum">
+              <a:rPr lang="en-US" smtClean="0"/>
+              <a:t>15</a:t>
+            </a:fld>
+            <a:endParaRPr lang="en-US"/>
+          </a:p>
+        </p:txBody>
+      </p:sp>
+    </p:spTree>
+    <p:extLst>
+      <p:ext uri="{BB962C8B-B14F-4D97-AF65-F5344CB8AC3E}">
+        <p14:creationId xmlns:p14="http://schemas.microsoft.com/office/powerpoint/2010/main" val="1167471212"/>
+      </p:ext>
+    </p:extLst>
+  </p:cSld>
+  <p:clrMapOvr>
+    <a:masterClrMapping/>
+  </p:clrMapOvr>
+</p:notes>
+</file>
+
+<file path=ppt/notesSlides/notesSlide4.xml><?xml version="1.0" encoding="utf-8"?>
+<p:notes xmlns:a="http://schemas.openxmlformats.org/drawingml/2006/main" xmlns:r="http://schemas.openxmlformats.org/officeDocument/2006/relationships" xmlns:p="http://schemas.openxmlformats.org/presentationml/2006/main">
+  <p:cSld>
+    <p:spTree>
+      <p:nvGrpSpPr>
+        <p:cNvPr id="1" name=""/>
+        <p:cNvGrpSpPr/>
+        <p:nvPr/>
+      </p:nvGrpSpPr>
+      <p:grpSpPr>
+        <a:xfrm>
+          <a:off x="0" y="0"/>
+          <a:ext cx="0" cy="0"/>
+          <a:chOff x="0" y="0"/>
+          <a:chExt cx="0" cy="0"/>
+        </a:xfrm>
+      </p:grpSpPr>
+      <p:sp>
+        <p:nvSpPr>
+          <p:cNvPr id="2" name="Slide Image Placeholder 1"/>
+          <p:cNvSpPr>
+            <a:spLocks noGrp="1" noRot="1" noChangeAspect="1"/>
+          </p:cNvSpPr>
+          <p:nvPr>
+            <p:ph type="sldImg"/>
+          </p:nvPr>
+        </p:nvSpPr>
+        <p:spPr/>
+      </p:sp>
+      <p:sp>
+        <p:nvSpPr>
+          <p:cNvPr id="3" name="Notes Placeholder 2"/>
+          <p:cNvSpPr>
+            <a:spLocks noGrp="1"/>
+          </p:cNvSpPr>
+          <p:nvPr>
+            <p:ph type="body" idx="1"/>
+          </p:nvPr>
+        </p:nvSpPr>
+        <p:spPr/>
+        <p:txBody>
+          <a:bodyPr/>
+          <a:lstStyle/>
+          <a:p>
+            <a:pPr marL="0" marR="0" indent="0" algn="l" defTabSz="914400" rtl="0" eaLnBrk="1" fontAlgn="auto" latinLnBrk="0" hangingPunct="1">
+              <a:lnSpc>
+                <a:spcPct val="100000"/>
+              </a:lnSpc>
+              <a:spcBef>
+                <a:spcPts val="0"/>
+              </a:spcBef>
+              <a:spcAft>
+                <a:spcPts val="0"/>
+              </a:spcAft>
+              <a:buClrTx/>
+              <a:buSzTx/>
+              <a:buFontTx/>
+              <a:buNone/>
+              <a:tabLst/>
+              <a:defRPr/>
+            </a:pPr>
+            <a:r>
+              <a:rPr lang="en-US" sz="1200" kern="1200" smtClean="0">
+                <a:solidFill>
+                  <a:schemeClr val="tx1"/>
+                </a:solidFill>
+                <a:effectLst/>
+                <a:latin typeface="+mn-lt"/>
+                <a:ea typeface="+mn-ea"/>
+                <a:cs typeface="+mn-cs"/>
+              </a:rPr>
+              <a:t>Các mẫu Proxy được sử dụng khi bạn cần để biểu diễn một đối tượng phức tạp hay tốn thời gian để tạo ra bằng một thứ đơn giản hơn.</a:t>
+            </a:r>
+          </a:p>
+          <a:p>
+            <a:r>
+              <a:rPr lang="en-US" sz="1200" kern="1200" smtClean="0">
+                <a:solidFill>
+                  <a:schemeClr val="tx1"/>
+                </a:solidFill>
+                <a:effectLst/>
+                <a:latin typeface="+mn-lt"/>
+                <a:ea typeface="+mn-ea"/>
+                <a:cs typeface="+mn-cs"/>
+              </a:rPr>
+              <a:t>Nếu việc tạo ra một đối tượng mới mất nhiều thời gian hay tài nguyên máy tính, Proxy cho phép chúng ta trì hoãn quá trình tạo đối tượng cho đến khi chúng ta cần đối tượng thực sự.</a:t>
+            </a:r>
+          </a:p>
+          <a:p>
+            <a:r>
+              <a:rPr lang="en-US" sz="1200" kern="1200" smtClean="0">
+                <a:solidFill>
+                  <a:schemeClr val="tx1"/>
+                </a:solidFill>
+                <a:effectLst/>
+                <a:latin typeface="+mn-lt"/>
+                <a:ea typeface="+mn-ea"/>
+                <a:cs typeface="+mn-cs"/>
+              </a:rPr>
+              <a:t>Một mẫu Proxy thường có chung các phương thúc giống như đối tượng mà nó đại diện, và một khi đối tượng được nạp vào bộ nhớ, các lời gọi hàm đến đối tượng thực sự này sẽ được chuyển tiếp qua Proxy</a:t>
+            </a:r>
+            <a:endParaRPr lang="en-US"/>
+          </a:p>
+        </p:txBody>
+      </p:sp>
+      <p:sp>
+        <p:nvSpPr>
+          <p:cNvPr id="4" name="Slide Number Placeholder 3"/>
+          <p:cNvSpPr>
+            <a:spLocks noGrp="1"/>
+          </p:cNvSpPr>
+          <p:nvPr>
+            <p:ph type="sldNum" sz="quarter" idx="10"/>
+          </p:nvPr>
+        </p:nvSpPr>
+        <p:spPr/>
+        <p:txBody>
+          <a:bodyPr/>
+          <a:lstStyle/>
+          <a:p>
+            <a:fld id="{01F2A70B-78F2-4DCF-B53B-C990D2FAFB8A}" type="slidenum">
+              <a:rPr lang="en-US" smtClean="0"/>
+              <a:t>18</a:t>
+            </a:fld>
+            <a:endParaRPr lang="en-US"/>
+          </a:p>
+        </p:txBody>
+      </p:sp>
+    </p:spTree>
+    <p:extLst>
+      <p:ext uri="{BB962C8B-B14F-4D97-AF65-F5344CB8AC3E}">
+        <p14:creationId xmlns:p14="http://schemas.microsoft.com/office/powerpoint/2010/main" val="1177798322"/>
+      </p:ext>
+    </p:extLst>
+  </p:cSld>
+  <p:clrMapOvr>
+    <a:masterClrMapping/>
+  </p:clrMapOvr>
+</p:notes>
+</file>
+
+<file path=ppt/notesSlides/notesSlide5.xml><?xml version="1.0" encoding="utf-8"?>
+<p:notes xmlns:a="http://schemas.openxmlformats.org/drawingml/2006/main" xmlns:r="http://schemas.openxmlformats.org/officeDocument/2006/relationships" xmlns:p="http://schemas.openxmlformats.org/presentationml/2006/main">
+  <p:cSld>
+    <p:spTree>
+      <p:nvGrpSpPr>
+        <p:cNvPr id="1" name=""/>
+        <p:cNvGrpSpPr/>
+        <p:nvPr/>
+      </p:nvGrpSpPr>
+      <p:grpSpPr>
+        <a:xfrm>
+          <a:off x="0" y="0"/>
+          <a:ext cx="0" cy="0"/>
+          <a:chOff x="0" y="0"/>
+          <a:chExt cx="0" cy="0"/>
+        </a:xfrm>
+      </p:grpSpPr>
+      <p:sp>
+        <p:nvSpPr>
+          <p:cNvPr id="2" name="Slide Image Placeholder 1"/>
+          <p:cNvSpPr>
+            <a:spLocks noGrp="1" noRot="1" noChangeAspect="1"/>
+          </p:cNvSpPr>
+          <p:nvPr>
+            <p:ph type="sldImg"/>
+          </p:nvPr>
+        </p:nvSpPr>
+        <p:spPr/>
+      </p:sp>
+      <p:sp>
+        <p:nvSpPr>
+          <p:cNvPr id="3" name="Notes Placeholder 2"/>
+          <p:cNvSpPr>
+            <a:spLocks noGrp="1"/>
+          </p:cNvSpPr>
+          <p:nvPr>
+            <p:ph type="body" idx="1"/>
+          </p:nvPr>
+        </p:nvSpPr>
+        <p:spPr/>
+        <p:txBody>
+          <a:bodyPr/>
+          <a:lstStyle/>
+          <a:p>
+            <a:r>
+              <a:rPr lang="en-US" sz="1200" kern="1200" smtClean="0">
+                <a:solidFill>
+                  <a:schemeClr val="tx1"/>
+                </a:solidFill>
+                <a:effectLst/>
+                <a:latin typeface="+mn-lt"/>
+                <a:ea typeface="+mn-ea"/>
+                <a:cs typeface="+mn-cs"/>
+              </a:rPr>
+              <a:t>1. Một đối tượng, chẳng hạn như một file ảnh, mất quá nhiều thời gian để load.</a:t>
+            </a:r>
+          </a:p>
+          <a:p>
+            <a:r>
+              <a:rPr lang="en-US" sz="1200" kern="1200" smtClean="0">
+                <a:solidFill>
+                  <a:schemeClr val="tx1"/>
+                </a:solidFill>
+                <a:effectLst/>
+                <a:latin typeface="+mn-lt"/>
+                <a:ea typeface="+mn-ea"/>
+                <a:cs typeface="+mn-cs"/>
+              </a:rPr>
+              <a:t>2. Kết quả của một tính toán cần nhiều thời gian để hoàn thành, và bạn cần hiển thị các kết quả ngay lập tức trong khi quá trình tính toán vẫn đang tiếp tục.</a:t>
+            </a:r>
+          </a:p>
+          <a:p>
+            <a:r>
+              <a:rPr lang="en-US" sz="1200" kern="1200" smtClean="0">
+                <a:solidFill>
+                  <a:schemeClr val="tx1"/>
+                </a:solidFill>
+                <a:effectLst/>
+                <a:latin typeface="+mn-lt"/>
+                <a:ea typeface="+mn-ea"/>
+                <a:cs typeface="+mn-cs"/>
+              </a:rPr>
+              <a:t>3. Đối tượng nằm ở trên một máy remote, và tải nó thông qua mạng có thể mất nhiều thời gian, đặc biệt trong những thời điểm mạng lag.</a:t>
+            </a:r>
+          </a:p>
+          <a:p>
+            <a:r>
+              <a:rPr lang="en-US" sz="1200" kern="1200" smtClean="0">
+                <a:solidFill>
+                  <a:schemeClr val="tx1"/>
+                </a:solidFill>
+                <a:effectLst/>
+                <a:latin typeface="+mn-lt"/>
+                <a:ea typeface="+mn-ea"/>
+                <a:cs typeface="+mn-cs"/>
+              </a:rPr>
+              <a:t>4. Quyền truy cập đối tượng bị hạn chế, và proxy có thể xác nhận quyền truy cần của người dùng.</a:t>
+            </a:r>
+          </a:p>
+          <a:p>
+            <a:endParaRPr lang="en-US" smtClean="0"/>
+          </a:p>
+          <a:p>
+            <a:r>
+              <a:rPr lang="en-US" sz="1200" kern="1200" smtClean="0">
+                <a:solidFill>
+                  <a:schemeClr val="tx1"/>
+                </a:solidFill>
+                <a:effectLst/>
+                <a:latin typeface="+mn-lt"/>
+                <a:ea typeface="+mn-ea"/>
+                <a:cs typeface="+mn-cs"/>
+              </a:rPr>
+              <a:t>Giả sử trong trường hợp chương trình cần nạp và hiển thị một file ảnh có dung lượng lớn. Khi chương trình khởi động, cần có một vài dấu hiệu cho người dùng thấy rằng bức ảnh đó sẽ được hiển thị trên màn hình và nằm đúng vị trí, nhưng thực sự thì việc hiển thị hình ảnh sẽ bị trì hoãn lại cho đến khi nào việc nạp bức ảnh hoàn tất.</a:t>
+            </a:r>
+          </a:p>
+          <a:p>
+            <a:r>
+              <a:rPr lang="en-US" sz="1200" kern="1200" smtClean="0">
+                <a:solidFill>
+                  <a:schemeClr val="tx1"/>
+                </a:solidFill>
+                <a:effectLst/>
+                <a:latin typeface="+mn-lt"/>
+                <a:ea typeface="+mn-ea"/>
+                <a:cs typeface="+mn-cs"/>
+              </a:rPr>
+              <a:t>Điều này đặc biệt quan trọng trong các chương trình xử lí văn bản hay các trình duyệt Web khi chúng đặt các dòng chữ nằm xung quanh các bức ảnh thậm chí trước khi cả tấm ảnh đó được hiển </a:t>
+            </a:r>
+            <a:r>
+              <a:rPr lang="en-US" smtClean="0"/>
+              <a:t/>
+            </a:r>
+            <a:br>
+              <a:rPr lang="en-US" smtClean="0"/>
+            </a:br>
+            <a:endParaRPr lang="en-US"/>
+          </a:p>
+        </p:txBody>
+      </p:sp>
+      <p:sp>
+        <p:nvSpPr>
+          <p:cNvPr id="4" name="Slide Number Placeholder 3"/>
+          <p:cNvSpPr>
+            <a:spLocks noGrp="1"/>
+          </p:cNvSpPr>
+          <p:nvPr>
+            <p:ph type="sldNum" sz="quarter" idx="10"/>
+          </p:nvPr>
+        </p:nvSpPr>
+        <p:spPr/>
+        <p:txBody>
+          <a:bodyPr/>
+          <a:lstStyle/>
+          <a:p>
+            <a:fld id="{01F2A70B-78F2-4DCF-B53B-C990D2FAFB8A}" type="slidenum">
+              <a:rPr lang="en-US" smtClean="0"/>
+              <a:t>19</a:t>
+            </a:fld>
+            <a:endParaRPr lang="en-US"/>
+          </a:p>
+        </p:txBody>
+      </p:sp>
+    </p:spTree>
+    <p:extLst>
+      <p:ext uri="{BB962C8B-B14F-4D97-AF65-F5344CB8AC3E}">
+        <p14:creationId xmlns:p14="http://schemas.microsoft.com/office/powerpoint/2010/main" val="1071599502"/>
+      </p:ext>
+    </p:extLst>
+  </p:cSld>
+  <p:clrMapOvr>
+    <a:masterClrMapping/>
+  </p:clrMapOvr>
+</p:notes>
+</file>
+
+<file path=ppt/notesSlides/notesSlide6.xml><?xml version="1.0" encoding="utf-8"?>
+<p:notes xmlns:a="http://schemas.openxmlformats.org/drawingml/2006/main" xmlns:r="http://schemas.openxmlformats.org/officeDocument/2006/relationships" xmlns:p="http://schemas.openxmlformats.org/presentationml/2006/main">
+  <p:cSld>
+    <p:spTree>
+      <p:nvGrpSpPr>
+        <p:cNvPr id="1" name=""/>
+        <p:cNvGrpSpPr/>
+        <p:nvPr/>
+      </p:nvGrpSpPr>
+      <p:grpSpPr>
+        <a:xfrm>
+          <a:off x="0" y="0"/>
+          <a:ext cx="0" cy="0"/>
+          <a:chOff x="0" y="0"/>
+          <a:chExt cx="0" cy="0"/>
+        </a:xfrm>
+      </p:grpSpPr>
+      <p:sp>
+        <p:nvSpPr>
+          <p:cNvPr id="2" name="Slide Image Placeholder 1"/>
+          <p:cNvSpPr>
+            <a:spLocks noGrp="1" noRot="1" noChangeAspect="1"/>
+          </p:cNvSpPr>
+          <p:nvPr>
+            <p:ph type="sldImg"/>
+          </p:nvPr>
+        </p:nvSpPr>
+        <p:spPr/>
+      </p:sp>
+      <p:sp>
+        <p:nvSpPr>
+          <p:cNvPr id="3" name="Notes Placeholder 2"/>
+          <p:cNvSpPr>
+            <a:spLocks noGrp="1"/>
+          </p:cNvSpPr>
+          <p:nvPr>
+            <p:ph type="body" idx="1"/>
+          </p:nvPr>
+        </p:nvSpPr>
+        <p:spPr/>
+        <p:txBody>
+          <a:bodyPr/>
+          <a:lstStyle/>
+          <a:p>
+            <a:r>
               <a:rPr lang="en-US" sz="1200" b="0" i="0" kern="1200">
                 <a:solidFill>
                   <a:schemeClr val="tx1"/>
@@ -956,7 +1377,136 @@
                 <a:ea typeface="+mn-ea"/>
                 <a:cs typeface="+mn-cs"/>
               </a:rPr>
-              <a:t>A client obtains a reference to a Proxy, the client then handles the proxy in the same way it handles RealSubject and thus invoking the method doSomething(). At that point the proxy can do different things prior to invoking RealSubject�s doSomething() method. The client might create a RealSubject object at that point, perform initialization, check permissions of the client to invoke the method, and then invoke the method on the object. The client can also do additional tasks after invoking the doSomething() method, such as incrementing the number of references to the object.</a:t>
+              <a:t>A client obtains a reference to a Proxy, the client then handles the proxy in the same way it handles RealSubject and thus invoking the method doSomething(). </a:t>
+            </a:r>
+            <a:endParaRPr lang="en-US" sz="1200" b="0" i="0" kern="1200" smtClean="0">
+              <a:solidFill>
+                <a:schemeClr val="tx1"/>
+              </a:solidFill>
+              <a:effectLst/>
+              <a:latin typeface="+mn-lt"/>
+              <a:ea typeface="+mn-ea"/>
+              <a:cs typeface="+mn-cs"/>
+            </a:endParaRPr>
+          </a:p>
+          <a:p>
+            <a:r>
+              <a:rPr lang="en-US" sz="1200" b="0" i="0" kern="1200" smtClean="0">
+                <a:solidFill>
+                  <a:schemeClr val="tx1"/>
+                </a:solidFill>
+                <a:effectLst/>
+                <a:latin typeface="+mn-lt"/>
+                <a:ea typeface="+mn-ea"/>
+                <a:cs typeface="+mn-cs"/>
+              </a:rPr>
+              <a:t>At </a:t>
+            </a:r>
+            <a:r>
+              <a:rPr lang="en-US" sz="1200" b="0" i="0" kern="1200">
+                <a:solidFill>
+                  <a:schemeClr val="tx1"/>
+                </a:solidFill>
+                <a:effectLst/>
+                <a:latin typeface="+mn-lt"/>
+                <a:ea typeface="+mn-ea"/>
+                <a:cs typeface="+mn-cs"/>
+              </a:rPr>
+              <a:t>that point the proxy can do different things prior to invoking </a:t>
+            </a:r>
+            <a:r>
+              <a:rPr lang="en-US" sz="1200" b="0" i="0" kern="1200" smtClean="0">
+                <a:solidFill>
+                  <a:schemeClr val="tx1"/>
+                </a:solidFill>
+                <a:effectLst/>
+                <a:latin typeface="+mn-lt"/>
+                <a:ea typeface="+mn-ea"/>
+                <a:cs typeface="+mn-cs"/>
+              </a:rPr>
+              <a:t>RealSubject’s </a:t>
+            </a:r>
+            <a:r>
+              <a:rPr lang="en-US" sz="1200" b="0" i="0" kern="1200">
+                <a:solidFill>
+                  <a:schemeClr val="tx1"/>
+                </a:solidFill>
+                <a:effectLst/>
+                <a:latin typeface="+mn-lt"/>
+                <a:ea typeface="+mn-ea"/>
+                <a:cs typeface="+mn-cs"/>
+              </a:rPr>
+              <a:t>doSomething() method. </a:t>
+            </a:r>
+            <a:endParaRPr lang="en-US" sz="1200" b="0" i="0" kern="1200" smtClean="0">
+              <a:solidFill>
+                <a:schemeClr val="tx1"/>
+              </a:solidFill>
+              <a:effectLst/>
+              <a:latin typeface="+mn-lt"/>
+              <a:ea typeface="+mn-ea"/>
+              <a:cs typeface="+mn-cs"/>
+            </a:endParaRPr>
+          </a:p>
+          <a:p>
+            <a:r>
+              <a:rPr lang="en-US" sz="1200" b="0" i="0" kern="1200" smtClean="0">
+                <a:solidFill>
+                  <a:schemeClr val="tx1"/>
+                </a:solidFill>
+                <a:effectLst/>
+                <a:latin typeface="+mn-lt"/>
+                <a:ea typeface="+mn-ea"/>
+                <a:cs typeface="+mn-cs"/>
+              </a:rPr>
+              <a:t>The </a:t>
+            </a:r>
+            <a:r>
+              <a:rPr lang="en-US" sz="1200" b="0" i="0" kern="1200">
+                <a:solidFill>
+                  <a:schemeClr val="tx1"/>
+                </a:solidFill>
+                <a:effectLst/>
+                <a:latin typeface="+mn-lt"/>
+                <a:ea typeface="+mn-ea"/>
+                <a:cs typeface="+mn-cs"/>
+              </a:rPr>
+              <a:t>client might create a RealSubject object at that point, perform initialization, check permissions of the client to invoke the method, and then invoke the method on the object. </a:t>
+            </a:r>
+            <a:endParaRPr lang="en-US" sz="1200" b="0" i="0" kern="1200" smtClean="0">
+              <a:solidFill>
+                <a:schemeClr val="tx1"/>
+              </a:solidFill>
+              <a:effectLst/>
+              <a:latin typeface="+mn-lt"/>
+              <a:ea typeface="+mn-ea"/>
+              <a:cs typeface="+mn-cs"/>
+            </a:endParaRPr>
+          </a:p>
+          <a:p>
+            <a:r>
+              <a:rPr lang="en-US" sz="1200" b="0" i="0" kern="1200" smtClean="0">
+                <a:solidFill>
+                  <a:schemeClr val="tx1"/>
+                </a:solidFill>
+                <a:effectLst/>
+                <a:latin typeface="+mn-lt"/>
+                <a:ea typeface="+mn-ea"/>
+                <a:cs typeface="+mn-cs"/>
+              </a:rPr>
+              <a:t>The </a:t>
+            </a:r>
+            <a:r>
+              <a:rPr lang="en-US" sz="1200" b="0" i="0" kern="1200">
+                <a:solidFill>
+                  <a:schemeClr val="tx1"/>
+                </a:solidFill>
+                <a:effectLst/>
+                <a:latin typeface="+mn-lt"/>
+                <a:ea typeface="+mn-ea"/>
+                <a:cs typeface="+mn-cs"/>
+              </a:rPr>
+              <a:t>client can also do additional tasks after invoking the doSomething() method, such as incrementing the number of references to the object.</a:t>
             </a:r>
             <a:endParaRPr lang="en-US"/>
           </a:p>
@@ -1225,7 +1775,7 @@
             <a:fld id="{B61BEF0D-F0BB-DE4B-95CE-6DB70DBA9567}" type="datetimeFigureOut">
               <a:rPr lang="en-US" smtClean="0"/>
               <a:pPr/>
-              <a:t>10/28/2016</a:t>
+              <a:t>11/4/2016</a:t>
             </a:fld>
             <a:endParaRPr lang="en-US" dirty="0"/>
           </a:p>
@@ -1446,7 +1996,7 @@
           <a:p>
             <a:fld id="{9AFE8FB1-0A7A-443E-AAF7-31D4FA1AA312}" type="datetimeFigureOut">
               <a:rPr lang="en-US" smtClean="0"/>
-              <a:t>10/28/2016</a:t>
+              <a:t>11/4/2016</a:t>
             </a:fld>
             <a:endParaRPr lang="en-US"/>
           </a:p>
@@ -1714,7 +2264,7 @@
           <a:p>
             <a:fld id="{9AFE8FB1-0A7A-443E-AAF7-31D4FA1AA312}" type="datetimeFigureOut">
               <a:rPr lang="en-US" smtClean="0"/>
-              <a:t>10/28/2016</a:t>
+              <a:t>11/4/2016</a:t>
             </a:fld>
             <a:endParaRPr lang="en-US"/>
           </a:p>
@@ -1900,7 +2450,7 @@
           <a:p>
             <a:fld id="{9AFE8FB1-0A7A-443E-AAF7-31D4FA1AA312}" type="datetimeFigureOut">
               <a:rPr lang="en-US" smtClean="0"/>
-              <a:t>10/28/2016</a:t>
+              <a:t>11/4/2016</a:t>
             </a:fld>
             <a:endParaRPr lang="en-US"/>
           </a:p>
@@ -2255,7 +2805,7 @@
           <a:p>
             <a:fld id="{9AFE8FB1-0A7A-443E-AAF7-31D4FA1AA312}" type="datetimeFigureOut">
               <a:rPr lang="en-US" smtClean="0"/>
-              <a:t>10/28/2016</a:t>
+              <a:t>11/4/2016</a:t>
             </a:fld>
             <a:endParaRPr lang="en-US"/>
           </a:p>
@@ -2542,7 +3092,7 @@
           <a:p>
             <a:fld id="{9AFE8FB1-0A7A-443E-AAF7-31D4FA1AA312}" type="datetimeFigureOut">
               <a:rPr lang="en-US" smtClean="0"/>
-              <a:t>10/28/2016</a:t>
+              <a:t>11/4/2016</a:t>
             </a:fld>
             <a:endParaRPr lang="en-US"/>
           </a:p>
@@ -2933,7 +3483,7 @@
           <a:p>
             <a:fld id="{9AFE8FB1-0A7A-443E-AAF7-31D4FA1AA312}" type="datetimeFigureOut">
               <a:rPr lang="en-US" smtClean="0"/>
-              <a:t>10/28/2016</a:t>
+              <a:t>11/4/2016</a:t>
             </a:fld>
             <a:endParaRPr lang="en-US"/>
           </a:p>
@@ -3063,7 +3613,7 @@
           <a:p>
             <a:fld id="{9AFE8FB1-0A7A-443E-AAF7-31D4FA1AA312}" type="datetimeFigureOut">
               <a:rPr lang="en-US" smtClean="0"/>
-              <a:t>10/28/2016</a:t>
+              <a:t>11/4/2016</a:t>
             </a:fld>
             <a:endParaRPr lang="en-US"/>
           </a:p>
@@ -3246,7 +3796,7 @@
           <a:p>
             <a:fld id="{9AFE8FB1-0A7A-443E-AAF7-31D4FA1AA312}" type="datetimeFigureOut">
               <a:rPr lang="en-US" smtClean="0"/>
-              <a:t>10/28/2016</a:t>
+              <a:t>11/4/2016</a:t>
             </a:fld>
             <a:endParaRPr lang="en-US"/>
           </a:p>
@@ -3612,7 +4162,7 @@
           <a:p>
             <a:fld id="{9AFE8FB1-0A7A-443E-AAF7-31D4FA1AA312}" type="datetimeFigureOut">
               <a:rPr lang="en-US" smtClean="0"/>
-              <a:t>10/28/2016</a:t>
+              <a:t>11/4/2016</a:t>
             </a:fld>
             <a:endParaRPr lang="en-US"/>
           </a:p>
@@ -4006,7 +4556,7 @@
           <a:p>
             <a:fld id="{9AFE8FB1-0A7A-443E-AAF7-31D4FA1AA312}" type="datetimeFigureOut">
               <a:rPr lang="en-US" smtClean="0"/>
-              <a:t>10/28/2016</a:t>
+              <a:t>11/4/2016</a:t>
             </a:fld>
             <a:endParaRPr lang="en-US"/>
           </a:p>
@@ -4306,7 +4856,7 @@
             <a:fld id="{9AFE8FB1-0A7A-443E-AAF7-31D4FA1AA312}" type="datetimeFigureOut">
               <a:rPr lang="en-US" smtClean="0"/>
               <a:pPr/>
-              <a:t>10/28/2016</a:t>
+              <a:t>11/4/2016</a:t>
             </a:fld>
             <a:endParaRPr lang="en-US"/>
           </a:p>
@@ -5339,23 +5889,21 @@
             <a:pPr lvl="1"/>
             <a:r>
               <a:rPr lang="vi-VN"/>
-              <a:t>Decorator đơn giản hóa mã bằng cách cho phép bạn để phát triển một loạt các chức năng từ ứng với các class tương ứng thay vì thêm tất cả các hành vi vào một đối tượng.</a:t>
+              <a:t>Decorator đơn giản hóa mã bằng cách cho phép bạn để phát triển một loạt các chức năng từ ứng với các class tương ứng thay vì thêm tất cả các hành vi vào một đối tượng</a:t>
+            </a:r>
+            <a:r>
+              <a:rPr lang="vi-VN" smtClean="0"/>
+              <a:t>.</a:t>
+            </a:r>
+            <a:endParaRPr lang="en-US" smtClean="0"/>
+          </a:p>
+          <a:p>
+            <a:pPr lvl="1"/>
+            <a:r>
+              <a:rPr lang="en-US" smtClean="0"/>
+              <a:t>Việc trang trí đối tượng bằng cách thêm vào các chức năng trong thời gian runtime làm cho việc debug chương trình khó khan hơn.</a:t>
             </a:r>
             <a:endParaRPr lang="en-US"/>
-          </a:p>
-          <a:p>
-            <a:pPr lvl="1"/>
-            <a:r>
-              <a:rPr lang="en-US"/>
-              <a:t>Decoration is more convenient for adding functionalities to objects instead of entire classes at runtime. With decoration it is also possible to remove the added functionalities dynamically.</a:t>
-            </a:r>
-          </a:p>
-          <a:p>
-            <a:pPr lvl="1"/>
-            <a:r>
-              <a:rPr lang="en-US"/>
-              <a:t>Decoration adds functionality to objects at runtime which would make debugging system functionality harder.</a:t>
-            </a:r>
           </a:p>
           <a:p>
             <a:pPr lvl="1"/>
@@ -5442,7 +5990,21 @@
           <a:bodyPr/>
           <a:lstStyle/>
           <a:p>
+            <a:r>
+              <a:rPr lang="en-US"/>
+              <a:t>- Chỉ có duy nhất một đối tượng bên trong một Decorator, có thể có nhiều các tùy chọn trang trí hay các lớp bao, và có một giao diện chung cho chúng nhằm giúp cho các lớp có thể hoán đổi với nhau (interchangeable</a:t>
+            </a:r>
+            <a:r>
+              <a:rPr lang="en-US" smtClean="0"/>
+              <a:t>).</a:t>
+            </a:r>
             <a:endParaRPr lang="en-US"/>
+          </a:p>
+          <a:p>
+            <a:r>
+              <a:rPr lang="en-US"/>
+              <a:t>- Lớp Decorator cần mô tả mối quan hệ thành phần với đối</a:t>
+            </a:r>
           </a:p>
         </p:txBody>
       </p:sp>
@@ -5525,6 +6087,34 @@
           <a:bodyPr/>
           <a:lstStyle/>
           <a:p>
+            <a:pPr lvl="1"/>
+            <a:r>
+              <a:rPr lang="en-US"/>
+              <a:t>Phát biểu bài toán</a:t>
+            </a:r>
+          </a:p>
+          <a:p>
+            <a:pPr lvl="1"/>
+            <a:r>
+              <a:rPr lang="en-US"/>
+              <a:t>Sơ đồ lớp</a:t>
+            </a:r>
+          </a:p>
+          <a:p>
+            <a:pPr lvl="1"/>
+            <a:r>
+              <a:rPr lang="en-US"/>
+              <a:t>Code mẫu</a:t>
+            </a:r>
+          </a:p>
+          <a:p>
+            <a:pPr lvl="1"/>
+            <a:r>
+              <a:rPr lang="en-US"/>
+              <a:t>Mối quan hệ của các đối tượng trong code mẫu.</a:t>
+            </a:r>
+          </a:p>
+          <a:p>
             <a:endParaRPr lang="en-US"/>
           </a:p>
         </p:txBody>
@@ -5593,32 +6183,28 @@
           </a:p>
         </p:txBody>
       </p:sp>
-      <p:pic>
-        <p:nvPicPr>
-          <p:cNvPr id="4" name="Content Placeholder 3"/>
-          <p:cNvPicPr>
-            <a:picLocks noGrp="1" noChangeAspect="1"/>
-          </p:cNvPicPr>
+      <p:sp>
+        <p:nvSpPr>
+          <p:cNvPr id="2" name="Content Placeholder 1"/>
+          <p:cNvSpPr>
+            <a:spLocks noGrp="1"/>
+          </p:cNvSpPr>
           <p:nvPr>
             <p:ph idx="1"/>
           </p:nvPr>
-        </p:nvPicPr>
-        <p:blipFill>
-          <a:blip r:embed="rId2"/>
-          <a:stretch>
-            <a:fillRect/>
-          </a:stretch>
-        </p:blipFill>
-        <p:spPr>
-          <a:xfrm>
-            <a:off x="2894012" y="2286000"/>
-            <a:ext cx="5878944" cy="2984695"/>
-          </a:xfrm>
-          <a:prstGeom prst="rect">
-            <a:avLst/>
-          </a:prstGeom>
-        </p:spPr>
-      </p:pic>
+        </p:nvSpPr>
+        <p:spPr/>
+        <p:txBody>
+          <a:bodyPr/>
+          <a:lstStyle/>
+          <a:p>
+            <a:pPr marL="0" indent="0">
+              <a:buNone/>
+            </a:pPr>
+            <a:endParaRPr lang="en-US" smtClean="0"/>
+          </a:p>
+        </p:txBody>
+      </p:sp>
     </p:spTree>
     <p:extLst>
       <p:ext uri="{BB962C8B-B14F-4D97-AF65-F5344CB8AC3E}">
@@ -5641,6 +6227,13 @@
       </p:transition>
     </mc:Fallback>
   </mc:AlternateContent>
+  <p:timing>
+    <p:tnLst>
+      <p:par>
+        <p:cTn id="1" dur="indefinite" restart="never" nodeType="tmRoot"/>
+      </p:par>
+    </p:tnLst>
+  </p:timing>
 </p:sld>
 </file>
 
@@ -5756,6 +6349,13 @@
       </p:transition>
     </mc:Fallback>
   </mc:AlternateContent>
+  <p:timing>
+    <p:tnLst>
+      <p:par>
+        <p:cTn id="1" dur="indefinite" restart="never" nodeType="tmRoot"/>
+      </p:par>
+    </p:tnLst>
+  </p:timing>
 </p:sld>
 </file>
 
@@ -5934,6 +6534,13 @@
       </p:transition>
     </mc:Fallback>
   </mc:AlternateContent>
+  <p:timing>
+    <p:tnLst>
+      <p:par>
+        <p:cTn id="1" dur="indefinite" restart="never" nodeType="tmRoot"/>
+      </p:par>
+    </p:tnLst>
+  </p:timing>
 </p:sld>
 </file>
 
@@ -5994,16 +6601,16 @@
           <a:p>
             <a:pPr lvl="1"/>
             <a:r>
-              <a:rPr lang="en-US" i="1"/>
+              <a:rPr lang="en-US" i="1" smtClean="0"/>
               <a:t>“</a:t>
             </a:r>
             <a:r>
-              <a:rPr lang="vi-VN" i="1"/>
-              <a:t>Gắn kết thêm một số tính năng cho đối tượng một cách linh động. Mẫu trang trí Decorator cung cấp một phương pháp linh hoạt hơn là sử dụng lớp con để mở rộng chức năng cho đối tượng</a:t>
-            </a:r>
-            <a:r>
-              <a:rPr lang="en-US"/>
-              <a:t>.” (GoF)</a:t>
+              <a:rPr lang="en-US" smtClean="0"/>
+              <a:t>.” </a:t>
+            </a:r>
+            <a:r>
+              <a:rPr lang="en-US"/>
+              <a:t>(GoF)</a:t>
             </a:r>
           </a:p>
           <a:p>
@@ -6033,6 +6640,13 @@
       </p:transition>
     </mc:Fallback>
   </mc:AlternateContent>
+  <p:timing>
+    <p:tnLst>
+      <p:par>
+        <p:cTn id="1" dur="indefinite" restart="never" nodeType="tmRoot"/>
+      </p:par>
+    </p:tnLst>
+  </p:timing>
 </p:sld>
 </file>
 
@@ -6093,16 +6707,45 @@
           </a:bodyPr>
           <a:lstStyle/>
           <a:p>
-            <a:r>
-              <a:rPr lang="en-US"/>
-              <a:t>This ability to control the access to an object can be required for a variety of reasons: controlling when a costly object needs to be instantiated and initialized, giving different access rights to an object, as well as providing a sophisticated means of accessing and referencing objects running in other processes, on other machines.</a:t>
-            </a:r>
-          </a:p>
-          <a:p>
-            <a:r>
-              <a:rPr lang="en-US"/>
-              <a:t>Consider for example an image viewer program. An image viewer program must be able to list and display high resolution photo objects that are in a folder, but how often do someone open a folder and view all the images inside. Sometimes you will be looking for a particular photo, sometimes you will only want to see an image name. The image viewer must be able to list all photo objects, but the photo objects must not be loaded into memory until they are required to be rendered.</a:t>
-            </a:r>
+            <a:pPr lvl="1">
+              <a:buFont typeface="Courier New" panose="02070309020205020404" pitchFamily="49" charset="0"/>
+              <a:buChar char="o"/>
+            </a:pPr>
+            <a:r>
+              <a:rPr lang="en-US" smtClean="0"/>
+              <a:t>Khi ta cần khả năng kiểm soát các truy xuất đến đôi tượng do nhiều lý do khác nhau:</a:t>
+            </a:r>
+          </a:p>
+          <a:p>
+            <a:pPr lvl="2">
+              <a:buFont typeface="Courier New" panose="02070309020205020404" pitchFamily="49" charset="0"/>
+              <a:buChar char="o"/>
+            </a:pPr>
+            <a:r>
+              <a:rPr lang="en-US" smtClean="0"/>
+              <a:t>Khi đối tượng đó tốn nhiều tài nguyên để được khởi tạo</a:t>
+            </a:r>
+          </a:p>
+          <a:p>
+            <a:pPr lvl="2">
+              <a:buFont typeface="Courier New" panose="02070309020205020404" pitchFamily="49" charset="0"/>
+              <a:buChar char="o"/>
+            </a:pPr>
+            <a:r>
+              <a:rPr lang="en-US" smtClean="0"/>
+              <a:t>Cung cấp các quyền truy cập vào đối tượng,</a:t>
+            </a:r>
+          </a:p>
+          <a:p>
+            <a:pPr lvl="2">
+              <a:buFont typeface="Courier New" panose="02070309020205020404" pitchFamily="49" charset="0"/>
+              <a:buChar char="o"/>
+            </a:pPr>
+            <a:r>
+              <a:rPr lang="en-US" smtClean="0"/>
+              <a:t>Cung cấp một cách truy cập sophisticated đối tượng đang chạy trên một tiến trình khác hay trên một máy tính khác</a:t>
+            </a:r>
+            <a:endParaRPr lang="en-US"/>
           </a:p>
         </p:txBody>
       </p:sp>
@@ -6128,6 +6771,13 @@
       </p:transition>
     </mc:Fallback>
   </mc:AlternateContent>
+  <p:timing>
+    <p:tnLst>
+      <p:par>
+        <p:cTn id="1" dur="indefinite" restart="never" nodeType="tmRoot"/>
+      </p:par>
+    </p:tnLst>
+  </p:timing>
 </p:sld>
 </file>
 
@@ -6325,7 +6975,7 @@
         <p:spPr/>
         <p:txBody>
           <a:bodyPr>
-            <a:normAutofit fontScale="77500" lnSpcReduction="20000"/>
+            <a:normAutofit lnSpcReduction="10000"/>
           </a:bodyPr>
           <a:lstStyle/>
           <a:p>
@@ -6367,58 +7017,75 @@
             </a:r>
             <a:r>
               <a:rPr lang="vi-VN"/>
-              <a:t>phức tạp đến một đối tượng.</a:t>
+              <a:t>phức tạp đến một đối tượng</a:t>
+            </a:r>
+            <a:r>
+              <a:rPr lang="vi-VN" smtClean="0"/>
+              <a:t>.</a:t>
+            </a:r>
+            <a:endParaRPr lang="en-US" smtClean="0"/>
+          </a:p>
+          <a:p>
+            <a:pPr lvl="1"/>
+            <a:r>
+              <a:rPr lang="en-US" smtClean="0"/>
+              <a:t>Các tình huống thường thấy khi cần áp dụng một mẫu proxy:</a:t>
+            </a:r>
+          </a:p>
+          <a:p>
+            <a:pPr lvl="2"/>
+            <a:r>
+              <a:rPr lang="en-US" smtClean="0"/>
+              <a:t>Proxy ảo: làm trì hoãn quá trình khởi tạo của một đối tượng tốn kém cho đến khi thực sự cần.. Ví dụ như chỉ tạo ra một đối tượng RealSubject khi và chỉ khi phương thức doSomething của nó được gọi tới.</a:t>
+            </a:r>
+          </a:p>
+          <a:p>
+            <a:pPr lvl="2"/>
+            <a:r>
+              <a:rPr lang="en-US" smtClean="0"/>
+              <a:t>Proxy từ xa: cung cấp một thể hiện cục bộ của một đối tượng trong một khoảng không gian địa chỉ khác. Một ví dụ là đối tượng stub của Java RMI. Đối tượng stub của RMI hoạt động như một proxy khi chúng ta invoke các phương thức của nó thì nó sẽ liên lạc với các đối tượng từ xa trên các máy tính khác (remote object) và invoke các phương thức của chúng.</a:t>
+            </a:r>
+          </a:p>
+          <a:p>
+            <a:pPr lvl="2"/>
+            <a:r>
+              <a:rPr lang="en-US" smtClean="0"/>
+              <a:t>Proxy bảo vệ: khi một proxy điều khiển truy cập đối một đối tượng RealObject nào đó, cho phép chúng từ đối không  bị truy xuất bởi các đối tượng khác.</a:t>
+            </a:r>
+          </a:p>
+          <a:p>
+            <a:pPr lvl="2"/>
+            <a:r>
+              <a:rPr lang="en-US"/>
+              <a:t>Liên kết thông minh: cung cấp </a:t>
+            </a:r>
+            <a:r>
+              <a:rPr lang="en-US"/>
+              <a:t>một </a:t>
+            </a:r>
+            <a:r>
+              <a:rPr lang="en-US" smtClean="0"/>
+              <a:t>cách </a:t>
+            </a:r>
+            <a:r>
+              <a:rPr lang="en-US"/>
+              <a:t>truy </a:t>
+            </a:r>
+            <a:r>
+              <a:rPr lang="en-US"/>
+              <a:t>cập </a:t>
+            </a:r>
+            <a:r>
+              <a:rPr lang="en-US" smtClean="0"/>
+              <a:t>sophisticated đến một số đối tượng nào đó và theo dõi số lượng các tham chiếu đên đối tượng và ngăn cản các truy cập tiếp theo nếu con số này đạt mức giới hạn, cũng như nạp một đối tượng từ CSDL vào bộ nhớ một cách demand</a:t>
             </a:r>
             <a:endParaRPr lang="en-US"/>
           </a:p>
           <a:p>
             <a:r>
               <a:rPr lang="en-US"/>
-              <a:t>Common Situations where the proxy pattern is applicable are:</a:t>
-            </a:r>
-            <a:br>
-              <a:rPr lang="en-US"/>
-            </a:br>
-            <a:r>
-              <a:rPr lang="en-US" b="1"/>
-              <a:t>Virtual Proxies</a:t>
-            </a:r>
-            <a:r>
-              <a:rPr lang="en-US"/>
-              <a:t>: delaying the creation and initialization of expensive objects until needed, where the objects are created on demand (For example creating the RealSubject object only when the doSomething method is invoked).</a:t>
-            </a:r>
-          </a:p>
-          <a:p>
-            <a:r>
-              <a:rPr lang="en-US" b="1"/>
-              <a:t>Remote Proxies</a:t>
-            </a:r>
-            <a:r>
-              <a:rPr lang="en-US"/>
-              <a:t>: providing a local representation for an object that is in a different address space. A common example is Java RMI stub objects. The stub object acts as a proxy where invoking methods on the stub would cause the stub to communicate and invoke methods on a remote object (called skeleton) found on a different machine.</a:t>
-            </a:r>
-          </a:p>
-          <a:p>
-            <a:r>
-              <a:rPr lang="en-US" b="1"/>
-              <a:t>Protection Proxies</a:t>
-            </a:r>
-            <a:r>
-              <a:rPr lang="en-US"/>
-              <a:t>: where a proxy controls access to RealSubject methods, by giving access to some objects while denying access to others.</a:t>
-            </a:r>
-          </a:p>
-          <a:p>
-            <a:r>
-              <a:rPr lang="en-US" b="1"/>
-              <a:t>Smart References</a:t>
-            </a:r>
-            <a:r>
-              <a:rPr lang="en-US"/>
-              <a:t>: providing a sophisticated access to certain objects such as tracking the number of references to an object and denying access if a certain number is reached, as well as loading an object from database into memory on demand.</a:t>
-            </a:r>
-          </a:p>
-          <a:p>
+              <a:t/>
+            </a:r>
             <a:br>
               <a:rPr lang="en-US"/>
             </a:br>
@@ -6451,6 +7118,13 @@
       </p:transition>
     </mc:Fallback>
   </mc:AlternateContent>
+  <p:timing>
+    <p:tnLst>
+      <p:par>
+        <p:cTn id="1" dur="indefinite" restart="never" nodeType="tmRoot"/>
+      </p:par>
+    </p:tnLst>
+  </p:timing>
 </p:sld>
 </file>
 
@@ -6542,6 +7216,13 @@
       </p:transition>
     </mc:Fallback>
   </mc:AlternateContent>
+  <p:timing>
+    <p:tnLst>
+      <p:par>
+        <p:cTn id="1" dur="indefinite" restart="never" nodeType="tmRoot"/>
+      </p:par>
+    </p:tnLst>
+  </p:timing>
 </p:sld>
 </file>
 
@@ -6598,7 +7279,7 @@
         <p:spPr/>
         <p:txBody>
           <a:bodyPr>
-            <a:normAutofit fontScale="85000" lnSpcReduction="20000"/>
+            <a:normAutofit fontScale="77500" lnSpcReduction="20000"/>
           </a:bodyPr>
           <a:lstStyle/>
           <a:p>
@@ -6615,8 +7296,19 @@
           <a:p>
             <a:pPr lvl="2"/>
             <a:r>
-              <a:rPr lang="en-US"/>
-              <a:t>maintains a reference that lets the proxy access the real subject. Proxy</a:t>
+              <a:rPr lang="en-US" smtClean="0"/>
+              <a:t>Giữ một tham chiếu cho phép proxy truy cập đến đối tượng thực sự.</a:t>
+            </a:r>
+          </a:p>
+          <a:p>
+            <a:pPr lvl="2"/>
+            <a:r>
+              <a:rPr lang="en-US" smtClean="0"/>
+              <a:t>maintains </a:t>
+            </a:r>
+            <a:r>
+              <a:rPr lang="en-US"/>
+              <a:t>a reference that lets the proxy access the real subject. Proxy</a:t>
             </a:r>
             <a:br>
               <a:rPr lang="en-US"/>
@@ -6752,14 +7444,27 @@
             <a:pPr lvl="1"/>
             <a:r>
               <a:rPr lang="en-US" b="1"/>
-              <a:t>Subject (IMath)</a:t>
-            </a:r>
+              <a:t>Subject </a:t>
+            </a:r>
+            <a:endParaRPr lang="en-US" b="1" smtClean="0"/>
           </a:p>
           <a:p>
             <a:pPr lvl="2"/>
             <a:r>
-              <a:rPr lang="en-US"/>
-              <a:t>defines the common interface for RealSubject and Proxy so that a Proxy</a:t>
+              <a:rPr lang="en-US" smtClean="0"/>
+              <a:t>Định nghĩa một giao diện chung cho cả RealSubject và Proxy, do đó một Proxy có thể được sử dụng ở bất kỳ đâu yêu cầu một đối tượng kiểu RealSubject.</a:t>
+            </a:r>
+            <a:endParaRPr lang="en-US" smtClean="0"/>
+          </a:p>
+          <a:p>
+            <a:pPr lvl="2"/>
+            <a:r>
+              <a:rPr lang="en-US" smtClean="0"/>
+              <a:t>defines </a:t>
+            </a:r>
+            <a:r>
+              <a:rPr lang="en-US"/>
+              <a:t>the common interface for RealSubject and Proxy so that a Proxy</a:t>
             </a:r>
             <a:br>
               <a:rPr lang="en-US"/>
@@ -6773,18 +7478,23 @@
             <a:pPr lvl="1"/>
             <a:r>
               <a:rPr lang="en-US" b="1"/>
-              <a:t>RealSubject (Math)</a:t>
-            </a:r>
+              <a:t>RealSubject </a:t>
+            </a:r>
+            <a:endParaRPr lang="en-US" smtClean="0"/>
           </a:p>
           <a:p>
             <a:pPr lvl="2"/>
             <a:r>
-              <a:rPr lang="en-US"/>
-              <a:t>defines the real object that the proxy represents </a:t>
+              <a:rPr lang="en-US" smtClean="0"/>
+              <a:t>Định nghĩa đối tượng thực sự mà proxy đang thể hiện</a:t>
             </a:r>
             <a:br>
-              <a:rPr lang="en-US"/>
+              <a:rPr lang="en-US" smtClean="0"/>
             </a:br>
+            <a:r>
+              <a:rPr lang="en-US"/>
+              <a:t/>
+            </a:r>
             <a:br>
               <a:rPr lang="en-US"/>
             </a:br>
@@ -6814,6 +7524,13 @@
       </p:transition>
     </mc:Fallback>
   </mc:AlternateContent>
+  <p:timing>
+    <p:tnLst>
+      <p:par>
+        <p:cTn id="1" dur="indefinite" restart="never" nodeType="tmRoot"/>
+      </p:par>
+    </p:tnLst>
+  </p:timing>
 </p:sld>
 </file>
 
@@ -6921,6 +7638,13 @@
       </p:transition>
     </mc:Fallback>
   </mc:AlternateContent>
+  <p:timing>
+    <p:tnLst>
+      <p:par>
+        <p:cTn id="1" dur="indefinite" restart="never" nodeType="tmRoot"/>
+      </p:par>
+    </p:tnLst>
+  </p:timing>
 </p:sld>
 </file>
 
@@ -7645,7 +8369,62 @@
             <a:pPr lvl="2"/>
             <a:r>
               <a:rPr lang="en-US" b="1"/>
-              <a:t>Adapter </a:t>
+              <a:t>Adapter – C</a:t>
+            </a:r>
+            <a:r>
+              <a:rPr lang="en-US"/>
+              <a:t>ung cấp một giao diện mới phù hợp hơn cho một đối tượng</a:t>
+            </a:r>
+          </a:p>
+          <a:p>
+            <a:pPr lvl="2"/>
+            <a:r>
+              <a:rPr lang="en-US" b="1"/>
+              <a:t>Bridge – </a:t>
+            </a:r>
+            <a:r>
+              <a:rPr lang="en-US"/>
+              <a:t>Tách rời phần trừu tượng và phàn hiện thức của một đối tượng</a:t>
+            </a:r>
+          </a:p>
+          <a:p>
+            <a:pPr lvl="2"/>
+            <a:r>
+              <a:rPr lang="en-US" b="1"/>
+              <a:t>Com	posite – </a:t>
+            </a:r>
+            <a:r>
+              <a:rPr lang="en-US"/>
+              <a:t>Kết hợp nhiều đối tượng bên trong một đối tượng khác để quản lý</a:t>
+            </a:r>
+          </a:p>
+          <a:p>
+            <a:pPr lvl="2"/>
+            <a:r>
+              <a:rPr lang="en-US" b="1"/>
+              <a:t>Decorator – </a:t>
+            </a:r>
+            <a:r>
+              <a:rPr lang="en-US"/>
+              <a:t>Cung cấp them các trách nhiệm cho một đôi tượng một cách linh hoạt</a:t>
+            </a:r>
+          </a:p>
+          <a:p>
+            <a:pPr lvl="2"/>
+            <a:r>
+              <a:rPr lang="en-US" b="1"/>
+              <a:t>Façade – </a:t>
+            </a:r>
+            <a:r>
+              <a:rPr lang="en-US"/>
+              <a:t>Cung cấp một giao diện duy nhất cho một </a:t>
+            </a:r>
+          </a:p>
+          <a:p>
+            <a:pPr lvl="2"/>
+            <a:r>
+              <a:rPr lang="en-US" b="1"/>
+              <a:t>Flyweight - </a:t>
             </a:r>
             <a:endParaRPr lang="en-US"/>
           </a:p>
@@ -7653,49 +8432,12 @@
             <a:pPr lvl="2"/>
             <a:r>
               <a:rPr lang="en-US" b="1"/>
-              <a:t>Bridge</a:t>
-            </a:r>
-            <a:endParaRPr lang="en-US"/>
-          </a:p>
-          <a:p>
-            <a:pPr lvl="2"/>
-            <a:r>
-              <a:rPr lang="en-US" b="1"/>
-              <a:t>Com	posite</a:t>
-            </a:r>
-            <a:endParaRPr lang="en-US"/>
-          </a:p>
-          <a:p>
-            <a:pPr lvl="2"/>
-            <a:r>
-              <a:rPr lang="en-US" b="1"/>
-              <a:t>Decorator</a:t>
-            </a:r>
-            <a:endParaRPr lang="en-US"/>
-          </a:p>
-          <a:p>
-            <a:pPr lvl="2"/>
-            <a:r>
-              <a:rPr lang="en-US" b="1"/>
-              <a:t>Façade</a:t>
-            </a:r>
-            <a:endParaRPr lang="en-US"/>
-          </a:p>
-          <a:p>
-            <a:pPr lvl="2"/>
-            <a:r>
-              <a:rPr lang="en-US" b="1"/>
-              <a:t>Flyweight</a:t>
-            </a:r>
-            <a:endParaRPr lang="en-US"/>
-          </a:p>
-          <a:p>
-            <a:pPr lvl="2"/>
-            <a:r>
-              <a:rPr lang="en-US" b="1"/>
-              <a:t>Proxy</a:t>
-            </a:r>
-            <a:endParaRPr lang="en-US"/>
+              <a:t>Proxy – </a:t>
+            </a:r>
+            <a:r>
+              <a:rPr lang="en-US"/>
+              <a:t>Cung cấp một sự kiểm soát các truy cập đến một đối tượng</a:t>
+            </a:r>
           </a:p>
           <a:p>
             <a:pPr lvl="2"/>

--- a/DP version 1.1.pptx
+++ b/DP version 1.1.pptx
@@ -5,10 +5,10 @@
     <p:sldMasterId id="2147483809" r:id="rId2"/>
   </p:sldMasterIdLst>
   <p:notesMasterIdLst>
-    <p:notesMasterId r:id="rId31"/>
+    <p:notesMasterId r:id="rId35"/>
   </p:notesMasterIdLst>
   <p:handoutMasterIdLst>
-    <p:handoutMasterId r:id="rId32"/>
+    <p:handoutMasterId r:id="rId36"/>
   </p:handoutMasterIdLst>
   <p:sldIdLst>
     <p:sldId id="256" r:id="rId3"/>
@@ -25,20 +25,24 @@
     <p:sldId id="270" r:id="rId14"/>
     <p:sldId id="271" r:id="rId15"/>
     <p:sldId id="272" r:id="rId16"/>
-    <p:sldId id="273" r:id="rId17"/>
-    <p:sldId id="274" r:id="rId18"/>
-    <p:sldId id="275" r:id="rId19"/>
-    <p:sldId id="276" r:id="rId20"/>
-    <p:sldId id="277" r:id="rId21"/>
-    <p:sldId id="287" r:id="rId22"/>
-    <p:sldId id="278" r:id="rId23"/>
-    <p:sldId id="279" r:id="rId24"/>
-    <p:sldId id="280" r:id="rId25"/>
-    <p:sldId id="281" r:id="rId26"/>
-    <p:sldId id="282" r:id="rId27"/>
-    <p:sldId id="283" r:id="rId28"/>
-    <p:sldId id="284" r:id="rId29"/>
-    <p:sldId id="285" r:id="rId30"/>
+    <p:sldId id="288" r:id="rId17"/>
+    <p:sldId id="289" r:id="rId18"/>
+    <p:sldId id="291" r:id="rId19"/>
+    <p:sldId id="290" r:id="rId20"/>
+    <p:sldId id="273" r:id="rId21"/>
+    <p:sldId id="274" r:id="rId22"/>
+    <p:sldId id="275" r:id="rId23"/>
+    <p:sldId id="276" r:id="rId24"/>
+    <p:sldId id="277" r:id="rId25"/>
+    <p:sldId id="287" r:id="rId26"/>
+    <p:sldId id="278" r:id="rId27"/>
+    <p:sldId id="279" r:id="rId28"/>
+    <p:sldId id="280" r:id="rId29"/>
+    <p:sldId id="281" r:id="rId30"/>
+    <p:sldId id="282" r:id="rId31"/>
+    <p:sldId id="283" r:id="rId32"/>
+    <p:sldId id="284" r:id="rId33"/>
+    <p:sldId id="285" r:id="rId34"/>
   </p:sldIdLst>
   <p:sldSz cx="12188825" cy="6858000"/>
   <p:notesSz cx="6858000" cy="9144000"/>
@@ -302,7 +306,7 @@
           <a:p>
             <a:fld id="{784AA43A-3F76-4A13-9CD6-36134EB429E3}" type="datetimeFigureOut">
               <a:rPr lang="en-US"/>
-              <a:t>11/4/2016</a:t>
+              <a:t>11/5/2016</a:t>
             </a:fld>
             <a:endParaRPr/>
           </a:p>
@@ -467,7 +471,7 @@
           <a:p>
             <a:fld id="{5F674A4F-2B7A-4ECB-A400-260B2FFC03C1}" type="datetimeFigureOut">
               <a:rPr lang="en-US"/>
-              <a:t>11/4/2016</a:t>
+              <a:t>11/5/2016</a:t>
             </a:fld>
             <a:endParaRPr/>
           </a:p>
@@ -946,26 +950,6 @@
           <a:bodyPr/>
           <a:lstStyle/>
           <a:p>
-            <a:r>
-              <a:rPr lang="en-US" smtClean="0"/>
-              <a:t>Các control trong Windows Form</a:t>
-            </a:r>
-          </a:p>
-          <a:p>
-            <a:r>
-              <a:rPr lang="en-US" smtClean="0"/>
-              <a:t>Các</a:t>
-            </a:r>
-            <a:r>
-              <a:rPr lang="en-US" baseline="0" smtClean="0"/>
-              <a:t> lớp Stream trong .NET (Buffered Reader là một decorator của Stream class)</a:t>
-            </a:r>
-          </a:p>
-          <a:p>
-            <a:r>
-              <a:rPr lang="en-US" baseline="0" smtClean="0"/>
-              <a:t>Extension method trong .NET, (cho các class bị sealed vẫn có thể them vào các phương thứ)</a:t>
-            </a:r>
             <a:endParaRPr lang="en-US"/>
           </a:p>
         </p:txBody>
@@ -987,7 +971,7 @@
           <a:p>
             <a:fld id="{01F2A70B-78F2-4DCF-B53B-C990D2FAFB8A}" type="slidenum">
               <a:rPr lang="en-US" smtClean="0"/>
-              <a:t>15</a:t>
+              <a:t>19</a:t>
             </a:fld>
             <a:endParaRPr lang="en-US"/>
           </a:p>
@@ -1128,7 +1112,7 @@
           <a:p>
             <a:fld id="{01F2A70B-78F2-4DCF-B53B-C990D2FAFB8A}" type="slidenum">
               <a:rPr lang="en-US" smtClean="0"/>
-              <a:t>18</a:t>
+              <a:t>22</a:t>
             </a:fld>
             <a:endParaRPr lang="en-US"/>
           </a:p>
@@ -1304,7 +1288,7 @@
           <a:p>
             <a:fld id="{01F2A70B-78F2-4DCF-B53B-C990D2FAFB8A}" type="slidenum">
               <a:rPr lang="en-US" smtClean="0"/>
-              <a:t>19</a:t>
+              <a:t>23</a:t>
             </a:fld>
             <a:endParaRPr lang="en-US"/>
           </a:p>
@@ -1368,6 +1352,113 @@
           <a:lstStyle/>
           <a:p>
             <a:r>
+              <a:rPr lang="vi-VN" sz="1200" b="1" i="0" kern="1200" smtClean="0">
+                <a:solidFill>
+                  <a:schemeClr val="tx1"/>
+                </a:solidFill>
+                <a:effectLst/>
+                <a:latin typeface="+mn-lt"/>
+                <a:ea typeface="+mn-ea"/>
+                <a:cs typeface="+mn-cs"/>
+              </a:rPr>
+              <a:t/>
+            </a:r>
+            <a:br>
+              <a:rPr lang="vi-VN" sz="1200" b="1" i="0" kern="1200" smtClean="0">
+                <a:solidFill>
+                  <a:schemeClr val="tx1"/>
+                </a:solidFill>
+                <a:effectLst/>
+                <a:latin typeface="+mn-lt"/>
+                <a:ea typeface="+mn-ea"/>
+                <a:cs typeface="+mn-cs"/>
+              </a:rPr>
+            </a:br>
+            <a:endParaRPr lang="en-US"/>
+          </a:p>
+        </p:txBody>
+      </p:sp>
+      <p:sp>
+        <p:nvSpPr>
+          <p:cNvPr id="4" name="Slide Number Placeholder 3"/>
+          <p:cNvSpPr>
+            <a:spLocks noGrp="1"/>
+          </p:cNvSpPr>
+          <p:nvPr>
+            <p:ph type="sldNum" sz="quarter" idx="10"/>
+          </p:nvPr>
+        </p:nvSpPr>
+        <p:spPr/>
+        <p:txBody>
+          <a:bodyPr/>
+          <a:lstStyle/>
+          <a:p>
+            <a:fld id="{01F2A70B-78F2-4DCF-B53B-C990D2FAFB8A}" type="slidenum">
+              <a:rPr lang="en-US" smtClean="0"/>
+              <a:t>24</a:t>
+            </a:fld>
+            <a:endParaRPr lang="en-US"/>
+          </a:p>
+        </p:txBody>
+      </p:sp>
+    </p:spTree>
+    <p:extLst>
+      <p:ext uri="{BB962C8B-B14F-4D97-AF65-F5344CB8AC3E}">
+        <p14:creationId xmlns:p14="http://schemas.microsoft.com/office/powerpoint/2010/main" val="1790935400"/>
+      </p:ext>
+    </p:extLst>
+  </p:cSld>
+  <p:clrMapOvr>
+    <a:masterClrMapping/>
+  </p:clrMapOvr>
+</p:notes>
+</file>
+
+<file path=ppt/notesSlides/notesSlide7.xml><?xml version="1.0" encoding="utf-8"?>
+<p:notes xmlns:a="http://schemas.openxmlformats.org/drawingml/2006/main" xmlns:r="http://schemas.openxmlformats.org/officeDocument/2006/relationships" xmlns:p="http://schemas.openxmlformats.org/presentationml/2006/main">
+  <p:cSld>
+    <p:spTree>
+      <p:nvGrpSpPr>
+        <p:cNvPr id="1" name=""/>
+        <p:cNvGrpSpPr/>
+        <p:nvPr/>
+      </p:nvGrpSpPr>
+      <p:grpSpPr>
+        <a:xfrm>
+          <a:off x="0" y="0"/>
+          <a:ext cx="0" cy="0"/>
+          <a:chOff x="0" y="0"/>
+          <a:chExt cx="0" cy="0"/>
+        </a:xfrm>
+      </p:grpSpPr>
+      <p:sp>
+        <p:nvSpPr>
+          <p:cNvPr id="2" name="Slide Image Placeholder 1"/>
+          <p:cNvSpPr>
+            <a:spLocks noGrp="1" noRot="1" noChangeAspect="1"/>
+          </p:cNvSpPr>
+          <p:nvPr>
+            <p:ph type="sldImg"/>
+          </p:nvPr>
+        </p:nvSpPr>
+        <p:spPr/>
+      </p:sp>
+      <p:sp>
+        <p:nvSpPr>
+          <p:cNvPr id="3" name="Notes Placeholder 2"/>
+          <p:cNvSpPr>
+            <a:spLocks noGrp="1"/>
+          </p:cNvSpPr>
+          <p:nvPr>
+            <p:ph type="body" idx="1"/>
+          </p:nvPr>
+        </p:nvSpPr>
+        <p:spPr/>
+        <p:txBody>
+          <a:bodyPr/>
+          <a:lstStyle/>
+          <a:p>
+            <a:r>
               <a:rPr lang="en-US" sz="1200" b="0" i="0" kern="1200">
                 <a:solidFill>
                   <a:schemeClr val="tx1"/>
@@ -1529,7 +1620,7 @@
           <a:p>
             <a:fld id="{01F2A70B-78F2-4DCF-B53B-C990D2FAFB8A}" type="slidenum">
               <a:rPr lang="en-US" smtClean="0"/>
-              <a:t>21</a:t>
+              <a:t>25</a:t>
             </a:fld>
             <a:endParaRPr lang="en-US"/>
           </a:p>
@@ -1775,7 +1866,7 @@
             <a:fld id="{B61BEF0D-F0BB-DE4B-95CE-6DB70DBA9567}" type="datetimeFigureOut">
               <a:rPr lang="en-US" smtClean="0"/>
               <a:pPr/>
-              <a:t>11/4/2016</a:t>
+              <a:t>11/5/2016</a:t>
             </a:fld>
             <a:endParaRPr lang="en-US" dirty="0"/>
           </a:p>
@@ -1996,7 +2087,7 @@
           <a:p>
             <a:fld id="{9AFE8FB1-0A7A-443E-AAF7-31D4FA1AA312}" type="datetimeFigureOut">
               <a:rPr lang="en-US" smtClean="0"/>
-              <a:t>11/4/2016</a:t>
+              <a:t>11/5/2016</a:t>
             </a:fld>
             <a:endParaRPr lang="en-US"/>
           </a:p>
@@ -2264,7 +2355,7 @@
           <a:p>
             <a:fld id="{9AFE8FB1-0A7A-443E-AAF7-31D4FA1AA312}" type="datetimeFigureOut">
               <a:rPr lang="en-US" smtClean="0"/>
-              <a:t>11/4/2016</a:t>
+              <a:t>11/5/2016</a:t>
             </a:fld>
             <a:endParaRPr lang="en-US"/>
           </a:p>
@@ -2369,7 +2460,9 @@
           <a:bodyPr/>
           <a:lstStyle>
             <a:lvl1pPr marL="0">
-              <a:defRPr/>
+              <a:defRPr>
+                <a:latin typeface="Constantia" panose="02030602050306030303" pitchFamily="18" charset="0"/>
+              </a:defRPr>
             </a:lvl1pPr>
           </a:lstStyle>
           <a:p>
@@ -2394,7 +2487,33 @@
         <p:spPr/>
         <p:txBody>
           <a:bodyPr/>
-          <a:lstStyle/>
+          <a:lstStyle>
+            <a:lvl1pPr>
+              <a:defRPr>
+                <a:latin typeface="Constantia" panose="02030602050306030303" pitchFamily="18" charset="0"/>
+              </a:defRPr>
+            </a:lvl1pPr>
+            <a:lvl2pPr>
+              <a:defRPr sz="1800">
+                <a:latin typeface="Constantia" panose="02030602050306030303" pitchFamily="18" charset="0"/>
+              </a:defRPr>
+            </a:lvl2pPr>
+            <a:lvl3pPr>
+              <a:defRPr sz="1600">
+                <a:latin typeface="Constantia" panose="02030602050306030303" pitchFamily="18" charset="0"/>
+              </a:defRPr>
+            </a:lvl3pPr>
+            <a:lvl4pPr>
+              <a:defRPr sz="1600">
+                <a:latin typeface="Constantia" panose="02030602050306030303" pitchFamily="18" charset="0"/>
+              </a:defRPr>
+            </a:lvl4pPr>
+            <a:lvl5pPr>
+              <a:defRPr sz="1600">
+                <a:latin typeface="Constantia" panose="02030602050306030303" pitchFamily="18" charset="0"/>
+              </a:defRPr>
+            </a:lvl5pPr>
+          </a:lstStyle>
           <a:p>
             <a:pPr lvl="0"/>
             <a:r>
@@ -2450,7 +2569,7 @@
           <a:p>
             <a:fld id="{9AFE8FB1-0A7A-443E-AAF7-31D4FA1AA312}" type="datetimeFigureOut">
               <a:rPr lang="en-US" smtClean="0"/>
-              <a:t>11/4/2016</a:t>
+              <a:t>11/5/2016</a:t>
             </a:fld>
             <a:endParaRPr lang="en-US"/>
           </a:p>
@@ -2805,7 +2924,7 @@
           <a:p>
             <a:fld id="{9AFE8FB1-0A7A-443E-AAF7-31D4FA1AA312}" type="datetimeFigureOut">
               <a:rPr lang="en-US" smtClean="0"/>
-              <a:t>11/4/2016</a:t>
+              <a:t>11/5/2016</a:t>
             </a:fld>
             <a:endParaRPr lang="en-US"/>
           </a:p>
@@ -3092,7 +3211,7 @@
           <a:p>
             <a:fld id="{9AFE8FB1-0A7A-443E-AAF7-31D4FA1AA312}" type="datetimeFigureOut">
               <a:rPr lang="en-US" smtClean="0"/>
-              <a:t>11/4/2016</a:t>
+              <a:t>11/5/2016</a:t>
             </a:fld>
             <a:endParaRPr lang="en-US"/>
           </a:p>
@@ -3483,7 +3602,7 @@
           <a:p>
             <a:fld id="{9AFE8FB1-0A7A-443E-AAF7-31D4FA1AA312}" type="datetimeFigureOut">
               <a:rPr lang="en-US" smtClean="0"/>
-              <a:t>11/4/2016</a:t>
+              <a:t>11/5/2016</a:t>
             </a:fld>
             <a:endParaRPr lang="en-US"/>
           </a:p>
@@ -3613,7 +3732,7 @@
           <a:p>
             <a:fld id="{9AFE8FB1-0A7A-443E-AAF7-31D4FA1AA312}" type="datetimeFigureOut">
               <a:rPr lang="en-US" smtClean="0"/>
-              <a:t>11/4/2016</a:t>
+              <a:t>11/5/2016</a:t>
             </a:fld>
             <a:endParaRPr lang="en-US"/>
           </a:p>
@@ -3796,7 +3915,7 @@
           <a:p>
             <a:fld id="{9AFE8FB1-0A7A-443E-AAF7-31D4FA1AA312}" type="datetimeFigureOut">
               <a:rPr lang="en-US" smtClean="0"/>
-              <a:t>11/4/2016</a:t>
+              <a:t>11/5/2016</a:t>
             </a:fld>
             <a:endParaRPr lang="en-US"/>
           </a:p>
@@ -4162,7 +4281,7 @@
           <a:p>
             <a:fld id="{9AFE8FB1-0A7A-443E-AAF7-31D4FA1AA312}" type="datetimeFigureOut">
               <a:rPr lang="en-US" smtClean="0"/>
-              <a:t>11/4/2016</a:t>
+              <a:t>11/5/2016</a:t>
             </a:fld>
             <a:endParaRPr lang="en-US"/>
           </a:p>
@@ -4556,7 +4675,7 @@
           <a:p>
             <a:fld id="{9AFE8FB1-0A7A-443E-AAF7-31D4FA1AA312}" type="datetimeFigureOut">
               <a:rPr lang="en-US" smtClean="0"/>
-              <a:t>11/4/2016</a:t>
+              <a:t>11/5/2016</a:t>
             </a:fld>
             <a:endParaRPr lang="en-US"/>
           </a:p>
@@ -4856,7 +4975,7 @@
             <a:fld id="{9AFE8FB1-0A7A-443E-AAF7-31D4FA1AA312}" type="datetimeFigureOut">
               <a:rPr lang="en-US" smtClean="0"/>
               <a:pPr/>
-              <a:t>11/4/2016</a:t>
+              <a:t>11/5/2016</a:t>
             </a:fld>
             <a:endParaRPr lang="en-US"/>
           </a:p>
@@ -5419,11 +5538,14 @@
                 <a:solidFill>
                   <a:schemeClr val="tx1"/>
                 </a:solidFill>
+                <a:latin typeface="Constantia" panose="02030602050306030303" pitchFamily="18" charset="0"/>
               </a:rPr>
               <a:t>DESIGN</a:t>
             </a:r>
             <a:r>
-              <a:rPr lang="en-US" sz="5400"/>
+              <a:rPr lang="en-US" sz="5400">
+                <a:latin typeface="Constantia" panose="02030602050306030303" pitchFamily="18" charset="0"/>
+              </a:rPr>
               <a:t>  </a:t>
             </a:r>
             <a:r>
@@ -5431,6 +5553,7 @@
                 <a:solidFill>
                   <a:schemeClr val="tx1"/>
                 </a:solidFill>
+                <a:latin typeface="Constantia" panose="02030602050306030303" pitchFamily="18" charset="0"/>
               </a:rPr>
               <a:t>PATTERN</a:t>
             </a:r>
@@ -5438,6 +5561,7 @@
               <a:solidFill>
                 <a:schemeClr val="tx1"/>
               </a:solidFill>
+              <a:latin typeface="Constantia" panose="02030602050306030303" pitchFamily="18" charset="0"/>
             </a:endParaRPr>
           </a:p>
         </p:txBody>
@@ -5455,7 +5579,7 @@
         <p:spPr>
           <a:xfrm>
             <a:off x="1039097" y="3429000"/>
-            <a:ext cx="10110630" cy="594360"/>
+            <a:ext cx="10110630" cy="1447800"/>
           </a:xfrm>
         </p:spPr>
         <p:txBody>
@@ -5482,8 +5606,52 @@
                   <a:schemeClr val="tx1"/>
                 </a:solidFill>
               </a:rPr>
-              <a:t>Nhóm trình bày: 28</a:t>
-            </a:r>
+              <a:t>Nhóm trình bày: </a:t>
+            </a:r>
+            <a:r>
+              <a:rPr lang="en-US" smtClean="0">
+                <a:solidFill>
+                  <a:schemeClr val="tx1"/>
+                </a:solidFill>
+              </a:rPr>
+              <a:t>28</a:t>
+            </a:r>
+          </a:p>
+          <a:p>
+            <a:pPr algn="ctr"/>
+            <a:r>
+              <a:rPr lang="en-US" smtClean="0">
+                <a:solidFill>
+                  <a:schemeClr val="tx1"/>
+                </a:solidFill>
+              </a:rPr>
+              <a:t>Văn Vũ Tuấn</a:t>
+            </a:r>
+          </a:p>
+          <a:p>
+            <a:pPr algn="ctr"/>
+            <a:r>
+              <a:rPr lang="en-US" smtClean="0">
+                <a:solidFill>
+                  <a:schemeClr val="tx1"/>
+                </a:solidFill>
+              </a:rPr>
+              <a:t>Phạm Ngọc Linh</a:t>
+            </a:r>
+          </a:p>
+          <a:p>
+            <a:pPr algn="ctr"/>
+            <a:r>
+              <a:rPr lang="en-US" smtClean="0">
+                <a:solidFill>
+                  <a:schemeClr val="tx1"/>
+                </a:solidFill>
+              </a:rPr>
+              <a:t>Huỳnh Đức Đăng Khoa</a:t>
+            </a:r>
+          </a:p>
+          <a:p>
+            <a:pPr algn="ctr"/>
             <a:endParaRPr lang="en-US" dirty="0">
               <a:solidFill>
                 <a:schemeClr val="tx1"/>
@@ -5500,8 +5668,8 @@
         </p:nvSpPr>
         <p:spPr>
           <a:xfrm>
-            <a:off x="3869220" y="762000"/>
-            <a:ext cx="4450385" cy="341632"/>
+            <a:off x="3586396" y="685800"/>
+            <a:ext cx="5031442" cy="341632"/>
           </a:xfrm>
           <a:prstGeom prst="rect">
             <a:avLst/>
@@ -5519,10 +5687,26 @@
               </a:lnSpc>
             </a:pPr>
             <a:r>
-              <a:rPr lang="en-US"/>
-              <a:t>Trường ĐH Công nghệ thông tin - ĐHQG HCM</a:t>
-            </a:r>
-            <a:endParaRPr lang="en-US" dirty="0"/>
+              <a:rPr lang="en-US">
+                <a:latin typeface="Constantia" panose="02030602050306030303" pitchFamily="18" charset="0"/>
+              </a:rPr>
+              <a:t>Trường ĐH Công nghệ </a:t>
+            </a:r>
+            <a:r>
+              <a:rPr lang="en-US" smtClean="0">
+                <a:latin typeface="Constantia" panose="02030602050306030303" pitchFamily="18" charset="0"/>
+              </a:rPr>
+              <a:t>Thông </a:t>
+            </a:r>
+            <a:r>
+              <a:rPr lang="en-US">
+                <a:latin typeface="Constantia" panose="02030602050306030303" pitchFamily="18" charset="0"/>
+              </a:rPr>
+              <a:t>tin - ĐHQG HCM</a:t>
+            </a:r>
+            <a:endParaRPr lang="en-US" dirty="0">
+              <a:latin typeface="Constantia" panose="02030602050306030303" pitchFamily="18" charset="0"/>
+            </a:endParaRPr>
           </a:p>
         </p:txBody>
       </p:sp>
@@ -5548,6 +5732,13 @@
       </p:transition>
     </mc:Fallback>
   </mc:AlternateContent>
+  <p:timing>
+    <p:tnLst>
+      <p:par>
+        <p:cTn id="1" dur="indefinite" restart="never" nodeType="tmRoot"/>
+      </p:par>
+    </p:tnLst>
+  </p:timing>
 </p:sld>
 </file>
 
@@ -5621,7 +5812,7 @@
           <a:p>
             <a:pPr lvl="2"/>
             <a:r>
-              <a:rPr lang="en-US"/>
+              <a:rPr lang="en-US" sz="1800"/>
               <a:t>Một giao diện được định nghĩa cho các đối tượng cần được trang trí.</a:t>
             </a:r>
           </a:p>
@@ -5639,8 +5830,12 @@
           <a:p>
             <a:pPr lvl="2"/>
             <a:r>
+              <a:rPr lang="en-US" sz="1800"/>
+              <a:t>Một đối tượng cụ thể hiện thực giao diện Component</a:t>
+            </a:r>
+            <a:r>
               <a:rPr lang="en-US"/>
-              <a:t>Một đối tượng cụ thể hiện thực giao diện Component.</a:t>
+              <a:t>.</a:t>
             </a:r>
           </a:p>
           <a:p>
@@ -5654,16 +5849,62 @@
           <a:p>
             <a:pPr lvl="2"/>
             <a:r>
-              <a:rPr lang="en-US"/>
-              <a:t>Có kiểu dữ liệu phù hợp với Component và giữ một tham chiếu đến một đối tượng kiểu Component </a:t>
-            </a:r>
+              <a:rPr lang="en-US" sz="1800" smtClean="0"/>
+              <a:t>Là lớp thuần ảo có </a:t>
+            </a:r>
+            <a:r>
+              <a:rPr lang="en-US" sz="1800"/>
+              <a:t>kiểu dữ </a:t>
+            </a:r>
+            <a:r>
+              <a:rPr lang="en-US" sz="1800"/>
+              <a:t>liệu </a:t>
+            </a:r>
+            <a:r>
+              <a:rPr lang="en-US" sz="1800" smtClean="0"/>
+              <a:t>được kế thừa Component </a:t>
+            </a:r>
+            <a:r>
+              <a:rPr lang="en-US" sz="1800"/>
+              <a:t>và giữ một tham chiếu đến một đối tượng </a:t>
+            </a:r>
+            <a:r>
+              <a:rPr lang="en-US" sz="1800"/>
+              <a:t>kiểu </a:t>
+            </a:r>
+            <a:r>
+              <a:rPr lang="en-US" sz="1800" smtClean="0"/>
+              <a:t>Component. </a:t>
+            </a:r>
+            <a:endParaRPr lang="en-US" sz="1800"/>
           </a:p>
           <a:p>
             <a:pPr lvl="2"/>
             <a:r>
-              <a:rPr lang="en-US"/>
-              <a:t>Định nghĩa một giao diện nhất quán cho các Decorator hiện thực nó</a:t>
-            </a:r>
+              <a:rPr lang="en-US" sz="1800"/>
+              <a:t>Định nghĩa một giao </a:t>
+            </a:r>
+            <a:r>
+              <a:rPr lang="en-US" sz="1800"/>
+              <a:t>diện </a:t>
+            </a:r>
+            <a:r>
+              <a:rPr lang="en-US" sz="1800" smtClean="0"/>
+              <a:t>nhất </a:t>
+            </a:r>
+            <a:r>
+              <a:rPr lang="en-US" sz="1800"/>
+              <a:t>quán cho các Decorator hiện </a:t>
+            </a:r>
+            <a:r>
+              <a:rPr lang="en-US" sz="1800"/>
+              <a:t>thực </a:t>
+            </a:r>
+            <a:r>
+              <a:rPr lang="en-US" sz="1800" smtClean="0"/>
+              <a:t>nó.</a:t>
+            </a:r>
+            <a:endParaRPr lang="en-US" sz="1800"/>
           </a:p>
           <a:p>
             <a:pPr lvl="1"/>
@@ -5679,7 +5920,7 @@
           <a:p>
             <a:pPr lvl="2"/>
             <a:r>
-              <a:rPr lang="en-US"/>
+              <a:rPr lang="en-US" sz="1800"/>
               <a:t>Thêm các trách nhiệm mới vào các đối tượng hiện thực hóa giao diện Component đang được nó tham chiếu.</a:t>
             </a:r>
           </a:p>
@@ -5869,45 +6110,58 @@
         </p:nvSpPr>
         <p:spPr/>
         <p:txBody>
-          <a:bodyPr/>
+          <a:bodyPr>
+            <a:normAutofit/>
+          </a:bodyPr>
           <a:lstStyle/>
           <a:p>
             <a:pPr lvl="1"/>
             <a:r>
-              <a:rPr lang="vi-VN"/>
+              <a:rPr lang="vi-VN" sz="2000"/>
               <a:t>Decorator cung cấp sự linh hoạt tốt hơn là sử dụng kế thừa tĩnh.</a:t>
             </a:r>
           </a:p>
           <a:p>
             <a:pPr lvl="1"/>
             <a:r>
-              <a:rPr lang="vi-VN"/>
+              <a:rPr lang="vi-VN" sz="2000"/>
               <a:t>Decorator tăng cường khả năng mở rộng của các đối tượng, vì những thay đổi được thực hiện bằng cách tạo các class mới.</a:t>
             </a:r>
           </a:p>
           <a:p>
             <a:pPr lvl="1"/>
             <a:r>
-              <a:rPr lang="vi-VN"/>
+              <a:rPr lang="vi-VN" sz="2000"/>
               <a:t>Decorator đơn giản hóa mã bằng cách cho phép bạn để phát triển một loạt các chức năng từ ứng với các class tương ứng thay vì thêm tất cả các hành vi vào một đối tượng</a:t>
             </a:r>
             <a:r>
-              <a:rPr lang="vi-VN" smtClean="0"/>
+              <a:rPr lang="vi-VN" sz="2000" smtClean="0"/>
               <a:t>.</a:t>
             </a:r>
-            <a:endParaRPr lang="en-US" smtClean="0"/>
+            <a:endParaRPr lang="en-US" sz="2000" smtClean="0"/>
           </a:p>
           <a:p>
             <a:pPr lvl="1"/>
             <a:r>
-              <a:rPr lang="en-US" smtClean="0"/>
-              <a:t>Việc trang trí đối tượng bằng cách thêm vào các chức năng trong thời gian runtime làm cho việc debug chương trình khó khan hơn.</a:t>
-            </a:r>
-            <a:endParaRPr lang="en-US"/>
+              <a:rPr lang="en-US" sz="2000" smtClean="0"/>
+              <a:t>Việc trang trí đối tượng bằng cách thêm vào các chức năng trong thời gian runtime làm cho việc debug chương trình khó khan hơn</a:t>
+            </a:r>
+            <a:r>
+              <a:rPr lang="en-US" sz="2000" smtClean="0"/>
+              <a:t>.</a:t>
+            </a:r>
           </a:p>
           <a:p>
             <a:pPr lvl="1"/>
-            <a:endParaRPr lang="en-US"/>
+            <a:r>
+              <a:rPr lang="en-US" sz="2000" smtClean="0"/>
+              <a:t>Việc tạo ra quá nhiều lớp con cho mỗi decorator làm cho vấn đề bảo trì code phức tạp hơn.</a:t>
+            </a:r>
+            <a:endParaRPr lang="en-US" sz="2000"/>
+          </a:p>
+          <a:p>
+            <a:pPr lvl="1"/>
+            <a:endParaRPr lang="en-US" sz="2000"/>
           </a:p>
         </p:txBody>
       </p:sp>
@@ -5987,24 +6241,69 @@
         </p:nvSpPr>
         <p:spPr/>
         <p:txBody>
-          <a:bodyPr/>
-          <a:lstStyle/>
-          <a:p>
-            <a:r>
-              <a:rPr lang="en-US"/>
-              <a:t>- Chỉ có duy nhất một đối tượng bên trong một Decorator, có thể có nhiều các tùy chọn trang trí hay các lớp bao, và có một giao diện chung cho chúng nhằm giúp cho các lớp có thể hoán đổi với nhau (interchangeable</a:t>
-            </a:r>
-            <a:r>
-              <a:rPr lang="en-US" smtClean="0"/>
+          <a:bodyPr>
+            <a:normAutofit/>
+          </a:bodyPr>
+          <a:lstStyle/>
+          <a:p>
+            <a:pPr lvl="1">
+              <a:buFont typeface="Arial" panose="020B0604020202020204" pitchFamily="34" charset="0"/>
+              <a:buChar char="•"/>
+            </a:pPr>
+            <a:r>
+              <a:rPr lang="en-US" sz="2000" smtClean="0"/>
+              <a:t>Chỉ </a:t>
+            </a:r>
+            <a:r>
+              <a:rPr lang="en-US" sz="2000"/>
+              <a:t>có duy nhất một đối tượng bên trong một Decorator, có thể có nhiều các tùy chọn trang trí hay các lớp bao, và có một giao diện chung cho chúng nhằm giúp cho các lớp có thể hoán đổi với nhau (interchangeable</a:t>
+            </a:r>
+            <a:r>
+              <a:rPr lang="en-US" sz="2000" smtClean="0"/>
               <a:t>).</a:t>
             </a:r>
-            <a:endParaRPr lang="en-US"/>
-          </a:p>
-          <a:p>
-            <a:r>
-              <a:rPr lang="en-US"/>
-              <a:t>- Lớp Decorator cần mô tả mối quan hệ thành phần với đối</a:t>
-            </a:r>
+          </a:p>
+          <a:p>
+            <a:pPr lvl="1">
+              <a:buFont typeface="Arial" panose="020B0604020202020204" pitchFamily="34" charset="0"/>
+              <a:buChar char="•"/>
+            </a:pPr>
+            <a:r>
+              <a:rPr lang="en-US" sz="2000" smtClean="0"/>
+              <a:t>Các decorator cần phải giữ một tham chiếu đến một đối tượng có thực thi giao diện gốc mà chúng kế thừa từ đó, đối tượng đó phải được khởi tạo trong hàm khởi tạo của decorator.</a:t>
+            </a:r>
+            <a:endParaRPr lang="en-US" sz="2000" smtClean="0"/>
+          </a:p>
+          <a:p>
+            <a:pPr lvl="1">
+              <a:buFont typeface="Arial" panose="020B0604020202020204" pitchFamily="34" charset="0"/>
+              <a:buChar char="•"/>
+            </a:pPr>
+            <a:r>
+              <a:rPr lang="en-US" sz="2000" smtClean="0"/>
+              <a:t>Định nghĩa một decorator cho nhu cầu chọn trang trí một đối tượng nào đó.</a:t>
+            </a:r>
+            <a:endParaRPr lang="en-US" sz="2000" smtClean="0"/>
+          </a:p>
+          <a:p>
+            <a:pPr lvl="1">
+              <a:buFont typeface="Arial" panose="020B0604020202020204" pitchFamily="34" charset="0"/>
+              <a:buChar char="•"/>
+            </a:pPr>
+            <a:r>
+              <a:rPr lang="en-US" sz="2000" smtClean="0"/>
+              <a:t>Client (nơi sử dụng các decorator) sẽ quyết định đối tượng trung tâm nào sẽ được sử dụng và nó sẽ được trang trí bởi các decorator nào</a:t>
+            </a:r>
+          </a:p>
+          <a:p>
+            <a:pPr lvl="1">
+              <a:buFont typeface="Arial" panose="020B0604020202020204" pitchFamily="34" charset="0"/>
+              <a:buChar char="•"/>
+            </a:pPr>
+            <a:endParaRPr lang="en-US" sz="2000" smtClean="0"/>
+          </a:p>
+          <a:p>
+            <a:endParaRPr lang="en-US" sz="2000"/>
           </a:p>
         </p:txBody>
       </p:sp>
@@ -6084,38 +6383,31 @@
         </p:nvSpPr>
         <p:spPr/>
         <p:txBody>
-          <a:bodyPr/>
+          <a:bodyPr>
+            <a:normAutofit/>
+          </a:bodyPr>
           <a:lstStyle/>
           <a:p>
             <a:pPr lvl="1"/>
             <a:r>
-              <a:rPr lang="en-US"/>
-              <a:t>Phát biểu bài toán</a:t>
+              <a:rPr lang="en-US" sz="2000" smtClean="0"/>
+              <a:t>Bài toán:</a:t>
             </a:r>
           </a:p>
           <a:p>
             <a:pPr lvl="1"/>
             <a:r>
-              <a:rPr lang="en-US"/>
-              <a:t>Sơ đồ lớp</a:t>
+              <a:rPr lang="en-US" sz="2000" smtClean="0"/>
+              <a:t>Một nhà hàng ẩm thực có thực đơn các món ăn bao gồm nhiều món khác nhau: đồ chay, đồ mặn, đồ thịt, v.v.. Khách hàng khi gọi món có thể them các tùy chọn khác nhau: ăn với đồ chay, kèm đồ uống với coca,… Khi đó giá tiền mà khách hàng phải trả sẽ bằng giá của món ăn đó và giá các phụ kiện kèm theo.</a:t>
             </a:r>
           </a:p>
           <a:p>
             <a:pPr lvl="1"/>
             <a:r>
-              <a:rPr lang="en-US"/>
-              <a:t>Code mẫu</a:t>
-            </a:r>
-          </a:p>
-          <a:p>
-            <a:pPr lvl="1"/>
-            <a:r>
-              <a:rPr lang="en-US"/>
-              <a:t>Mối quan hệ của các đối tượng trong code mẫu.</a:t>
-            </a:r>
-          </a:p>
-          <a:p>
-            <a:endParaRPr lang="en-US"/>
+              <a:rPr lang="en-US" sz="2000" smtClean="0"/>
+              <a:t>Xây dựng một chương trình giúp khách hàng chọn lựa thực đơn theo ý muốn của mình.</a:t>
+            </a:r>
+            <a:endParaRPr lang="en-US" sz="2000"/>
           </a:p>
         </p:txBody>
       </p:sp>
@@ -6163,6 +6455,451 @@
       </p:grpSpPr>
       <p:sp>
         <p:nvSpPr>
+          <p:cNvPr id="2" name="Title 1"/>
+          <p:cNvSpPr>
+            <a:spLocks noGrp="1"/>
+          </p:cNvSpPr>
+          <p:nvPr>
+            <p:ph type="title"/>
+          </p:nvPr>
+        </p:nvSpPr>
+        <p:spPr/>
+        <p:txBody>
+          <a:bodyPr/>
+          <a:lstStyle/>
+          <a:p>
+            <a:r>
+              <a:rPr lang="en-US" i="1" smtClean="0"/>
+              <a:t>Sơ đồ lớp</a:t>
+            </a:r>
+            <a:endParaRPr lang="en-US" i="1"/>
+          </a:p>
+        </p:txBody>
+      </p:sp>
+      <p:pic>
+        <p:nvPicPr>
+          <p:cNvPr id="4" name="Content Placeholder 3"/>
+          <p:cNvPicPr>
+            <a:picLocks noGrp="1" noChangeAspect="1"/>
+          </p:cNvPicPr>
+          <p:nvPr>
+            <p:ph idx="1"/>
+          </p:nvPr>
+        </p:nvPicPr>
+        <p:blipFill>
+          <a:blip r:embed="rId2"/>
+          <a:stretch>
+            <a:fillRect/>
+          </a:stretch>
+        </p:blipFill>
+        <p:spPr>
+          <a:xfrm>
+            <a:off x="2055812" y="1905000"/>
+            <a:ext cx="7986616" cy="4022725"/>
+          </a:xfrm>
+          <a:prstGeom prst="rect">
+            <a:avLst/>
+          </a:prstGeom>
+        </p:spPr>
+      </p:pic>
+    </p:spTree>
+    <p:extLst>
+      <p:ext uri="{BB962C8B-B14F-4D97-AF65-F5344CB8AC3E}">
+        <p14:creationId xmlns:p14="http://schemas.microsoft.com/office/powerpoint/2010/main" val="1881031296"/>
+      </p:ext>
+    </p:extLst>
+  </p:cSld>
+  <p:clrMapOvr>
+    <a:masterClrMapping/>
+  </p:clrMapOvr>
+  <mc:AlternateContent xmlns:mc="http://schemas.openxmlformats.org/markup-compatibility/2006" xmlns:p14="http://schemas.microsoft.com/office/powerpoint/2010/main">
+    <mc:Choice Requires="p14">
+      <p:transition spd="med" p14:dur="700">
+        <p:fade/>
+      </p:transition>
+    </mc:Choice>
+    <mc:Fallback xmlns="">
+      <p:transition spd="med">
+        <p:fade/>
+      </p:transition>
+    </mc:Fallback>
+  </mc:AlternateContent>
+</p:sld>
+</file>
+
+<file path=ppt/slides/slide16.xml><?xml version="1.0" encoding="utf-8"?>
+<p:sld xmlns:a="http://schemas.openxmlformats.org/drawingml/2006/main" xmlns:r="http://schemas.openxmlformats.org/officeDocument/2006/relationships" xmlns:p="http://schemas.openxmlformats.org/presentationml/2006/main">
+  <p:cSld>
+    <p:spTree>
+      <p:nvGrpSpPr>
+        <p:cNvPr id="1" name=""/>
+        <p:cNvGrpSpPr/>
+        <p:nvPr/>
+      </p:nvGrpSpPr>
+      <p:grpSpPr>
+        <a:xfrm>
+          <a:off x="0" y="0"/>
+          <a:ext cx="0" cy="0"/>
+          <a:chOff x="0" y="0"/>
+          <a:chExt cx="0" cy="0"/>
+        </a:xfrm>
+      </p:grpSpPr>
+      <p:sp>
+        <p:nvSpPr>
+          <p:cNvPr id="2" name="Title 1"/>
+          <p:cNvSpPr>
+            <a:spLocks noGrp="1"/>
+          </p:cNvSpPr>
+          <p:nvPr>
+            <p:ph type="title"/>
+          </p:nvPr>
+        </p:nvSpPr>
+        <p:spPr/>
+        <p:txBody>
+          <a:bodyPr/>
+          <a:lstStyle/>
+          <a:p>
+            <a:r>
+              <a:rPr lang="en-US" i="1"/>
+              <a:t>Code </a:t>
+            </a:r>
+            <a:r>
+              <a:rPr lang="en-US" i="1" smtClean="0"/>
+              <a:t>mẫu</a:t>
+            </a:r>
+            <a:endParaRPr lang="en-US" i="1"/>
+          </a:p>
+        </p:txBody>
+      </p:sp>
+      <p:pic>
+        <p:nvPicPr>
+          <p:cNvPr id="5" name="Content Placeholder 4"/>
+          <p:cNvPicPr>
+            <a:picLocks noGrp="1" noChangeAspect="1"/>
+          </p:cNvPicPr>
+          <p:nvPr>
+            <p:ph idx="1"/>
+          </p:nvPr>
+        </p:nvPicPr>
+        <p:blipFill>
+          <a:blip r:embed="rId2"/>
+          <a:stretch>
+            <a:fillRect/>
+          </a:stretch>
+        </p:blipFill>
+        <p:spPr>
+          <a:xfrm>
+            <a:off x="1217612" y="1905000"/>
+            <a:ext cx="2647495" cy="1583306"/>
+          </a:xfrm>
+          <a:prstGeom prst="rect">
+            <a:avLst/>
+          </a:prstGeom>
+        </p:spPr>
+      </p:pic>
+      <p:pic>
+        <p:nvPicPr>
+          <p:cNvPr id="6" name="Picture 5"/>
+          <p:cNvPicPr>
+            <a:picLocks noChangeAspect="1"/>
+          </p:cNvPicPr>
+          <p:nvPr/>
+        </p:nvPicPr>
+        <p:blipFill>
+          <a:blip r:embed="rId3"/>
+          <a:stretch>
+            <a:fillRect/>
+          </a:stretch>
+        </p:blipFill>
+        <p:spPr>
+          <a:xfrm>
+            <a:off x="4037012" y="1905000"/>
+            <a:ext cx="2971800" cy="2624897"/>
+          </a:xfrm>
+          <a:prstGeom prst="rect">
+            <a:avLst/>
+          </a:prstGeom>
+        </p:spPr>
+      </p:pic>
+      <p:pic>
+        <p:nvPicPr>
+          <p:cNvPr id="7" name="Picture 6"/>
+          <p:cNvPicPr>
+            <a:picLocks noChangeAspect="1"/>
+          </p:cNvPicPr>
+          <p:nvPr/>
+        </p:nvPicPr>
+        <p:blipFill>
+          <a:blip r:embed="rId4"/>
+          <a:stretch>
+            <a:fillRect/>
+          </a:stretch>
+        </p:blipFill>
+        <p:spPr>
+          <a:xfrm>
+            <a:off x="7313612" y="1905000"/>
+            <a:ext cx="3505200" cy="3981635"/>
+          </a:xfrm>
+          <a:prstGeom prst="rect">
+            <a:avLst/>
+          </a:prstGeom>
+        </p:spPr>
+      </p:pic>
+    </p:spTree>
+    <p:extLst>
+      <p:ext uri="{BB962C8B-B14F-4D97-AF65-F5344CB8AC3E}">
+        <p14:creationId xmlns:p14="http://schemas.microsoft.com/office/powerpoint/2010/main" val="930353340"/>
+      </p:ext>
+    </p:extLst>
+  </p:cSld>
+  <p:clrMapOvr>
+    <a:masterClrMapping/>
+  </p:clrMapOvr>
+  <mc:AlternateContent xmlns:mc="http://schemas.openxmlformats.org/markup-compatibility/2006" xmlns:p14="http://schemas.microsoft.com/office/powerpoint/2010/main">
+    <mc:Choice Requires="p14">
+      <p:transition spd="med" p14:dur="700">
+        <p:fade/>
+      </p:transition>
+    </mc:Choice>
+    <mc:Fallback xmlns="">
+      <p:transition spd="med">
+        <p:fade/>
+      </p:transition>
+    </mc:Fallback>
+  </mc:AlternateContent>
+</p:sld>
+</file>
+
+<file path=ppt/slides/slide17.xml><?xml version="1.0" encoding="utf-8"?>
+<p:sld xmlns:a="http://schemas.openxmlformats.org/drawingml/2006/main" xmlns:r="http://schemas.openxmlformats.org/officeDocument/2006/relationships" xmlns:p="http://schemas.openxmlformats.org/presentationml/2006/main">
+  <p:cSld>
+    <p:spTree>
+      <p:nvGrpSpPr>
+        <p:cNvPr id="1" name=""/>
+        <p:cNvGrpSpPr/>
+        <p:nvPr/>
+      </p:nvGrpSpPr>
+      <p:grpSpPr>
+        <a:xfrm>
+          <a:off x="0" y="0"/>
+          <a:ext cx="0" cy="0"/>
+          <a:chOff x="0" y="0"/>
+          <a:chExt cx="0" cy="0"/>
+        </a:xfrm>
+      </p:grpSpPr>
+      <p:pic>
+        <p:nvPicPr>
+          <p:cNvPr id="4" name="Content Placeholder 3"/>
+          <p:cNvPicPr>
+            <a:picLocks noGrp="1" noChangeAspect="1"/>
+          </p:cNvPicPr>
+          <p:nvPr>
+            <p:ph idx="1"/>
+          </p:nvPr>
+        </p:nvPicPr>
+        <p:blipFill>
+          <a:blip r:embed="rId2"/>
+          <a:stretch>
+            <a:fillRect/>
+          </a:stretch>
+        </p:blipFill>
+        <p:spPr>
+          <a:xfrm>
+            <a:off x="1217612" y="1981200"/>
+            <a:ext cx="3798277" cy="3200400"/>
+          </a:xfrm>
+          <a:prstGeom prst="rect">
+            <a:avLst/>
+          </a:prstGeom>
+        </p:spPr>
+      </p:pic>
+      <p:pic>
+        <p:nvPicPr>
+          <p:cNvPr id="5" name="Picture 4"/>
+          <p:cNvPicPr>
+            <a:picLocks noChangeAspect="1"/>
+          </p:cNvPicPr>
+          <p:nvPr/>
+        </p:nvPicPr>
+        <p:blipFill>
+          <a:blip r:embed="rId3"/>
+          <a:stretch>
+            <a:fillRect/>
+          </a:stretch>
+        </p:blipFill>
+        <p:spPr>
+          <a:xfrm>
+            <a:off x="6018212" y="1981200"/>
+            <a:ext cx="4632486" cy="3200400"/>
+          </a:xfrm>
+          <a:prstGeom prst="rect">
+            <a:avLst/>
+          </a:prstGeom>
+        </p:spPr>
+      </p:pic>
+    </p:spTree>
+    <p:extLst>
+      <p:ext uri="{BB962C8B-B14F-4D97-AF65-F5344CB8AC3E}">
+        <p14:creationId xmlns:p14="http://schemas.microsoft.com/office/powerpoint/2010/main" val="4246339330"/>
+      </p:ext>
+    </p:extLst>
+  </p:cSld>
+  <p:clrMapOvr>
+    <a:masterClrMapping/>
+  </p:clrMapOvr>
+  <mc:AlternateContent xmlns:mc="http://schemas.openxmlformats.org/markup-compatibility/2006" xmlns:p14="http://schemas.microsoft.com/office/powerpoint/2010/main">
+    <mc:Choice Requires="p14">
+      <p:transition spd="med" p14:dur="700">
+        <p:fade/>
+      </p:transition>
+    </mc:Choice>
+    <mc:Fallback xmlns="">
+      <p:transition spd="med">
+        <p:fade/>
+      </p:transition>
+    </mc:Fallback>
+  </mc:AlternateContent>
+</p:sld>
+</file>
+
+<file path=ppt/slides/slide18.xml><?xml version="1.0" encoding="utf-8"?>
+<p:sld xmlns:a="http://schemas.openxmlformats.org/drawingml/2006/main" xmlns:r="http://schemas.openxmlformats.org/officeDocument/2006/relationships" xmlns:p="http://schemas.openxmlformats.org/presentationml/2006/main">
+  <p:cSld>
+    <p:spTree>
+      <p:nvGrpSpPr>
+        <p:cNvPr id="1" name=""/>
+        <p:cNvGrpSpPr/>
+        <p:nvPr/>
+      </p:nvGrpSpPr>
+      <p:grpSpPr>
+        <a:xfrm>
+          <a:off x="0" y="0"/>
+          <a:ext cx="0" cy="0"/>
+          <a:chOff x="0" y="0"/>
+          <a:chExt cx="0" cy="0"/>
+        </a:xfrm>
+      </p:grpSpPr>
+      <p:sp>
+        <p:nvSpPr>
+          <p:cNvPr id="2" name="Title 1"/>
+          <p:cNvSpPr>
+            <a:spLocks noGrp="1"/>
+          </p:cNvSpPr>
+          <p:nvPr>
+            <p:ph type="title"/>
+          </p:nvPr>
+        </p:nvSpPr>
+        <p:spPr/>
+        <p:txBody>
+          <a:bodyPr/>
+          <a:lstStyle/>
+          <a:p>
+            <a:r>
+              <a:rPr lang="en-US" i="1"/>
+              <a:t>Mối quan hệ của các đối tượng trong code mẫu</a:t>
+            </a:r>
+          </a:p>
+        </p:txBody>
+      </p:sp>
+      <p:sp>
+        <p:nvSpPr>
+          <p:cNvPr id="3" name="Content Placeholder 2"/>
+          <p:cNvSpPr>
+            <a:spLocks noGrp="1"/>
+          </p:cNvSpPr>
+          <p:nvPr>
+            <p:ph idx="1"/>
+          </p:nvPr>
+        </p:nvSpPr>
+        <p:spPr/>
+        <p:txBody>
+          <a:bodyPr>
+            <a:normAutofit/>
+          </a:bodyPr>
+          <a:lstStyle/>
+          <a:p>
+            <a:pPr lvl="1">
+              <a:buFont typeface="Arial" panose="020B0604020202020204" pitchFamily="34" charset="0"/>
+              <a:buChar char="•"/>
+            </a:pPr>
+            <a:r>
+              <a:rPr lang="en-US" sz="2000" smtClean="0"/>
+              <a:t>IFood: Định nghĩa một giao diện chung cho các loại thức ăn và các Decorator sẽ hiện thực</a:t>
+            </a:r>
+          </a:p>
+          <a:p>
+            <a:pPr lvl="1">
+              <a:buFont typeface="Arial" panose="020B0604020202020204" pitchFamily="34" charset="0"/>
+              <a:buChar char="•"/>
+            </a:pPr>
+            <a:r>
+              <a:rPr lang="en-US" sz="2000" smtClean="0"/>
+              <a:t>FoodDecorator: lớp ảo cha của các Decorator, các Decorator (thêm coca, them đồ cay, …) sẽ là lớp con của lớp này.</a:t>
+            </a:r>
+          </a:p>
+          <a:p>
+            <a:pPr lvl="1">
+              <a:buFont typeface="Arial" panose="020B0604020202020204" pitchFamily="34" charset="0"/>
+              <a:buChar char="•"/>
+            </a:pPr>
+            <a:r>
+              <a:rPr lang="en-US" sz="2000" smtClean="0"/>
+              <a:t>Các lớp Decorator giữ một tham chiếu đến một đối tượng có kiểu IFood và khi được khởi tạo sẽ truyền vào các đối tượng có kiểu được kế thừa từ Ifood tương ứng (thông qua các hàm khởi tạo).</a:t>
+            </a:r>
+          </a:p>
+          <a:p>
+            <a:pPr lvl="1">
+              <a:buFont typeface="Arial" panose="020B0604020202020204" pitchFamily="34" charset="0"/>
+              <a:buChar char="•"/>
+            </a:pPr>
+            <a:endParaRPr lang="en-US" sz="2000"/>
+          </a:p>
+        </p:txBody>
+      </p:sp>
+    </p:spTree>
+    <p:extLst>
+      <p:ext uri="{BB962C8B-B14F-4D97-AF65-F5344CB8AC3E}">
+        <p14:creationId xmlns:p14="http://schemas.microsoft.com/office/powerpoint/2010/main" val="425899290"/>
+      </p:ext>
+    </p:extLst>
+  </p:cSld>
+  <p:clrMapOvr>
+    <a:masterClrMapping/>
+  </p:clrMapOvr>
+  <mc:AlternateContent xmlns:mc="http://schemas.openxmlformats.org/markup-compatibility/2006" xmlns:p14="http://schemas.microsoft.com/office/powerpoint/2010/main">
+    <mc:Choice Requires="p14">
+      <p:transition spd="med" p14:dur="700">
+        <p:fade/>
+      </p:transition>
+    </mc:Choice>
+    <mc:Fallback xmlns="">
+      <p:transition spd="med">
+        <p:fade/>
+      </p:transition>
+    </mc:Fallback>
+  </mc:AlternateContent>
+</p:sld>
+</file>
+
+<file path=ppt/slides/slide19.xml><?xml version="1.0" encoding="utf-8"?>
+<p:sld xmlns:a="http://schemas.openxmlformats.org/drawingml/2006/main" xmlns:r="http://schemas.openxmlformats.org/officeDocument/2006/relationships" xmlns:p="http://schemas.openxmlformats.org/presentationml/2006/main">
+  <p:cSld>
+    <p:spTree>
+      <p:nvGrpSpPr>
+        <p:cNvPr id="1" name=""/>
+        <p:cNvGrpSpPr/>
+        <p:nvPr/>
+      </p:nvGrpSpPr>
+      <p:grpSpPr>
+        <a:xfrm>
+          <a:off x="0" y="0"/>
+          <a:ext cx="0" cy="0"/>
+          <a:chOff x="0" y="0"/>
+          <a:chExt cx="0" cy="0"/>
+        </a:xfrm>
+      </p:grpSpPr>
+      <p:sp>
+        <p:nvSpPr>
           <p:cNvPr id="3" name="Title 2"/>
           <p:cNvSpPr>
             <a:spLocks noGrp="1"/>
@@ -6195,13 +6932,84 @@
         </p:nvSpPr>
         <p:spPr/>
         <p:txBody>
-          <a:bodyPr/>
-          <a:lstStyle/>
+          <a:bodyPr>
+            <a:normAutofit/>
+          </a:bodyPr>
+          <a:lstStyle/>
+          <a:p>
+            <a:pPr lvl="1">
+              <a:buFont typeface="Arial" panose="020B0604020202020204" pitchFamily="34" charset="0"/>
+              <a:buChar char="•"/>
+            </a:pPr>
+            <a:r>
+              <a:rPr lang="en-US" sz="2000"/>
+              <a:t>Các control trong </a:t>
+            </a:r>
+            <a:r>
+              <a:rPr lang="en-US" sz="2000"/>
+              <a:t>Windows </a:t>
+            </a:r>
+            <a:r>
+              <a:rPr lang="en-US" sz="2000" smtClean="0"/>
+              <a:t>Form.</a:t>
+            </a:r>
+            <a:endParaRPr lang="en-US" sz="2000"/>
+          </a:p>
+          <a:p>
+            <a:pPr lvl="1">
+              <a:buFont typeface="Arial" panose="020B0604020202020204" pitchFamily="34" charset="0"/>
+              <a:buChar char="•"/>
+            </a:pPr>
+            <a:r>
+              <a:rPr lang="en-US" sz="2000"/>
+              <a:t>Các lớp Stream trong .NET (Buffered Reader là một decorator của Stream </a:t>
+            </a:r>
+            <a:r>
+              <a:rPr lang="en-US" sz="2000"/>
+              <a:t>class</a:t>
+            </a:r>
+            <a:r>
+              <a:rPr lang="en-US" sz="2000" smtClean="0"/>
+              <a:t>).</a:t>
+            </a:r>
+            <a:endParaRPr lang="en-US" sz="2000"/>
+          </a:p>
+          <a:p>
+            <a:pPr lvl="1">
+              <a:buFont typeface="Arial" panose="020B0604020202020204" pitchFamily="34" charset="0"/>
+              <a:buChar char="•"/>
+            </a:pPr>
+            <a:r>
+              <a:rPr lang="en-US" sz="2000"/>
+              <a:t>Extension method trong .NET, (cho các class bị sealed vẫn có </a:t>
+            </a:r>
+            <a:r>
+              <a:rPr lang="en-US" sz="2000"/>
+              <a:t>thể </a:t>
+            </a:r>
+            <a:r>
+              <a:rPr lang="en-US" sz="2000" smtClean="0"/>
+              <a:t>thêm </a:t>
+            </a:r>
+            <a:r>
+              <a:rPr lang="en-US" sz="2000"/>
+              <a:t>vào các </a:t>
+            </a:r>
+            <a:r>
+              <a:rPr lang="en-US" sz="2000"/>
+              <a:t>phương </a:t>
+            </a:r>
+            <a:r>
+              <a:rPr lang="en-US" sz="2000" smtClean="0"/>
+              <a:t>thức).</a:t>
+            </a:r>
+            <a:endParaRPr lang="en-US" sz="2000"/>
+          </a:p>
           <a:p>
             <a:pPr marL="0" indent="0">
               <a:buNone/>
             </a:pPr>
-            <a:endParaRPr lang="en-US" smtClean="0"/>
+            <a:endParaRPr lang="en-US" sz="2000" smtClean="0"/>
           </a:p>
         </p:txBody>
       </p:sp>
@@ -6237,7 +7045,7 @@
 </p:sld>
 </file>
 
-<file path=ppt/slides/slide16.xml><?xml version="1.0" encoding="utf-8"?>
+<file path=ppt/slides/slide2.xml><?xml version="1.0" encoding="utf-8"?>
 <p:sld xmlns:a="http://schemas.openxmlformats.org/drawingml/2006/main" xmlns:r="http://schemas.openxmlformats.org/officeDocument/2006/relationships" xmlns:p="http://schemas.openxmlformats.org/presentationml/2006/main">
   <p:cSld>
     <p:spTree>
@@ -6256,6 +7064,202 @@
       </p:grpSpPr>
       <p:sp>
         <p:nvSpPr>
+          <p:cNvPr id="2" name="Title 1"/>
+          <p:cNvSpPr>
+            <a:spLocks noGrp="1"/>
+          </p:cNvSpPr>
+          <p:nvPr>
+            <p:ph type="title"/>
+          </p:nvPr>
+        </p:nvSpPr>
+        <p:spPr/>
+        <p:txBody>
+          <a:bodyPr/>
+          <a:lstStyle/>
+          <a:p>
+            <a:r>
+              <a:rPr lang="en-US" dirty="0"/>
+              <a:t>Nội dung</a:t>
+            </a:r>
+          </a:p>
+        </p:txBody>
+      </p:sp>
+      <p:sp>
+        <p:nvSpPr>
+          <p:cNvPr id="3" name="Content Placeholder 2"/>
+          <p:cNvSpPr>
+            <a:spLocks noGrp="1"/>
+          </p:cNvSpPr>
+          <p:nvPr>
+            <p:ph sz="half" idx="1"/>
+          </p:nvPr>
+        </p:nvSpPr>
+        <p:spPr>
+          <a:xfrm>
+            <a:off x="1522413" y="1905000"/>
+            <a:ext cx="9753599" cy="4267200"/>
+          </a:xfrm>
+        </p:spPr>
+        <p:txBody>
+          <a:bodyPr>
+            <a:normAutofit/>
+          </a:bodyPr>
+          <a:lstStyle/>
+          <a:p>
+            <a:pPr lvl="1"/>
+            <a:r>
+              <a:rPr lang="en-US" sz="2000">
+                <a:latin typeface="Constantia" panose="02030602050306030303" pitchFamily="18" charset="0"/>
+              </a:rPr>
+              <a:t>Giới thiệu về </a:t>
+            </a:r>
+            <a:r>
+              <a:rPr lang="en-US" sz="2000" smtClean="0">
+                <a:latin typeface="Constantia" panose="02030602050306030303" pitchFamily="18" charset="0"/>
+              </a:rPr>
+              <a:t>Mẫu Thiết Kế</a:t>
+            </a:r>
+            <a:endParaRPr lang="en-US" sz="2000">
+              <a:latin typeface="Constantia" panose="02030602050306030303" pitchFamily="18" charset="0"/>
+            </a:endParaRPr>
+          </a:p>
+          <a:p>
+            <a:pPr lvl="1"/>
+            <a:r>
+              <a:rPr lang="en-US" sz="2000">
+                <a:latin typeface="Constantia" panose="02030602050306030303" pitchFamily="18" charset="0"/>
+              </a:rPr>
+              <a:t>Giới thiệu về các </a:t>
+            </a:r>
+            <a:r>
+              <a:rPr lang="en-US" sz="2000" smtClean="0">
+                <a:latin typeface="Constantia" panose="02030602050306030303" pitchFamily="18" charset="0"/>
+              </a:rPr>
+              <a:t>Mẫu Kiến Trúc</a:t>
+            </a:r>
+            <a:endParaRPr lang="en-US" sz="2000" dirty="0">
+              <a:latin typeface="Constantia" panose="02030602050306030303" pitchFamily="18" charset="0"/>
+            </a:endParaRPr>
+          </a:p>
+          <a:p>
+            <a:pPr lvl="1"/>
+            <a:r>
+              <a:rPr lang="en-US" sz="2000">
+                <a:latin typeface="Constantia" panose="02030602050306030303" pitchFamily="18" charset="0"/>
+              </a:rPr>
+              <a:t>Mẫu </a:t>
+            </a:r>
+            <a:r>
+              <a:rPr lang="en-US" sz="2000" b="1" smtClean="0">
+                <a:latin typeface="Constantia" panose="02030602050306030303" pitchFamily="18" charset="0"/>
+              </a:rPr>
+              <a:t>Người trang trí - Decorator</a:t>
+            </a:r>
+            <a:endParaRPr lang="en-US" sz="2000" b="1" dirty="0">
+              <a:latin typeface="Constantia" panose="02030602050306030303" pitchFamily="18" charset="0"/>
+            </a:endParaRPr>
+          </a:p>
+          <a:p>
+            <a:pPr lvl="1"/>
+            <a:r>
+              <a:rPr lang="en-US" sz="2000">
+                <a:latin typeface="Constantia" panose="02030602050306030303" pitchFamily="18" charset="0"/>
+              </a:rPr>
+              <a:t>Mẫu </a:t>
+            </a:r>
+            <a:r>
+              <a:rPr lang="en-US" sz="2000" b="1" smtClean="0">
+                <a:latin typeface="Constantia" panose="02030602050306030303" pitchFamily="18" charset="0"/>
+              </a:rPr>
+              <a:t>Người đại diện </a:t>
+            </a:r>
+            <a:r>
+              <a:rPr lang="en-US" sz="2000" smtClean="0">
+                <a:latin typeface="Constantia" panose="02030602050306030303" pitchFamily="18" charset="0"/>
+              </a:rPr>
+              <a:t>– </a:t>
+            </a:r>
+            <a:r>
+              <a:rPr lang="en-US" sz="2000" b="1" smtClean="0">
+                <a:latin typeface="Constantia" panose="02030602050306030303" pitchFamily="18" charset="0"/>
+              </a:rPr>
+              <a:t>Proxy</a:t>
+            </a:r>
+          </a:p>
+          <a:p>
+            <a:pPr lvl="1"/>
+            <a:r>
+              <a:rPr lang="en-US" sz="2000" smtClean="0">
+                <a:latin typeface="Constantia" panose="02030602050306030303" pitchFamily="18" charset="0"/>
+              </a:rPr>
+              <a:t>Tài liệu tham khảo</a:t>
+            </a:r>
+          </a:p>
+          <a:p>
+            <a:pPr lvl="1"/>
+            <a:r>
+              <a:rPr lang="en-US" sz="2000" smtClean="0">
+                <a:latin typeface="Constantia" panose="02030602050306030303" pitchFamily="18" charset="0"/>
+              </a:rPr>
+              <a:t>Câu hỏi</a:t>
+            </a:r>
+            <a:endParaRPr lang="en-US" sz="2000">
+              <a:latin typeface="Constantia" panose="02030602050306030303" pitchFamily="18" charset="0"/>
+            </a:endParaRPr>
+          </a:p>
+        </p:txBody>
+      </p:sp>
+    </p:spTree>
+    <p:extLst>
+      <p:ext uri="{BB962C8B-B14F-4D97-AF65-F5344CB8AC3E}">
+        <p14:creationId xmlns:p14="http://schemas.microsoft.com/office/powerpoint/2010/main" val="1105290142"/>
+      </p:ext>
+    </p:extLst>
+  </p:cSld>
+  <p:clrMapOvr>
+    <a:masterClrMapping/>
+  </p:clrMapOvr>
+  <mc:AlternateContent xmlns:mc="http://schemas.openxmlformats.org/markup-compatibility/2006" xmlns:p14="http://schemas.microsoft.com/office/powerpoint/2010/main">
+    <mc:Choice Requires="p14">
+      <p:transition spd="med" p14:dur="700">
+        <p:fade/>
+      </p:transition>
+    </mc:Choice>
+    <mc:Fallback xmlns="">
+      <p:transition spd="med">
+        <p:fade/>
+      </p:transition>
+    </mc:Fallback>
+  </mc:AlternateContent>
+  <p:timing>
+    <p:tnLst>
+      <p:par>
+        <p:cTn id="1" dur="indefinite" restart="never" nodeType="tmRoot"/>
+      </p:par>
+    </p:tnLst>
+  </p:timing>
+</p:sld>
+</file>
+
+<file path=ppt/slides/slide20.xml><?xml version="1.0" encoding="utf-8"?>
+<p:sld xmlns:a="http://schemas.openxmlformats.org/drawingml/2006/main" xmlns:r="http://schemas.openxmlformats.org/officeDocument/2006/relationships" xmlns:p="http://schemas.openxmlformats.org/presentationml/2006/main">
+  <p:cSld>
+    <p:spTree>
+      <p:nvGrpSpPr>
+        <p:cNvPr id="1" name=""/>
+        <p:cNvGrpSpPr/>
+        <p:nvPr/>
+      </p:nvGrpSpPr>
+      <p:grpSpPr>
+        <a:xfrm>
+          <a:off x="0" y="0"/>
+          <a:ext cx="0" cy="0"/>
+          <a:chOff x="0" y="0"/>
+          <a:chExt cx="0" cy="0"/>
+        </a:xfrm>
+      </p:grpSpPr>
+      <p:sp>
+        <p:nvSpPr>
           <p:cNvPr id="3" name="Title 2"/>
           <p:cNvSpPr>
             <a:spLocks noGrp="1"/>
@@ -6288,42 +7292,68 @@
         </p:nvSpPr>
         <p:spPr/>
         <p:txBody>
-          <a:bodyPr/>
+          <a:bodyPr>
+            <a:normAutofit/>
+          </a:bodyPr>
           <a:lstStyle/>
           <a:p>
             <a:pPr lvl="1"/>
             <a:r>
-              <a:rPr lang="vi-VN"/>
+              <a:rPr lang="vi-VN" sz="2000"/>
               <a:t>Mẫu Composite: </a:t>
             </a:r>
           </a:p>
           <a:p>
             <a:pPr lvl="2"/>
             <a:r>
-              <a:rPr lang="vi-VN"/>
+              <a:rPr lang="vi-VN" sz="2000"/>
               <a:t>Một Decorator có thể được xem như là một mẫu Composite nhưng với chỉ một thành phần. </a:t>
             </a:r>
           </a:p>
           <a:p>
             <a:pPr lvl="2"/>
             <a:r>
-              <a:rPr lang="vi-VN"/>
-              <a:t>Tuy nhiên, một Decorator có khả năng bổ sung các trách nhiệm cho thành phần đó - nó không dành cho việc quản lý tập hợp các đối tượng.</a:t>
-            </a:r>
-            <a:endParaRPr lang="en-US"/>
+              <a:rPr lang="vi-VN" sz="2000"/>
+              <a:t>Tuy nhiên, một Decorator có khả năng bổ sung các trách nhiệm cho thành phần </a:t>
+            </a:r>
+            <a:r>
+              <a:rPr lang="en-US" sz="2000" smtClean="0"/>
+              <a:t>mà nó giữ tham chiếu</a:t>
+            </a:r>
+            <a:r>
+              <a:rPr lang="vi-VN" sz="2000" smtClean="0"/>
+              <a:t> </a:t>
+            </a:r>
+            <a:r>
+              <a:rPr lang="vi-VN" sz="2000"/>
+              <a:t>- nó không dành cho việc quản lý </a:t>
+            </a:r>
+            <a:r>
+              <a:rPr lang="en-US" sz="2000" smtClean="0"/>
+              <a:t>một </a:t>
+            </a:r>
+            <a:r>
+              <a:rPr lang="vi-VN" sz="2000" smtClean="0"/>
+              <a:t>tập </a:t>
+            </a:r>
+            <a:r>
+              <a:rPr lang="vi-VN" sz="2000"/>
+              <a:t>hợp các đối tượng.</a:t>
+            </a:r>
+            <a:endParaRPr lang="en-US" sz="2000"/>
           </a:p>
           <a:p>
             <a:pPr marL="383933" lvl="2" indent="0">
               <a:buNone/>
             </a:pPr>
             <a:r>
-              <a:rPr lang="vi-VN"/>
+              <a:rPr lang="vi-VN" sz="2000"/>
               <a:t>	</a:t>
             </a:r>
           </a:p>
           <a:p>
             <a:pPr lvl="1"/>
-            <a:endParaRPr lang="en-US"/>
+            <a:endParaRPr lang="en-US" sz="2000"/>
           </a:p>
         </p:txBody>
       </p:sp>
@@ -6359,7 +7389,7 @@
 </p:sld>
 </file>
 
-<file path=ppt/slides/slide17.xml><?xml version="1.0" encoding="utf-8"?>
+<file path=ppt/slides/slide21.xml><?xml version="1.0" encoding="utf-8"?>
 <p:sld xmlns:a="http://schemas.openxmlformats.org/drawingml/2006/main" xmlns:r="http://schemas.openxmlformats.org/officeDocument/2006/relationships" xmlns:p="http://schemas.openxmlformats.org/presentationml/2006/main">
   <p:cSld>
     <p:spTree>
@@ -6544,688 +7574,6 @@
 </p:sld>
 </file>
 
-<file path=ppt/slides/slide18.xml><?xml version="1.0" encoding="utf-8"?>
-<p:sld xmlns:a="http://schemas.openxmlformats.org/drawingml/2006/main" xmlns:r="http://schemas.openxmlformats.org/officeDocument/2006/relationships" xmlns:p="http://schemas.openxmlformats.org/presentationml/2006/main">
-  <p:cSld>
-    <p:spTree>
-      <p:nvGrpSpPr>
-        <p:cNvPr id="1" name=""/>
-        <p:cNvGrpSpPr/>
-        <p:nvPr/>
-      </p:nvGrpSpPr>
-      <p:grpSpPr>
-        <a:xfrm>
-          <a:off x="0" y="0"/>
-          <a:ext cx="0" cy="0"/>
-          <a:chOff x="0" y="0"/>
-          <a:chExt cx="0" cy="0"/>
-        </a:xfrm>
-      </p:grpSpPr>
-      <p:sp>
-        <p:nvSpPr>
-          <p:cNvPr id="3" name="Title 2"/>
-          <p:cNvSpPr>
-            <a:spLocks noGrp="1"/>
-          </p:cNvSpPr>
-          <p:nvPr>
-            <p:ph type="title"/>
-          </p:nvPr>
-        </p:nvSpPr>
-        <p:spPr/>
-        <p:txBody>
-          <a:bodyPr/>
-          <a:lstStyle/>
-          <a:p>
-            <a:r>
-              <a:rPr lang="en-US"/>
-              <a:t>Định nghĩa	</a:t>
-            </a:r>
-            <a:endParaRPr lang="en-US" dirty="0"/>
-          </a:p>
-        </p:txBody>
-      </p:sp>
-      <p:sp>
-        <p:nvSpPr>
-          <p:cNvPr id="2" name="Content Placeholder 1"/>
-          <p:cNvSpPr>
-            <a:spLocks noGrp="1"/>
-          </p:cNvSpPr>
-          <p:nvPr>
-            <p:ph idx="1"/>
-          </p:nvPr>
-        </p:nvSpPr>
-        <p:spPr/>
-        <p:txBody>
-          <a:bodyPr/>
-          <a:lstStyle/>
-          <a:p>
-            <a:pPr lvl="1"/>
-            <a:r>
-              <a:rPr lang="en-US" i="1" smtClean="0"/>
-              <a:t>“</a:t>
-            </a:r>
-            <a:r>
-              <a:rPr lang="en-US" smtClean="0"/>
-              <a:t>.” </a:t>
-            </a:r>
-            <a:r>
-              <a:rPr lang="en-US"/>
-              <a:t>(GoF)</a:t>
-            </a:r>
-          </a:p>
-          <a:p>
-            <a:endParaRPr lang="en-US"/>
-          </a:p>
-        </p:txBody>
-      </p:sp>
-    </p:spTree>
-    <p:extLst>
-      <p:ext uri="{BB962C8B-B14F-4D97-AF65-F5344CB8AC3E}">
-        <p14:creationId xmlns:p14="http://schemas.microsoft.com/office/powerpoint/2010/main" val="552151856"/>
-      </p:ext>
-    </p:extLst>
-  </p:cSld>
-  <p:clrMapOvr>
-    <a:masterClrMapping/>
-  </p:clrMapOvr>
-  <mc:AlternateContent xmlns:mc="http://schemas.openxmlformats.org/markup-compatibility/2006" xmlns:p14="http://schemas.microsoft.com/office/powerpoint/2010/main">
-    <mc:Choice Requires="p14">
-      <p:transition spd="med" p14:dur="700">
-        <p:fade/>
-      </p:transition>
-    </mc:Choice>
-    <mc:Fallback xmlns="">
-      <p:transition spd="med">
-        <p:fade/>
-      </p:transition>
-    </mc:Fallback>
-  </mc:AlternateContent>
-  <p:timing>
-    <p:tnLst>
-      <p:par>
-        <p:cTn id="1" dur="indefinite" restart="never" nodeType="tmRoot"/>
-      </p:par>
-    </p:tnLst>
-  </p:timing>
-</p:sld>
-</file>
-
-<file path=ppt/slides/slide19.xml><?xml version="1.0" encoding="utf-8"?>
-<p:sld xmlns:a="http://schemas.openxmlformats.org/drawingml/2006/main" xmlns:r="http://schemas.openxmlformats.org/officeDocument/2006/relationships" xmlns:p="http://schemas.openxmlformats.org/presentationml/2006/main">
-  <p:cSld>
-    <p:spTree>
-      <p:nvGrpSpPr>
-        <p:cNvPr id="1" name=""/>
-        <p:cNvGrpSpPr/>
-        <p:nvPr/>
-      </p:nvGrpSpPr>
-      <p:grpSpPr>
-        <a:xfrm>
-          <a:off x="0" y="0"/>
-          <a:ext cx="0" cy="0"/>
-          <a:chOff x="0" y="0"/>
-          <a:chExt cx="0" cy="0"/>
-        </a:xfrm>
-      </p:grpSpPr>
-      <p:sp>
-        <p:nvSpPr>
-          <p:cNvPr id="3" name="Title 2"/>
-          <p:cNvSpPr>
-            <a:spLocks noGrp="1"/>
-          </p:cNvSpPr>
-          <p:nvPr>
-            <p:ph type="title"/>
-          </p:nvPr>
-        </p:nvSpPr>
-        <p:spPr/>
-        <p:txBody>
-          <a:bodyPr/>
-          <a:lstStyle/>
-          <a:p>
-            <a:r>
-              <a:rPr lang="en-US"/>
-              <a:t>Khi nào sử dụng?	</a:t>
-            </a:r>
-            <a:endParaRPr lang="en-US" dirty="0"/>
-          </a:p>
-        </p:txBody>
-      </p:sp>
-      <p:sp>
-        <p:nvSpPr>
-          <p:cNvPr id="2" name="Content Placeholder 1"/>
-          <p:cNvSpPr>
-            <a:spLocks noGrp="1"/>
-          </p:cNvSpPr>
-          <p:nvPr>
-            <p:ph idx="1"/>
-          </p:nvPr>
-        </p:nvSpPr>
-        <p:spPr/>
-        <p:txBody>
-          <a:bodyPr>
-            <a:normAutofit/>
-          </a:bodyPr>
-          <a:lstStyle/>
-          <a:p>
-            <a:pPr lvl="1">
-              <a:buFont typeface="Courier New" panose="02070309020205020404" pitchFamily="49" charset="0"/>
-              <a:buChar char="o"/>
-            </a:pPr>
-            <a:r>
-              <a:rPr lang="en-US" smtClean="0"/>
-              <a:t>Khi ta cần khả năng kiểm soát các truy xuất đến đôi tượng do nhiều lý do khác nhau:</a:t>
-            </a:r>
-          </a:p>
-          <a:p>
-            <a:pPr lvl="2">
-              <a:buFont typeface="Courier New" panose="02070309020205020404" pitchFamily="49" charset="0"/>
-              <a:buChar char="o"/>
-            </a:pPr>
-            <a:r>
-              <a:rPr lang="en-US" smtClean="0"/>
-              <a:t>Khi đối tượng đó tốn nhiều tài nguyên để được khởi tạo</a:t>
-            </a:r>
-          </a:p>
-          <a:p>
-            <a:pPr lvl="2">
-              <a:buFont typeface="Courier New" panose="02070309020205020404" pitchFamily="49" charset="0"/>
-              <a:buChar char="o"/>
-            </a:pPr>
-            <a:r>
-              <a:rPr lang="en-US" smtClean="0"/>
-              <a:t>Cung cấp các quyền truy cập vào đối tượng,</a:t>
-            </a:r>
-          </a:p>
-          <a:p>
-            <a:pPr lvl="2">
-              <a:buFont typeface="Courier New" panose="02070309020205020404" pitchFamily="49" charset="0"/>
-              <a:buChar char="o"/>
-            </a:pPr>
-            <a:r>
-              <a:rPr lang="en-US" smtClean="0"/>
-              <a:t>Cung cấp một cách truy cập sophisticated đối tượng đang chạy trên một tiến trình khác hay trên một máy tính khác</a:t>
-            </a:r>
-            <a:endParaRPr lang="en-US"/>
-          </a:p>
-        </p:txBody>
-      </p:sp>
-    </p:spTree>
-    <p:extLst>
-      <p:ext uri="{BB962C8B-B14F-4D97-AF65-F5344CB8AC3E}">
-        <p14:creationId xmlns:p14="http://schemas.microsoft.com/office/powerpoint/2010/main" val="2807514679"/>
-      </p:ext>
-    </p:extLst>
-  </p:cSld>
-  <p:clrMapOvr>
-    <a:masterClrMapping/>
-  </p:clrMapOvr>
-  <mc:AlternateContent xmlns:mc="http://schemas.openxmlformats.org/markup-compatibility/2006" xmlns:p14="http://schemas.microsoft.com/office/powerpoint/2010/main">
-    <mc:Choice Requires="p14">
-      <p:transition spd="med" p14:dur="700">
-        <p:fade/>
-      </p:transition>
-    </mc:Choice>
-    <mc:Fallback xmlns="">
-      <p:transition spd="med">
-        <p:fade/>
-      </p:transition>
-    </mc:Fallback>
-  </mc:AlternateContent>
-  <p:timing>
-    <p:tnLst>
-      <p:par>
-        <p:cTn id="1" dur="indefinite" restart="never" nodeType="tmRoot"/>
-      </p:par>
-    </p:tnLst>
-  </p:timing>
-</p:sld>
-</file>
-
-<file path=ppt/slides/slide2.xml><?xml version="1.0" encoding="utf-8"?>
-<p:sld xmlns:a="http://schemas.openxmlformats.org/drawingml/2006/main" xmlns:r="http://schemas.openxmlformats.org/officeDocument/2006/relationships" xmlns:p="http://schemas.openxmlformats.org/presentationml/2006/main">
-  <p:cSld>
-    <p:spTree>
-      <p:nvGrpSpPr>
-        <p:cNvPr id="1" name=""/>
-        <p:cNvGrpSpPr/>
-        <p:nvPr/>
-      </p:nvGrpSpPr>
-      <p:grpSpPr>
-        <a:xfrm>
-          <a:off x="0" y="0"/>
-          <a:ext cx="0" cy="0"/>
-          <a:chOff x="0" y="0"/>
-          <a:chExt cx="0" cy="0"/>
-        </a:xfrm>
-      </p:grpSpPr>
-      <p:sp>
-        <p:nvSpPr>
-          <p:cNvPr id="2" name="Title 1"/>
-          <p:cNvSpPr>
-            <a:spLocks noGrp="1"/>
-          </p:cNvSpPr>
-          <p:nvPr>
-            <p:ph type="title"/>
-          </p:nvPr>
-        </p:nvSpPr>
-        <p:spPr/>
-        <p:txBody>
-          <a:bodyPr/>
-          <a:lstStyle/>
-          <a:p>
-            <a:r>
-              <a:rPr lang="en-US" dirty="0"/>
-              <a:t>Nội dung</a:t>
-            </a:r>
-          </a:p>
-        </p:txBody>
-      </p:sp>
-      <p:sp>
-        <p:nvSpPr>
-          <p:cNvPr id="3" name="Content Placeholder 2"/>
-          <p:cNvSpPr>
-            <a:spLocks noGrp="1"/>
-          </p:cNvSpPr>
-          <p:nvPr>
-            <p:ph sz="half" idx="1"/>
-          </p:nvPr>
-        </p:nvSpPr>
-        <p:spPr>
-          <a:xfrm>
-            <a:off x="1522413" y="1905000"/>
-            <a:ext cx="9753599" cy="4267200"/>
-          </a:xfrm>
-        </p:spPr>
-        <p:txBody>
-          <a:bodyPr/>
-          <a:lstStyle/>
-          <a:p>
-            <a:pPr lvl="1"/>
-            <a:r>
-              <a:rPr lang="en-US"/>
-              <a:t>Giới thiệu về Design Pattern</a:t>
-            </a:r>
-          </a:p>
-          <a:p>
-            <a:pPr lvl="1"/>
-            <a:r>
-              <a:rPr lang="en-US"/>
-              <a:t>Giới thiệu về các </a:t>
-            </a:r>
-            <a:r>
-              <a:rPr lang="en-US" b="1"/>
-              <a:t>Structural Pattern</a:t>
-            </a:r>
-            <a:endParaRPr lang="en-US" dirty="0"/>
-          </a:p>
-          <a:p>
-            <a:pPr lvl="1"/>
-            <a:r>
-              <a:rPr lang="en-US"/>
-              <a:t>Mẫu </a:t>
-            </a:r>
-            <a:r>
-              <a:rPr lang="en-US" b="1"/>
-              <a:t>Decorator</a:t>
-            </a:r>
-            <a:endParaRPr lang="en-US" b="1" dirty="0"/>
-          </a:p>
-          <a:p>
-            <a:pPr lvl="1"/>
-            <a:r>
-              <a:rPr lang="en-US"/>
-              <a:t>Mẫu </a:t>
-            </a:r>
-            <a:r>
-              <a:rPr lang="en-US" b="1"/>
-              <a:t>Proxy</a:t>
-            </a:r>
-          </a:p>
-          <a:p>
-            <a:pPr lvl="1"/>
-            <a:r>
-              <a:rPr lang="en-US"/>
-              <a:t>Ứng dụng</a:t>
-            </a:r>
-          </a:p>
-          <a:p>
-            <a:pPr lvl="1"/>
-            <a:r>
-              <a:rPr lang="en-US"/>
-              <a:t>Demo</a:t>
-            </a:r>
-            <a:endParaRPr lang="en-US" dirty="0"/>
-          </a:p>
-        </p:txBody>
-      </p:sp>
-    </p:spTree>
-    <p:extLst>
-      <p:ext uri="{BB962C8B-B14F-4D97-AF65-F5344CB8AC3E}">
-        <p14:creationId xmlns:p14="http://schemas.microsoft.com/office/powerpoint/2010/main" val="1105290142"/>
-      </p:ext>
-    </p:extLst>
-  </p:cSld>
-  <p:clrMapOvr>
-    <a:masterClrMapping/>
-  </p:clrMapOvr>
-  <mc:AlternateContent xmlns:mc="http://schemas.openxmlformats.org/markup-compatibility/2006" xmlns:p14="http://schemas.microsoft.com/office/powerpoint/2010/main">
-    <mc:Choice Requires="p14">
-      <p:transition spd="med" p14:dur="700">
-        <p:fade/>
-      </p:transition>
-    </mc:Choice>
-    <mc:Fallback xmlns="">
-      <p:transition spd="med">
-        <p:fade/>
-      </p:transition>
-    </mc:Fallback>
-  </mc:AlternateContent>
-</p:sld>
-</file>
-
-<file path=ppt/slides/slide20.xml><?xml version="1.0" encoding="utf-8"?>
-<p:sld xmlns:a="http://schemas.openxmlformats.org/drawingml/2006/main" xmlns:r="http://schemas.openxmlformats.org/officeDocument/2006/relationships" xmlns:p="http://schemas.openxmlformats.org/presentationml/2006/main">
-  <p:cSld>
-    <p:spTree>
-      <p:nvGrpSpPr>
-        <p:cNvPr id="1" name=""/>
-        <p:cNvGrpSpPr/>
-        <p:nvPr/>
-      </p:nvGrpSpPr>
-      <p:grpSpPr>
-        <a:xfrm>
-          <a:off x="0" y="0"/>
-          <a:ext cx="0" cy="0"/>
-          <a:chOff x="0" y="0"/>
-          <a:chExt cx="0" cy="0"/>
-        </a:xfrm>
-      </p:grpSpPr>
-      <p:sp>
-        <p:nvSpPr>
-          <p:cNvPr id="2" name="Title 1"/>
-          <p:cNvSpPr>
-            <a:spLocks noGrp="1"/>
-          </p:cNvSpPr>
-          <p:nvPr>
-            <p:ph type="title"/>
-          </p:nvPr>
-        </p:nvSpPr>
-        <p:spPr/>
-        <p:txBody>
-          <a:bodyPr/>
-          <a:lstStyle/>
-          <a:p>
-            <a:r>
-              <a:rPr lang="en-US"/>
-              <a:t>Khả năng ứng dụng</a:t>
-            </a:r>
-          </a:p>
-        </p:txBody>
-      </p:sp>
-      <p:sp>
-        <p:nvSpPr>
-          <p:cNvPr id="3" name="Content Placeholder 2"/>
-          <p:cNvSpPr>
-            <a:spLocks noGrp="1"/>
-          </p:cNvSpPr>
-          <p:nvPr>
-            <p:ph idx="1"/>
-          </p:nvPr>
-        </p:nvSpPr>
-        <p:spPr/>
-        <p:txBody>
-          <a:bodyPr>
-            <a:normAutofit lnSpcReduction="10000"/>
-          </a:bodyPr>
-          <a:lstStyle/>
-          <a:p>
-            <a:pPr lvl="1"/>
-            <a:r>
-              <a:rPr lang="vi-VN"/>
-              <a:t>Các mẫu thiết kế Proxy được áp dụng khi</a:t>
-            </a:r>
-            <a:r>
-              <a:rPr lang="en-US"/>
-              <a:t>:</a:t>
-            </a:r>
-          </a:p>
-          <a:p>
-            <a:pPr lvl="2"/>
-            <a:r>
-              <a:rPr lang="vi-VN"/>
-              <a:t>có nhu cầu để kiểm soát quyền truy cập vào một đối tượng</a:t>
-            </a:r>
-            <a:r>
-              <a:rPr lang="en-US"/>
-              <a:t>.</a:t>
-            </a:r>
-            <a:r>
-              <a:rPr lang="vi-VN"/>
-              <a:t> </a:t>
-            </a:r>
-            <a:endParaRPr lang="en-US"/>
-          </a:p>
-          <a:p>
-            <a:pPr lvl="2"/>
-            <a:r>
-              <a:rPr lang="vi-VN"/>
-              <a:t>có nhu cầu cho một tham chiếu</a:t>
-            </a:r>
-            <a:r>
-              <a:rPr lang="en-US"/>
-              <a:t> </a:t>
-            </a:r>
-            <a:r>
-              <a:rPr lang="vi-VN"/>
-              <a:t>phức tạp đến một đối tượng</a:t>
-            </a:r>
-            <a:r>
-              <a:rPr lang="vi-VN" smtClean="0"/>
-              <a:t>.</a:t>
-            </a:r>
-            <a:endParaRPr lang="en-US" smtClean="0"/>
-          </a:p>
-          <a:p>
-            <a:pPr lvl="1"/>
-            <a:r>
-              <a:rPr lang="en-US" smtClean="0"/>
-              <a:t>Các tình huống thường thấy khi cần áp dụng một mẫu proxy:</a:t>
-            </a:r>
-          </a:p>
-          <a:p>
-            <a:pPr lvl="2"/>
-            <a:r>
-              <a:rPr lang="en-US" smtClean="0"/>
-              <a:t>Proxy ảo: làm trì hoãn quá trình khởi tạo của một đối tượng tốn kém cho đến khi thực sự cần.. Ví dụ như chỉ tạo ra một đối tượng RealSubject khi và chỉ khi phương thức doSomething của nó được gọi tới.</a:t>
-            </a:r>
-          </a:p>
-          <a:p>
-            <a:pPr lvl="2"/>
-            <a:r>
-              <a:rPr lang="en-US" smtClean="0"/>
-              <a:t>Proxy từ xa: cung cấp một thể hiện cục bộ của một đối tượng trong một khoảng không gian địa chỉ khác. Một ví dụ là đối tượng stub của Java RMI. Đối tượng stub của RMI hoạt động như một proxy khi chúng ta invoke các phương thức của nó thì nó sẽ liên lạc với các đối tượng từ xa trên các máy tính khác (remote object) và invoke các phương thức của chúng.</a:t>
-            </a:r>
-          </a:p>
-          <a:p>
-            <a:pPr lvl="2"/>
-            <a:r>
-              <a:rPr lang="en-US" smtClean="0"/>
-              <a:t>Proxy bảo vệ: khi một proxy điều khiển truy cập đối một đối tượng RealObject nào đó, cho phép chúng từ đối không  bị truy xuất bởi các đối tượng khác.</a:t>
-            </a:r>
-          </a:p>
-          <a:p>
-            <a:pPr lvl="2"/>
-            <a:r>
-              <a:rPr lang="en-US"/>
-              <a:t>Liên kết thông minh: cung cấp </a:t>
-            </a:r>
-            <a:r>
-              <a:rPr lang="en-US"/>
-              <a:t>một </a:t>
-            </a:r>
-            <a:r>
-              <a:rPr lang="en-US" smtClean="0"/>
-              <a:t>cách </a:t>
-            </a:r>
-            <a:r>
-              <a:rPr lang="en-US"/>
-              <a:t>truy </a:t>
-            </a:r>
-            <a:r>
-              <a:rPr lang="en-US"/>
-              <a:t>cập </a:t>
-            </a:r>
-            <a:r>
-              <a:rPr lang="en-US" smtClean="0"/>
-              <a:t>sophisticated đến một số đối tượng nào đó và theo dõi số lượng các tham chiếu đên đối tượng và ngăn cản các truy cập tiếp theo nếu con số này đạt mức giới hạn, cũng như nạp một đối tượng từ CSDL vào bộ nhớ một cách demand</a:t>
-            </a:r>
-            <a:endParaRPr lang="en-US"/>
-          </a:p>
-          <a:p>
-            <a:r>
-              <a:rPr lang="en-US"/>
-              <a:t/>
-            </a:r>
-            <a:br>
-              <a:rPr lang="en-US"/>
-            </a:br>
-            <a:endParaRPr lang="en-US"/>
-          </a:p>
-          <a:p>
-            <a:endParaRPr lang="en-US"/>
-          </a:p>
-        </p:txBody>
-      </p:sp>
-    </p:spTree>
-    <p:extLst>
-      <p:ext uri="{BB962C8B-B14F-4D97-AF65-F5344CB8AC3E}">
-        <p14:creationId xmlns:p14="http://schemas.microsoft.com/office/powerpoint/2010/main" val="2307822988"/>
-      </p:ext>
-    </p:extLst>
-  </p:cSld>
-  <p:clrMapOvr>
-    <a:masterClrMapping/>
-  </p:clrMapOvr>
-  <mc:AlternateContent xmlns:mc="http://schemas.openxmlformats.org/markup-compatibility/2006" xmlns:p14="http://schemas.microsoft.com/office/powerpoint/2010/main">
-    <mc:Choice Requires="p14">
-      <p:transition spd="med" p14:dur="700">
-        <p:fade/>
-      </p:transition>
-    </mc:Choice>
-    <mc:Fallback xmlns="">
-      <p:transition spd="med">
-        <p:fade/>
-      </p:transition>
-    </mc:Fallback>
-  </mc:AlternateContent>
-  <p:timing>
-    <p:tnLst>
-      <p:par>
-        <p:cTn id="1" dur="indefinite" restart="never" nodeType="tmRoot"/>
-      </p:par>
-    </p:tnLst>
-  </p:timing>
-</p:sld>
-</file>
-
-<file path=ppt/slides/slide21.xml><?xml version="1.0" encoding="utf-8"?>
-<p:sld xmlns:a="http://schemas.openxmlformats.org/drawingml/2006/main" xmlns:r="http://schemas.openxmlformats.org/officeDocument/2006/relationships" xmlns:p="http://schemas.openxmlformats.org/presentationml/2006/main">
-  <p:cSld>
-    <p:spTree>
-      <p:nvGrpSpPr>
-        <p:cNvPr id="1" name=""/>
-        <p:cNvGrpSpPr/>
-        <p:nvPr/>
-      </p:nvGrpSpPr>
-      <p:grpSpPr>
-        <a:xfrm>
-          <a:off x="0" y="0"/>
-          <a:ext cx="0" cy="0"/>
-          <a:chOff x="0" y="0"/>
-          <a:chExt cx="0" cy="0"/>
-        </a:xfrm>
-      </p:grpSpPr>
-      <p:sp>
-        <p:nvSpPr>
-          <p:cNvPr id="3" name="Title 2"/>
-          <p:cNvSpPr>
-            <a:spLocks noGrp="1"/>
-          </p:cNvSpPr>
-          <p:nvPr>
-            <p:ph type="title"/>
-          </p:nvPr>
-        </p:nvSpPr>
-        <p:spPr/>
-        <p:txBody>
-          <a:bodyPr/>
-          <a:lstStyle/>
-          <a:p>
-            <a:r>
-              <a:rPr lang="en-US"/>
-              <a:t>Cấu trúc</a:t>
-            </a:r>
-            <a:endParaRPr lang="en-US" dirty="0"/>
-          </a:p>
-        </p:txBody>
-      </p:sp>
-      <p:pic>
-        <p:nvPicPr>
-          <p:cNvPr id="6" name="Content Placeholder 5"/>
-          <p:cNvPicPr>
-            <a:picLocks noGrp="1" noChangeAspect="1"/>
-          </p:cNvPicPr>
-          <p:nvPr>
-            <p:ph idx="1"/>
-          </p:nvPr>
-        </p:nvPicPr>
-        <p:blipFill>
-          <a:blip r:embed="rId3"/>
-          <a:stretch>
-            <a:fillRect/>
-          </a:stretch>
-        </p:blipFill>
-        <p:spPr>
-          <a:xfrm>
-            <a:off x="3351212" y="1828800"/>
-            <a:ext cx="5701295" cy="3810000"/>
-          </a:xfrm>
-          <a:prstGeom prst="rect">
-            <a:avLst/>
-          </a:prstGeom>
-        </p:spPr>
-      </p:pic>
-    </p:spTree>
-    <p:extLst>
-      <p:ext uri="{BB962C8B-B14F-4D97-AF65-F5344CB8AC3E}">
-        <p14:creationId xmlns:p14="http://schemas.microsoft.com/office/powerpoint/2010/main" val="3177150332"/>
-      </p:ext>
-    </p:extLst>
-  </p:cSld>
-  <p:clrMapOvr>
-    <a:masterClrMapping/>
-  </p:clrMapOvr>
-  <mc:AlternateContent xmlns:mc="http://schemas.openxmlformats.org/markup-compatibility/2006" xmlns:p14="http://schemas.microsoft.com/office/powerpoint/2010/main">
-    <mc:Choice Requires="p14">
-      <p:transition spd="med" p14:dur="700">
-        <p:fade/>
-      </p:transition>
-    </mc:Choice>
-    <mc:Fallback xmlns="">
-      <p:transition spd="med">
-        <p:fade/>
-      </p:transition>
-    </mc:Fallback>
-  </mc:AlternateContent>
-  <p:timing>
-    <p:tnLst>
-      <p:par>
-        <p:cTn id="1" dur="indefinite" restart="never" nodeType="tmRoot"/>
-      </p:par>
-    </p:tnLst>
-  </p:timing>
-</p:sld>
-</file>
-
 <file path=ppt/slides/slide22.xml><?xml version="1.0" encoding="utf-8"?>
 <p:sld xmlns:a="http://schemas.openxmlformats.org/drawingml/2006/main" xmlns:r="http://schemas.openxmlformats.org/officeDocument/2006/relationships" xmlns:p="http://schemas.openxmlformats.org/presentationml/2006/main">
   <p:cSld>
@@ -7260,7 +7608,7 @@
           <a:p>
             <a:r>
               <a:rPr lang="en-US"/>
-              <a:t>Thành phần</a:t>
+              <a:t>Định nghĩa	</a:t>
             </a:r>
             <a:endParaRPr lang="en-US" dirty="0"/>
           </a:p>
@@ -7279,233 +7627,33 @@
         <p:spPr/>
         <p:txBody>
           <a:bodyPr>
-            <a:normAutofit fontScale="77500" lnSpcReduction="20000"/>
+            <a:normAutofit/>
           </a:bodyPr>
           <a:lstStyle/>
           <a:p>
             <a:pPr lvl="1"/>
             <a:r>
-              <a:rPr lang="en-US" b="1"/>
-              <a:t>Proxy</a:t>
-            </a:r>
-            <a:r>
-              <a:rPr lang="en-US"/>
-              <a:t> </a:t>
-            </a:r>
-          </a:p>
-          <a:p>
-            <a:pPr lvl="2"/>
-            <a:r>
-              <a:rPr lang="en-US" smtClean="0"/>
-              <a:t>Giữ một tham chiếu cho phép proxy truy cập đến đối tượng thực sự.</a:t>
-            </a:r>
-          </a:p>
-          <a:p>
-            <a:pPr lvl="2"/>
-            <a:r>
-              <a:rPr lang="en-US" smtClean="0"/>
-              <a:t>maintains </a:t>
-            </a:r>
-            <a:r>
-              <a:rPr lang="en-US"/>
-              <a:t>a reference that lets the proxy access the real subject. Proxy</a:t>
-            </a:r>
-            <a:br>
-              <a:rPr lang="en-US"/>
-            </a:br>
-            <a:r>
-              <a:rPr lang="en-US"/>
-              <a:t>may refer to a Subject if the RealSubject and Subject interfaces are the</a:t>
-            </a:r>
-            <a:br>
-              <a:rPr lang="en-US"/>
-            </a:br>
-            <a:r>
-              <a:rPr lang="en-US"/>
-              <a:t>same.</a:t>
-            </a:r>
-            <a:br>
-              <a:rPr lang="en-US"/>
-            </a:br>
-            <a:r>
-              <a:rPr lang="en-US"/>
-              <a:t>o provides an interface identical to Subject's so that a proxy can be</a:t>
-            </a:r>
-            <a:br>
-              <a:rPr lang="en-US"/>
-            </a:br>
-            <a:r>
-              <a:rPr lang="en-US"/>
-              <a:t>substituted for for the real subject.</a:t>
-            </a:r>
-            <a:br>
-              <a:rPr lang="en-US"/>
-            </a:br>
-            <a:r>
-              <a:rPr lang="en-US"/>
-              <a:t>o controls access to the real subject and may be responsible for creating</a:t>
-            </a:r>
-            <a:br>
-              <a:rPr lang="en-US"/>
-            </a:br>
-            <a:r>
-              <a:rPr lang="en-US"/>
-              <a:t>and deleting it.</a:t>
-            </a:r>
-            <a:br>
-              <a:rPr lang="en-US"/>
-            </a:br>
-            <a:r>
-              <a:rPr lang="en-US"/>
-              <a:t>o other responsibilites depend on the kind of proxy:</a:t>
-            </a:r>
-            <a:br>
-              <a:rPr lang="en-US"/>
-            </a:br>
-            <a:r>
-              <a:rPr lang="en-US"/>
-              <a:t>o </a:t>
-            </a:r>
-            <a:r>
-              <a:rPr lang="en-US" i="1"/>
-              <a:t>remote proxies </a:t>
-            </a:r>
-            <a:r>
-              <a:rPr lang="en-US"/>
-              <a:t>are responsible for encoding a request and its arguments</a:t>
-            </a:r>
-            <a:br>
-              <a:rPr lang="en-US"/>
-            </a:br>
-            <a:r>
-              <a:rPr lang="en-US"/>
-              <a:t>and for sending the encoded request to the real subject in a different</a:t>
-            </a:r>
-            <a:br>
-              <a:rPr lang="en-US"/>
-            </a:br>
-            <a:r>
-              <a:rPr lang="en-US"/>
-              <a:t>address space.</a:t>
-            </a:r>
-            <a:br>
-              <a:rPr lang="en-US"/>
-            </a:br>
-            <a:r>
-              <a:rPr lang="en-US"/>
-              <a:t>o </a:t>
-            </a:r>
-            <a:r>
-              <a:rPr lang="en-US" i="1"/>
-              <a:t>virtual proxies </a:t>
-            </a:r>
-            <a:r>
-              <a:rPr lang="en-US"/>
-              <a:t>may cache additional information about the real subject so</a:t>
-            </a:r>
-            <a:br>
-              <a:rPr lang="en-US"/>
-            </a:br>
-            <a:r>
-              <a:rPr lang="en-US"/>
-              <a:t>that they can postpone accessing it. For example, the ImageProxy from</a:t>
-            </a:r>
-            <a:br>
-              <a:rPr lang="en-US"/>
-            </a:br>
-            <a:r>
-              <a:rPr lang="en-US"/>
-              <a:t>the Motivation caches the real images's extent.</a:t>
-            </a:r>
-            <a:br>
-              <a:rPr lang="en-US"/>
-            </a:br>
-            <a:r>
-              <a:rPr lang="en-US"/>
-              <a:t>o </a:t>
-            </a:r>
-            <a:r>
-              <a:rPr lang="en-US" i="1"/>
-              <a:t>protection proxies </a:t>
-            </a:r>
-            <a:r>
-              <a:rPr lang="en-US"/>
-              <a:t>check that the caller has the access permissions</a:t>
-            </a:r>
-            <a:br>
-              <a:rPr lang="en-US"/>
-            </a:br>
-            <a:r>
-              <a:rPr lang="en-US"/>
-              <a:t>required to perform a request </a:t>
-            </a:r>
-          </a:p>
-          <a:p>
-            <a:pPr lvl="1"/>
-            <a:r>
-              <a:rPr lang="en-US" b="1"/>
-              <a:t>Subject </a:t>
-            </a:r>
-            <a:endParaRPr lang="en-US" b="1" smtClean="0"/>
-          </a:p>
-          <a:p>
-            <a:pPr lvl="2"/>
-            <a:r>
-              <a:rPr lang="en-US" smtClean="0"/>
-              <a:t>Định nghĩa một giao diện chung cho cả RealSubject và Proxy, do đó một Proxy có thể được sử dụng ở bất kỳ đâu yêu cầu một đối tượng kiểu RealSubject.</a:t>
-            </a:r>
-            <a:endParaRPr lang="en-US" smtClean="0"/>
-          </a:p>
-          <a:p>
-            <a:pPr lvl="2"/>
-            <a:r>
-              <a:rPr lang="en-US" smtClean="0"/>
-              <a:t>defines </a:t>
-            </a:r>
-            <a:r>
-              <a:rPr lang="en-US"/>
-              <a:t>the common interface for RealSubject and Proxy so that a Proxy</a:t>
-            </a:r>
-            <a:br>
-              <a:rPr lang="en-US"/>
-            </a:br>
-            <a:r>
-              <a:rPr lang="en-US"/>
-              <a:t>can be used anywhere a RealSubject is expected.</a:t>
-            </a:r>
-          </a:p>
-          <a:p>
-            <a:pPr lvl="1"/>
-            <a:r>
-              <a:rPr lang="en-US" b="1"/>
-              <a:t>RealSubject </a:t>
-            </a:r>
-            <a:endParaRPr lang="en-US" smtClean="0"/>
-          </a:p>
-          <a:p>
-            <a:pPr lvl="2"/>
-            <a:r>
-              <a:rPr lang="en-US" smtClean="0"/>
-              <a:t>Định nghĩa đối tượng thực sự mà proxy đang thể hiện</a:t>
-            </a:r>
-            <a:br>
-              <a:rPr lang="en-US" smtClean="0"/>
-            </a:br>
-            <a:r>
-              <a:rPr lang="en-US"/>
-              <a:t/>
-            </a:r>
-            <a:br>
-              <a:rPr lang="en-US"/>
-            </a:br>
-            <a:endParaRPr lang="en-US"/>
+              <a:rPr lang="en-US" sz="2000" i="1" smtClean="0"/>
+              <a:t>“Cung cấp một sự thay thế hay giữ cho một đối tượng thực sự để kiểm soát các truy cập đến nó</a:t>
+            </a:r>
+            <a:r>
+              <a:rPr lang="en-US" sz="2000" smtClean="0"/>
+              <a:t>.” </a:t>
+            </a:r>
+            <a:r>
+              <a:rPr lang="en-US" sz="2000"/>
+              <a:t>(GoF)</a:t>
+            </a:r>
+          </a:p>
+          <a:p>
+            <a:endParaRPr lang="en-US" sz="2000"/>
           </a:p>
         </p:txBody>
       </p:sp>
     </p:spTree>
     <p:extLst>
       <p:ext uri="{BB962C8B-B14F-4D97-AF65-F5344CB8AC3E}">
-        <p14:creationId xmlns:p14="http://schemas.microsoft.com/office/powerpoint/2010/main" val="1722138572"/>
+        <p14:creationId xmlns:p14="http://schemas.microsoft.com/office/powerpoint/2010/main" val="552151856"/>
       </p:ext>
     </p:extLst>
   </p:cSld>
@@ -7568,58 +7716,95 @@
           <a:p>
             <a:r>
               <a:rPr lang="en-US"/>
-              <a:t>Mối quan hệ</a:t>
-            </a:r>
-          </a:p>
-        </p:txBody>
-      </p:sp>
-      <p:pic>
-        <p:nvPicPr>
-          <p:cNvPr id="1026" name="Picture 2" descr="Kết quả hình ảnh cho proxy pattern activity diagram"/>
-          <p:cNvPicPr>
-            <a:picLocks noGrp="1" noChangeAspect="1" noChangeArrowheads="1"/>
-          </p:cNvPicPr>
+              <a:t>Khi nào sử dụng?	</a:t>
+            </a:r>
+            <a:endParaRPr lang="en-US" dirty="0"/>
+          </a:p>
+        </p:txBody>
+      </p:sp>
+      <p:sp>
+        <p:nvSpPr>
+          <p:cNvPr id="2" name="Content Placeholder 1"/>
+          <p:cNvSpPr>
+            <a:spLocks noGrp="1"/>
+          </p:cNvSpPr>
           <p:nvPr>
             <p:ph idx="1"/>
           </p:nvPr>
-        </p:nvPicPr>
-        <p:blipFill>
-          <a:blip r:embed="rId2">
-            <a:extLst>
-              <a:ext uri="{28A0092B-C50C-407E-A947-70E740481C1C}">
-                <a14:useLocalDpi xmlns:a14="http://schemas.microsoft.com/office/drawing/2010/main" val="0"/>
-              </a:ext>
-            </a:extLst>
-          </a:blip>
-          <a:srcRect/>
-          <a:stretch>
-            <a:fillRect/>
-          </a:stretch>
-        </p:blipFill>
-        <p:spPr bwMode="auto">
-          <a:xfrm>
-            <a:off x="3172020" y="2133600"/>
-            <a:ext cx="5905728" cy="3276600"/>
-          </a:xfrm>
-          <a:prstGeom prst="rect">
-            <a:avLst/>
-          </a:prstGeom>
-          <a:noFill/>
-          <a:extLst>
-            <a:ext uri="{909E8E84-426E-40DD-AFC4-6F175D3DCCD1}">
-              <a14:hiddenFill xmlns:a14="http://schemas.microsoft.com/office/drawing/2010/main">
-                <a:solidFill>
-                  <a:srgbClr val="FFFFFF"/>
-                </a:solidFill>
-              </a14:hiddenFill>
-            </a:ext>
-          </a:extLst>
-        </p:spPr>
-      </p:pic>
+        </p:nvSpPr>
+        <p:spPr/>
+        <p:txBody>
+          <a:bodyPr>
+            <a:normAutofit/>
+          </a:bodyPr>
+          <a:lstStyle/>
+          <a:p>
+            <a:pPr lvl="1">
+              <a:buFont typeface="Courier New" panose="02070309020205020404" pitchFamily="49" charset="0"/>
+              <a:buChar char="o"/>
+            </a:pPr>
+            <a:r>
+              <a:rPr lang="en-US" smtClean="0"/>
+              <a:t>Khi ta cần khả năng kiểm soát các truy xuất đến đôi tượng do nhiều lý do khác nhau:</a:t>
+            </a:r>
+          </a:p>
+          <a:p>
+            <a:pPr lvl="2">
+              <a:buFont typeface="Courier New" panose="02070309020205020404" pitchFamily="49" charset="0"/>
+              <a:buChar char="o"/>
+            </a:pPr>
+            <a:r>
+              <a:rPr lang="en-US" smtClean="0"/>
+              <a:t>Khi đối tượng đó tốn nhiều tài nguyên để được khởi </a:t>
+            </a:r>
+            <a:r>
+              <a:rPr lang="en-US" smtClean="0"/>
+              <a:t>tạo và quá trình khởi tạo chúng mất nhiều thời gian.</a:t>
+            </a:r>
+            <a:endParaRPr lang="en-US" smtClean="0"/>
+          </a:p>
+          <a:p>
+            <a:pPr lvl="2">
+              <a:buFont typeface="Courier New" panose="02070309020205020404" pitchFamily="49" charset="0"/>
+              <a:buChar char="o"/>
+            </a:pPr>
+            <a:r>
+              <a:rPr lang="en-US" smtClean="0"/>
+              <a:t>Cung cấp các quyền truy cập vào đối </a:t>
+            </a:r>
+            <a:r>
+              <a:rPr lang="en-US" smtClean="0"/>
+              <a:t>tượng.</a:t>
+            </a:r>
+            <a:endParaRPr lang="en-US" smtClean="0"/>
+          </a:p>
+          <a:p>
+            <a:pPr lvl="2">
+              <a:buFont typeface="Courier New" panose="02070309020205020404" pitchFamily="49" charset="0"/>
+              <a:buChar char="o"/>
+            </a:pPr>
+            <a:r>
+              <a:rPr lang="en-US" smtClean="0"/>
+              <a:t>Cung cấp một cách truy cập sophisticated đối tượng đang chạy trên một tiến trình khác hay trên một máy tính </a:t>
+            </a:r>
+            <a:r>
+              <a:rPr lang="en-US" smtClean="0"/>
+              <a:t>khác</a:t>
+            </a:r>
+          </a:p>
+          <a:p>
+            <a:pPr lvl="2">
+              <a:buFont typeface="Courier New" panose="02070309020205020404" pitchFamily="49" charset="0"/>
+              <a:buChar char="o"/>
+            </a:pPr>
+            <a:endParaRPr lang="en-US"/>
+          </a:p>
+        </p:txBody>
+      </p:sp>
     </p:spTree>
     <p:extLst>
       <p:ext uri="{BB962C8B-B14F-4D97-AF65-F5344CB8AC3E}">
-        <p14:creationId xmlns:p14="http://schemas.microsoft.com/office/powerpoint/2010/main" val="3421464398"/>
+        <p14:creationId xmlns:p14="http://schemas.microsoft.com/office/powerpoint/2010/main" val="2807514679"/>
       </p:ext>
     </p:extLst>
   </p:cSld>
@@ -7667,6 +7852,619 @@
       </p:grpSpPr>
       <p:sp>
         <p:nvSpPr>
+          <p:cNvPr id="2" name="Title 1"/>
+          <p:cNvSpPr>
+            <a:spLocks noGrp="1"/>
+          </p:cNvSpPr>
+          <p:nvPr>
+            <p:ph type="title"/>
+          </p:nvPr>
+        </p:nvSpPr>
+        <p:spPr/>
+        <p:txBody>
+          <a:bodyPr/>
+          <a:lstStyle/>
+          <a:p>
+            <a:r>
+              <a:rPr lang="en-US"/>
+              <a:t>Khả năng ứng dụng</a:t>
+            </a:r>
+          </a:p>
+        </p:txBody>
+      </p:sp>
+      <p:sp>
+        <p:nvSpPr>
+          <p:cNvPr id="3" name="Content Placeholder 2"/>
+          <p:cNvSpPr>
+            <a:spLocks noGrp="1"/>
+          </p:cNvSpPr>
+          <p:nvPr>
+            <p:ph idx="1"/>
+          </p:nvPr>
+        </p:nvSpPr>
+        <p:spPr>
+          <a:xfrm>
+            <a:off x="1096994" y="1845734"/>
+            <a:ext cx="10055781" cy="4555066"/>
+          </a:xfrm>
+        </p:spPr>
+        <p:txBody>
+          <a:bodyPr>
+            <a:noAutofit/>
+          </a:bodyPr>
+          <a:lstStyle/>
+          <a:p>
+            <a:pPr lvl="1"/>
+            <a:r>
+              <a:rPr lang="en-US" sz="2000" smtClean="0"/>
+              <a:t>Các </a:t>
+            </a:r>
+            <a:r>
+              <a:rPr lang="en-US" sz="2000" smtClean="0"/>
+              <a:t>tình huống thường thấy khi cần áp dụng một mẫu proxy:</a:t>
+            </a:r>
+          </a:p>
+          <a:p>
+            <a:pPr lvl="2"/>
+            <a:r>
+              <a:rPr lang="en-US" sz="2000" smtClean="0">
+                <a:solidFill>
+                  <a:schemeClr val="accent1"/>
+                </a:solidFill>
+              </a:rPr>
+              <a:t>Proxy ảo</a:t>
+            </a:r>
+            <a:r>
+              <a:rPr lang="en-US" sz="2000" smtClean="0"/>
+              <a:t>: làm trì hoãn quá trình khởi tạo của một đối tượng tốn kém cho đến khi thực sự cần.. </a:t>
+            </a:r>
+            <a:r>
+              <a:rPr lang="vi-VN" sz="2000"/>
+              <a:t>Virtual Proxy tạo ra một đối tượng trung gian mỗi khi có yêu cầu tại thời điểm thực thi ứng dụng, nhờ đó làm tăng hiệu suất của ứng dụng.</a:t>
+            </a:r>
+            <a:r>
+              <a:rPr lang="vi-VN" sz="2000"/>
+              <a:t> </a:t>
+            </a:r>
+            <a:endParaRPr lang="en-US" sz="2000" smtClean="0"/>
+          </a:p>
+          <a:p>
+            <a:pPr lvl="2"/>
+            <a:r>
+              <a:rPr lang="en-US" sz="2000" smtClean="0">
+                <a:solidFill>
+                  <a:schemeClr val="accent1"/>
+                </a:solidFill>
+              </a:rPr>
+              <a:t>Proxy </a:t>
+            </a:r>
+            <a:r>
+              <a:rPr lang="en-US" sz="2000" smtClean="0">
+                <a:solidFill>
+                  <a:schemeClr val="accent1"/>
+                </a:solidFill>
+              </a:rPr>
+              <a:t>từ xa</a:t>
+            </a:r>
+            <a:r>
+              <a:rPr lang="en-US" sz="2000" smtClean="0"/>
+              <a:t>: cung cấp một thể hiện cục bộ của một đối tượng trong một khoảng không gian địa chỉ khác. Một ví dụ là đối tượng stub của Java RMI. Đối tượng stub của RMI hoạt động như một proxy khi chúng ta invoke các phương thức của nó thì nó sẽ liên lạc với các đối tượng từ xa trên các máy tính khác (remote object) và invoke các phương thức của chúng.</a:t>
+            </a:r>
+          </a:p>
+          <a:p>
+            <a:pPr lvl="2"/>
+            <a:r>
+              <a:rPr lang="en-US" sz="2000" smtClean="0">
+                <a:solidFill>
+                  <a:schemeClr val="accent1"/>
+                </a:solidFill>
+              </a:rPr>
+              <a:t>Proxy bảo vệ</a:t>
+            </a:r>
+            <a:r>
+              <a:rPr lang="en-US" sz="2000" smtClean="0"/>
+              <a:t>: khi một proxy điều khiển truy cập đối một đối tượng RealObject nào đó, cho phép chúng từ đối không  bị truy xuất bởi các đối tượng khác.</a:t>
+            </a:r>
+          </a:p>
+          <a:p>
+            <a:pPr lvl="2"/>
+            <a:r>
+              <a:rPr lang="en-US" sz="2000">
+                <a:solidFill>
+                  <a:schemeClr val="accent1"/>
+                </a:solidFill>
+              </a:rPr>
+              <a:t>Liên kết thông min</a:t>
+            </a:r>
+            <a:r>
+              <a:rPr lang="en-US" sz="2000"/>
+              <a:t>h: cung cấp một </a:t>
+            </a:r>
+            <a:r>
+              <a:rPr lang="en-US" sz="2000" smtClean="0"/>
+              <a:t>cách </a:t>
+            </a:r>
+            <a:r>
+              <a:rPr lang="en-US" sz="2000"/>
+              <a:t>truy cập </a:t>
+            </a:r>
+            <a:r>
+              <a:rPr lang="en-US" sz="2000" smtClean="0"/>
+              <a:t>sophisticated đến một số đối tượng nào đó và theo dõi số lượng các tham chiếu đên đối tượng và ngăn cản các truy cập tiếp theo nếu con số này đạt mức giới hạn, cũng như nạp một đối tượng từ CSDL vào bộ nhớ một cách </a:t>
+            </a:r>
+            <a:r>
+              <a:rPr lang="en-US" sz="2000" smtClean="0"/>
+              <a:t>demand</a:t>
+            </a:r>
+            <a:r>
+              <a:rPr lang="en-US" sz="2000"/>
+              <a:t/>
+            </a:r>
+            <a:br>
+              <a:rPr lang="en-US" sz="2000"/>
+            </a:br>
+            <a:endParaRPr lang="en-US" sz="2000"/>
+          </a:p>
+          <a:p>
+            <a:endParaRPr lang="en-US" sz="2000"/>
+          </a:p>
+        </p:txBody>
+      </p:sp>
+    </p:spTree>
+    <p:extLst>
+      <p:ext uri="{BB962C8B-B14F-4D97-AF65-F5344CB8AC3E}">
+        <p14:creationId xmlns:p14="http://schemas.microsoft.com/office/powerpoint/2010/main" val="2307822988"/>
+      </p:ext>
+    </p:extLst>
+  </p:cSld>
+  <p:clrMapOvr>
+    <a:masterClrMapping/>
+  </p:clrMapOvr>
+  <mc:AlternateContent xmlns:mc="http://schemas.openxmlformats.org/markup-compatibility/2006" xmlns:p14="http://schemas.microsoft.com/office/powerpoint/2010/main">
+    <mc:Choice Requires="p14">
+      <p:transition spd="med" p14:dur="700">
+        <p:fade/>
+      </p:transition>
+    </mc:Choice>
+    <mc:Fallback xmlns="">
+      <p:transition spd="med">
+        <p:fade/>
+      </p:transition>
+    </mc:Fallback>
+  </mc:AlternateContent>
+  <p:timing>
+    <p:tnLst>
+      <p:par>
+        <p:cTn id="1" dur="indefinite" restart="never" nodeType="tmRoot"/>
+      </p:par>
+    </p:tnLst>
+  </p:timing>
+</p:sld>
+</file>
+
+<file path=ppt/slides/slide25.xml><?xml version="1.0" encoding="utf-8"?>
+<p:sld xmlns:a="http://schemas.openxmlformats.org/drawingml/2006/main" xmlns:r="http://schemas.openxmlformats.org/officeDocument/2006/relationships" xmlns:p="http://schemas.openxmlformats.org/presentationml/2006/main">
+  <p:cSld>
+    <p:spTree>
+      <p:nvGrpSpPr>
+        <p:cNvPr id="1" name=""/>
+        <p:cNvGrpSpPr/>
+        <p:nvPr/>
+      </p:nvGrpSpPr>
+      <p:grpSpPr>
+        <a:xfrm>
+          <a:off x="0" y="0"/>
+          <a:ext cx="0" cy="0"/>
+          <a:chOff x="0" y="0"/>
+          <a:chExt cx="0" cy="0"/>
+        </a:xfrm>
+      </p:grpSpPr>
+      <p:sp>
+        <p:nvSpPr>
+          <p:cNvPr id="3" name="Title 2"/>
+          <p:cNvSpPr>
+            <a:spLocks noGrp="1"/>
+          </p:cNvSpPr>
+          <p:nvPr>
+            <p:ph type="title"/>
+          </p:nvPr>
+        </p:nvSpPr>
+        <p:spPr/>
+        <p:txBody>
+          <a:bodyPr/>
+          <a:lstStyle/>
+          <a:p>
+            <a:r>
+              <a:rPr lang="en-US"/>
+              <a:t>Cấu trúc</a:t>
+            </a:r>
+            <a:endParaRPr lang="en-US" dirty="0"/>
+          </a:p>
+        </p:txBody>
+      </p:sp>
+      <p:pic>
+        <p:nvPicPr>
+          <p:cNvPr id="4" name="Picture 3"/>
+          <p:cNvPicPr>
+            <a:picLocks noChangeAspect="1"/>
+          </p:cNvPicPr>
+          <p:nvPr/>
+        </p:nvPicPr>
+        <p:blipFill>
+          <a:blip r:embed="rId3"/>
+          <a:stretch>
+            <a:fillRect/>
+          </a:stretch>
+        </p:blipFill>
+        <p:spPr>
+          <a:xfrm>
+            <a:off x="2970211" y="2057400"/>
+            <a:ext cx="5622977" cy="3429000"/>
+          </a:xfrm>
+          <a:prstGeom prst="rect">
+            <a:avLst/>
+          </a:prstGeom>
+        </p:spPr>
+      </p:pic>
+    </p:spTree>
+    <p:extLst>
+      <p:ext uri="{BB962C8B-B14F-4D97-AF65-F5344CB8AC3E}">
+        <p14:creationId xmlns:p14="http://schemas.microsoft.com/office/powerpoint/2010/main" val="3177150332"/>
+      </p:ext>
+    </p:extLst>
+  </p:cSld>
+  <p:clrMapOvr>
+    <a:masterClrMapping/>
+  </p:clrMapOvr>
+  <mc:AlternateContent xmlns:mc="http://schemas.openxmlformats.org/markup-compatibility/2006" xmlns:p14="http://schemas.microsoft.com/office/powerpoint/2010/main">
+    <mc:Choice Requires="p14">
+      <p:transition spd="med" p14:dur="700">
+        <p:fade/>
+      </p:transition>
+    </mc:Choice>
+    <mc:Fallback xmlns="">
+      <p:transition spd="med">
+        <p:fade/>
+      </p:transition>
+    </mc:Fallback>
+  </mc:AlternateContent>
+  <p:timing>
+    <p:tnLst>
+      <p:par>
+        <p:cTn id="1" dur="indefinite" restart="never" nodeType="tmRoot"/>
+      </p:par>
+    </p:tnLst>
+  </p:timing>
+</p:sld>
+</file>
+
+<file path=ppt/slides/slide26.xml><?xml version="1.0" encoding="utf-8"?>
+<p:sld xmlns:a="http://schemas.openxmlformats.org/drawingml/2006/main" xmlns:r="http://schemas.openxmlformats.org/officeDocument/2006/relationships" xmlns:p="http://schemas.openxmlformats.org/presentationml/2006/main">
+  <p:cSld>
+    <p:spTree>
+      <p:nvGrpSpPr>
+        <p:cNvPr id="1" name=""/>
+        <p:cNvGrpSpPr/>
+        <p:nvPr/>
+      </p:nvGrpSpPr>
+      <p:grpSpPr>
+        <a:xfrm>
+          <a:off x="0" y="0"/>
+          <a:ext cx="0" cy="0"/>
+          <a:chOff x="0" y="0"/>
+          <a:chExt cx="0" cy="0"/>
+        </a:xfrm>
+      </p:grpSpPr>
+      <p:sp>
+        <p:nvSpPr>
+          <p:cNvPr id="3" name="Title 2"/>
+          <p:cNvSpPr>
+            <a:spLocks noGrp="1"/>
+          </p:cNvSpPr>
+          <p:nvPr>
+            <p:ph type="title"/>
+          </p:nvPr>
+        </p:nvSpPr>
+        <p:spPr/>
+        <p:txBody>
+          <a:bodyPr/>
+          <a:lstStyle/>
+          <a:p>
+            <a:r>
+              <a:rPr lang="en-US"/>
+              <a:t>Thành phần</a:t>
+            </a:r>
+            <a:endParaRPr lang="en-US" dirty="0"/>
+          </a:p>
+        </p:txBody>
+      </p:sp>
+      <p:sp>
+        <p:nvSpPr>
+          <p:cNvPr id="2" name="Content Placeholder 1"/>
+          <p:cNvSpPr>
+            <a:spLocks noGrp="1"/>
+          </p:cNvSpPr>
+          <p:nvPr>
+            <p:ph idx="1"/>
+          </p:nvPr>
+        </p:nvSpPr>
+        <p:spPr>
+          <a:xfrm>
+            <a:off x="1096994" y="1845734"/>
+            <a:ext cx="10055781" cy="4326466"/>
+          </a:xfrm>
+        </p:spPr>
+        <p:txBody>
+          <a:bodyPr>
+            <a:normAutofit fontScale="77500" lnSpcReduction="20000"/>
+          </a:bodyPr>
+          <a:lstStyle/>
+          <a:p>
+            <a:pPr lvl="1"/>
+            <a:r>
+              <a:rPr lang="en-US" sz="2200" b="1"/>
+              <a:t>Proxy</a:t>
+            </a:r>
+            <a:r>
+              <a:rPr lang="en-US" sz="2200"/>
+              <a:t> </a:t>
+            </a:r>
+          </a:p>
+          <a:p>
+            <a:pPr lvl="2"/>
+            <a:r>
+              <a:rPr lang="en-US" sz="2200" smtClean="0"/>
+              <a:t>Giữ một tham chiếu cho phép proxy truy cập đến đối tượng thực </a:t>
+            </a:r>
+            <a:r>
+              <a:rPr lang="en-US" sz="2200" smtClean="0"/>
+              <a:t>sự, ở đây là một đối tượng  có kiểu dữ liệu là RealSubject,</a:t>
+            </a:r>
+          </a:p>
+          <a:p>
+            <a:pPr lvl="2"/>
+            <a:r>
+              <a:rPr lang="en-US" sz="2200" smtClean="0"/>
+              <a:t>Hiện thực hóa từ giao diện Subject khi đó Proxy và RealSubject có vai trò như nhau và có thể thay thế nhau.</a:t>
+            </a:r>
+            <a:endParaRPr lang="en-US" sz="2200" smtClean="0"/>
+          </a:p>
+          <a:p>
+            <a:pPr lvl="2"/>
+            <a:r>
+              <a:rPr lang="en-US" sz="2200" smtClean="0"/>
+              <a:t>Giữ quyền điều khiển và quyền truy cập vào đối tượng RealSubject, có thể khởi tạo hay xóa đối tượng RealSubject theo nhu cầu.</a:t>
+            </a:r>
+            <a:endParaRPr lang="en-US" sz="2200"/>
+          </a:p>
+          <a:p>
+            <a:pPr lvl="2"/>
+            <a:r>
+              <a:rPr lang="en-US" sz="2200" smtClean="0"/>
+              <a:t>Các trách nhiệm khác tùy thuộc vào kiểu proxy được sử dụng:</a:t>
+            </a:r>
+          </a:p>
+          <a:p>
+            <a:pPr lvl="2"/>
+            <a:r>
+              <a:rPr lang="en-US" sz="2200" i="1" smtClean="0"/>
+              <a:t>Proxy từ xa: </a:t>
+            </a:r>
+            <a:r>
+              <a:rPr lang="en-US" sz="2200" smtClean="0"/>
+              <a:t>Chịu trách nhiệm mã hóa một yêu cầu kèm theo các tham số và gởi chúng đến đối tượng thực hiện đang ở trong một miền không gian địa chỉ khác</a:t>
+            </a:r>
+            <a:r>
+              <a:rPr lang="en-US" sz="2200" i="1" smtClean="0"/>
+              <a:t>.</a:t>
+            </a:r>
+          </a:p>
+          <a:p>
+            <a:pPr lvl="2"/>
+            <a:r>
+              <a:rPr lang="en-US" sz="2200" i="1" smtClean="0"/>
+              <a:t>Proxy ảo: </a:t>
+            </a:r>
+            <a:r>
+              <a:rPr lang="en-US" sz="2200" smtClean="0"/>
+              <a:t>Lưu các thông tin về đối tượng thực trong cache để phản hồi lại các truy cập vào chúng.</a:t>
+            </a:r>
+            <a:endParaRPr lang="en-US" sz="2200"/>
+          </a:p>
+          <a:p>
+            <a:pPr lvl="2"/>
+            <a:r>
+              <a:rPr lang="en-US" sz="2200" i="1" smtClean="0"/>
+              <a:t>Proxy bảo vệ: </a:t>
+            </a:r>
+            <a:r>
+              <a:rPr lang="en-US" sz="2200" smtClean="0"/>
+              <a:t>Kiểm tra nơi gọi có quyền truy xuất để thực hiện request đến đối tượng nó bảo vệ hay không.</a:t>
+            </a:r>
+            <a:endParaRPr lang="en-US" sz="2200"/>
+          </a:p>
+          <a:p>
+            <a:pPr lvl="1"/>
+            <a:r>
+              <a:rPr lang="en-US" sz="2200" b="1"/>
+              <a:t>Subject </a:t>
+            </a:r>
+            <a:endParaRPr lang="en-US" sz="2200" b="1" smtClean="0"/>
+          </a:p>
+          <a:p>
+            <a:pPr lvl="2"/>
+            <a:r>
+              <a:rPr lang="en-US" sz="2200" smtClean="0"/>
+              <a:t>Định nghĩa một giao diện chung cho cả RealSubject và Proxy, do đó một Proxy có thể được sử dụng ở bất kỳ đâu yêu cầu một đối tượng kiểu </a:t>
+            </a:r>
+            <a:r>
+              <a:rPr lang="en-US" sz="2200" smtClean="0"/>
+              <a:t>RealSubject.</a:t>
+            </a:r>
+          </a:p>
+          <a:p>
+            <a:pPr lvl="1"/>
+            <a:r>
+              <a:rPr lang="en-US" sz="2200" b="1" smtClean="0"/>
+              <a:t>RealSubject </a:t>
+            </a:r>
+            <a:endParaRPr lang="en-US" sz="2200" smtClean="0"/>
+          </a:p>
+          <a:p>
+            <a:pPr lvl="2"/>
+            <a:r>
+              <a:rPr lang="en-US" sz="2200" smtClean="0"/>
+              <a:t>Định nghĩa đối tượng thực sự mà proxy đang thể </a:t>
+            </a:r>
+            <a:r>
+              <a:rPr lang="en-US" sz="2200" smtClean="0"/>
+              <a:t>hiện.</a:t>
+            </a:r>
+            <a:endParaRPr lang="en-US"/>
+          </a:p>
+        </p:txBody>
+      </p:sp>
+    </p:spTree>
+    <p:extLst>
+      <p:ext uri="{BB962C8B-B14F-4D97-AF65-F5344CB8AC3E}">
+        <p14:creationId xmlns:p14="http://schemas.microsoft.com/office/powerpoint/2010/main" val="1722138572"/>
+      </p:ext>
+    </p:extLst>
+  </p:cSld>
+  <p:clrMapOvr>
+    <a:masterClrMapping/>
+  </p:clrMapOvr>
+  <mc:AlternateContent xmlns:mc="http://schemas.openxmlformats.org/markup-compatibility/2006" xmlns:p14="http://schemas.microsoft.com/office/powerpoint/2010/main">
+    <mc:Choice Requires="p14">
+      <p:transition spd="med" p14:dur="700">
+        <p:fade/>
+      </p:transition>
+    </mc:Choice>
+    <mc:Fallback xmlns="">
+      <p:transition spd="med">
+        <p:fade/>
+      </p:transition>
+    </mc:Fallback>
+  </mc:AlternateContent>
+  <p:timing>
+    <p:tnLst>
+      <p:par>
+        <p:cTn id="1" dur="indefinite" restart="never" nodeType="tmRoot"/>
+      </p:par>
+    </p:tnLst>
+  </p:timing>
+</p:sld>
+</file>
+
+<file path=ppt/slides/slide27.xml><?xml version="1.0" encoding="utf-8"?>
+<p:sld xmlns:a="http://schemas.openxmlformats.org/drawingml/2006/main" xmlns:r="http://schemas.openxmlformats.org/officeDocument/2006/relationships" xmlns:p="http://schemas.openxmlformats.org/presentationml/2006/main">
+  <p:cSld>
+    <p:spTree>
+      <p:nvGrpSpPr>
+        <p:cNvPr id="1" name=""/>
+        <p:cNvGrpSpPr/>
+        <p:nvPr/>
+      </p:nvGrpSpPr>
+      <p:grpSpPr>
+        <a:xfrm>
+          <a:off x="0" y="0"/>
+          <a:ext cx="0" cy="0"/>
+          <a:chOff x="0" y="0"/>
+          <a:chExt cx="0" cy="0"/>
+        </a:xfrm>
+      </p:grpSpPr>
+      <p:sp>
+        <p:nvSpPr>
+          <p:cNvPr id="3" name="Title 2"/>
+          <p:cNvSpPr>
+            <a:spLocks noGrp="1"/>
+          </p:cNvSpPr>
+          <p:nvPr>
+            <p:ph type="title"/>
+          </p:nvPr>
+        </p:nvSpPr>
+        <p:spPr/>
+        <p:txBody>
+          <a:bodyPr/>
+          <a:lstStyle/>
+          <a:p>
+            <a:r>
+              <a:rPr lang="en-US"/>
+              <a:t>Mối quan hệ</a:t>
+            </a:r>
+          </a:p>
+        </p:txBody>
+      </p:sp>
+      <p:sp>
+        <p:nvSpPr>
+          <p:cNvPr id="2" name="Content Placeholder 1"/>
+          <p:cNvSpPr>
+            <a:spLocks noGrp="1"/>
+          </p:cNvSpPr>
+          <p:nvPr>
+            <p:ph idx="1"/>
+          </p:nvPr>
+        </p:nvSpPr>
+        <p:spPr/>
+        <p:txBody>
+          <a:bodyPr/>
+          <a:lstStyle/>
+          <a:p>
+            <a:endParaRPr lang="en-US"/>
+          </a:p>
+        </p:txBody>
+      </p:sp>
+    </p:spTree>
+    <p:extLst>
+      <p:ext uri="{BB962C8B-B14F-4D97-AF65-F5344CB8AC3E}">
+        <p14:creationId xmlns:p14="http://schemas.microsoft.com/office/powerpoint/2010/main" val="3421464398"/>
+      </p:ext>
+    </p:extLst>
+  </p:cSld>
+  <p:clrMapOvr>
+    <a:masterClrMapping/>
+  </p:clrMapOvr>
+  <mc:AlternateContent xmlns:mc="http://schemas.openxmlformats.org/markup-compatibility/2006" xmlns:p14="http://schemas.microsoft.com/office/powerpoint/2010/main">
+    <mc:Choice Requires="p14">
+      <p:transition spd="med" p14:dur="700">
+        <p:fade/>
+      </p:transition>
+    </mc:Choice>
+    <mc:Fallback xmlns="">
+      <p:transition spd="med">
+        <p:fade/>
+      </p:transition>
+    </mc:Fallback>
+  </mc:AlternateContent>
+  <p:timing>
+    <p:tnLst>
+      <p:par>
+        <p:cTn id="1" dur="indefinite" restart="never" nodeType="tmRoot"/>
+      </p:par>
+    </p:tnLst>
+  </p:timing>
+</p:sld>
+</file>
+
+<file path=ppt/slides/slide28.xml><?xml version="1.0" encoding="utf-8"?>
+<p:sld xmlns:a="http://schemas.openxmlformats.org/drawingml/2006/main" xmlns:r="http://schemas.openxmlformats.org/officeDocument/2006/relationships" xmlns:p="http://schemas.openxmlformats.org/presentationml/2006/main">
+  <p:cSld>
+    <p:spTree>
+      <p:nvGrpSpPr>
+        <p:cNvPr id="1" name=""/>
+        <p:cNvGrpSpPr/>
+        <p:nvPr/>
+      </p:nvGrpSpPr>
+      <p:grpSpPr>
+        <a:xfrm>
+          <a:off x="0" y="0"/>
+          <a:ext cx="0" cy="0"/>
+          <a:chOff x="0" y="0"/>
+          <a:chExt cx="0" cy="0"/>
+        </a:xfrm>
+      </p:grpSpPr>
+      <p:sp>
+        <p:nvSpPr>
           <p:cNvPr id="3" name="Title 2"/>
           <p:cNvSpPr>
             <a:spLocks noGrp="1"/>
@@ -7703,6 +8501,157 @@
           <a:bodyPr/>
           <a:lstStyle/>
           <a:p>
+            <a:pPr lvl="1">
+              <a:buFont typeface="Arial" panose="020B0604020202020204" pitchFamily="34" charset="0"/>
+              <a:buChar char="•"/>
+            </a:pPr>
+            <a:r>
+              <a:rPr lang="en-US" smtClean="0"/>
+              <a:t>Che giấu thông tin của các đối tượng thực sự đối với các client sử dụng chúng bằng cách </a:t>
+            </a:r>
+            <a:r>
+              <a:rPr lang="en-US" smtClean="0">
+                <a:solidFill>
+                  <a:schemeClr val="tx1"/>
+                </a:solidFill>
+              </a:rPr>
+              <a:t>c</a:t>
+            </a:r>
+            <a:r>
+              <a:rPr lang="vi-VN" smtClean="0">
+                <a:solidFill>
+                  <a:schemeClr val="tx1"/>
+                </a:solidFill>
+              </a:rPr>
+              <a:t>ung </a:t>
+            </a:r>
+            <a:r>
+              <a:rPr lang="vi-VN">
+                <a:solidFill>
+                  <a:schemeClr val="tx1"/>
+                </a:solidFill>
+              </a:rPr>
+              <a:t>cấp mức truy cập gián tiếp </a:t>
+            </a:r>
+            <a:r>
+              <a:rPr lang="vi-VN">
+                <a:solidFill>
+                  <a:schemeClr val="tx1"/>
+                </a:solidFill>
+              </a:rPr>
+              <a:t>vào </a:t>
+            </a:r>
+            <a:r>
+              <a:rPr lang="vi-VN" smtClean="0">
+                <a:solidFill>
+                  <a:schemeClr val="tx1"/>
+                </a:solidFill>
+              </a:rPr>
+              <a:t>đối tượng</a:t>
+            </a:r>
+            <a:r>
+              <a:rPr lang="en-US" smtClean="0">
+                <a:solidFill>
+                  <a:schemeClr val="tx1"/>
+                </a:solidFill>
+              </a:rPr>
+              <a:t> đó và cơ chế </a:t>
+            </a:r>
+            <a:r>
+              <a:rPr lang="en-US" b="1" smtClean="0">
+                <a:solidFill>
+                  <a:schemeClr val="tx1"/>
+                </a:solidFill>
+              </a:rPr>
+              <a:t> </a:t>
+            </a:r>
+            <a:r>
+              <a:rPr lang="en-US" smtClean="0">
+                <a:solidFill>
+                  <a:schemeClr val="tx1"/>
+                </a:solidFill>
+              </a:rPr>
+              <a:t>th</a:t>
+            </a:r>
+            <a:r>
+              <a:rPr lang="vi-VN" smtClean="0">
+                <a:solidFill>
+                  <a:schemeClr val="tx1"/>
+                </a:solidFill>
+              </a:rPr>
+              <a:t>am </a:t>
+            </a:r>
+            <a:r>
+              <a:rPr lang="vi-VN">
+                <a:solidFill>
+                  <a:schemeClr val="tx1"/>
+                </a:solidFill>
+              </a:rPr>
+              <a:t>chiếu vào đối tượng đích và chuyển tiếp các yêu cầu đến đối tượng </a:t>
+            </a:r>
+            <a:r>
+              <a:rPr lang="vi-VN">
+                <a:solidFill>
+                  <a:schemeClr val="tx1"/>
+                </a:solidFill>
+              </a:rPr>
+              <a:t>đó</a:t>
+            </a:r>
+            <a:r>
+              <a:rPr lang="vi-VN" smtClean="0">
+                <a:solidFill>
+                  <a:schemeClr val="tx1"/>
+                </a:solidFill>
+              </a:rPr>
+              <a:t>.</a:t>
+            </a:r>
+            <a:endParaRPr lang="en-US" smtClean="0"/>
+          </a:p>
+          <a:p>
+            <a:pPr lvl="1">
+              <a:buFont typeface="Arial" panose="020B0604020202020204" pitchFamily="34" charset="0"/>
+              <a:buChar char="•"/>
+            </a:pPr>
+            <a:r>
+              <a:rPr lang="en-US" smtClean="0"/>
+              <a:t>Tối ưu hóa hoạt động của hệ thống nhờ cơ chế tải theo nhu cầu – demand loading.</a:t>
+            </a:r>
+          </a:p>
+          <a:p>
+            <a:pPr lvl="1">
+              <a:buFont typeface="Arial" panose="020B0604020202020204" pitchFamily="34" charset="0"/>
+              <a:buChar char="•"/>
+            </a:pPr>
+            <a:r>
+              <a:rPr lang="vi-VN" smtClean="0">
+                <a:solidFill>
+                  <a:schemeClr val="tx1"/>
+                </a:solidFill>
+              </a:rPr>
+              <a:t>Cả </a:t>
+            </a:r>
+            <a:r>
+              <a:rPr lang="vi-VN">
+                <a:solidFill>
+                  <a:schemeClr val="tx1"/>
+                </a:solidFill>
+              </a:rPr>
+              <a:t>proxy và đối tượng đích đều kế thừa hoặc thực thi chung một lớp giao diện. Mã máy dịch cho lớp giao diện thường “nhẹ” hơn các lớp cụ thể và do đó có thể giảm được thời gian tải dữ liệu giữa server và client.</a:t>
+            </a:r>
+            <a:endParaRPr lang="en-US"/>
+          </a:p>
+          <a:p>
+            <a:pPr lvl="1">
+              <a:buFont typeface="Arial" panose="020B0604020202020204" pitchFamily="34" charset="0"/>
+              <a:buChar char="•"/>
+            </a:pPr>
+            <a:endParaRPr lang="en-US" smtClean="0"/>
+          </a:p>
+          <a:p>
+            <a:pPr lvl="1">
+              <a:buFont typeface="Arial" panose="020B0604020202020204" pitchFamily="34" charset="0"/>
+              <a:buChar char="•"/>
+            </a:pPr>
             <a:endParaRPr lang="en-US"/>
           </a:p>
         </p:txBody>
@@ -7732,7 +8681,7 @@
 </p:sld>
 </file>
 
-<file path=ppt/slides/slide25.xml><?xml version="1.0" encoding="utf-8"?>
+<file path=ppt/slides/slide29.xml><?xml version="1.0" encoding="utf-8"?>
 <p:sld xmlns:a="http://schemas.openxmlformats.org/drawingml/2006/main" xmlns:r="http://schemas.openxmlformats.org/officeDocument/2006/relationships" xmlns:p="http://schemas.openxmlformats.org/presentationml/2006/main">
   <p:cSld>
     <p:spTree>
@@ -7786,6 +8735,10 @@
           <a:bodyPr/>
           <a:lstStyle/>
           <a:p>
+            <a:r>
+              <a:rPr lang="en-US" smtClean="0"/>
+              <a:t>- </a:t>
+            </a:r>
             <a:endParaRPr lang="en-US"/>
           </a:p>
         </p:txBody>
@@ -7794,376 +8747,6 @@
     <p:extLst>
       <p:ext uri="{BB962C8B-B14F-4D97-AF65-F5344CB8AC3E}">
         <p14:creationId xmlns:p14="http://schemas.microsoft.com/office/powerpoint/2010/main" val="3853396601"/>
-      </p:ext>
-    </p:extLst>
-  </p:cSld>
-  <p:clrMapOvr>
-    <a:masterClrMapping/>
-  </p:clrMapOvr>
-  <mc:AlternateContent xmlns:mc="http://schemas.openxmlformats.org/markup-compatibility/2006" xmlns:p14="http://schemas.microsoft.com/office/powerpoint/2010/main">
-    <mc:Choice Requires="p14">
-      <p:transition spd="med" p14:dur="700">
-        <p:fade/>
-      </p:transition>
-    </mc:Choice>
-    <mc:Fallback xmlns="">
-      <p:transition spd="med">
-        <p:fade/>
-      </p:transition>
-    </mc:Fallback>
-  </mc:AlternateContent>
-</p:sld>
-</file>
-
-<file path=ppt/slides/slide26.xml><?xml version="1.0" encoding="utf-8"?>
-<p:sld xmlns:a="http://schemas.openxmlformats.org/drawingml/2006/main" xmlns:r="http://schemas.openxmlformats.org/officeDocument/2006/relationships" xmlns:p="http://schemas.openxmlformats.org/presentationml/2006/main">
-  <p:cSld>
-    <p:spTree>
-      <p:nvGrpSpPr>
-        <p:cNvPr id="1" name=""/>
-        <p:cNvGrpSpPr/>
-        <p:nvPr/>
-      </p:nvGrpSpPr>
-      <p:grpSpPr>
-        <a:xfrm>
-          <a:off x="0" y="0"/>
-          <a:ext cx="0" cy="0"/>
-          <a:chOff x="0" y="0"/>
-          <a:chExt cx="0" cy="0"/>
-        </a:xfrm>
-      </p:grpSpPr>
-      <p:sp>
-        <p:nvSpPr>
-          <p:cNvPr id="3" name="Title 2"/>
-          <p:cNvSpPr>
-            <a:spLocks noGrp="1"/>
-          </p:cNvSpPr>
-          <p:nvPr>
-            <p:ph type="title"/>
-          </p:nvPr>
-        </p:nvSpPr>
-        <p:spPr/>
-        <p:txBody>
-          <a:bodyPr/>
-          <a:lstStyle/>
-          <a:p>
-            <a:r>
-              <a:rPr lang="en-US"/>
-              <a:t>Demo</a:t>
-            </a:r>
-          </a:p>
-        </p:txBody>
-      </p:sp>
-      <p:sp>
-        <p:nvSpPr>
-          <p:cNvPr id="4" name="Content Placeholder 3"/>
-          <p:cNvSpPr>
-            <a:spLocks noGrp="1"/>
-          </p:cNvSpPr>
-          <p:nvPr>
-            <p:ph idx="1"/>
-          </p:nvPr>
-        </p:nvSpPr>
-        <p:spPr/>
-        <p:txBody>
-          <a:bodyPr/>
-          <a:lstStyle/>
-          <a:p>
-            <a:pPr lvl="1"/>
-            <a:r>
-              <a:rPr lang="en-US"/>
-              <a:t>Phát biểu bài toán</a:t>
-            </a:r>
-          </a:p>
-          <a:p>
-            <a:pPr lvl="1"/>
-            <a:r>
-              <a:rPr lang="en-US"/>
-              <a:t>Sơ đồ lớp</a:t>
-            </a:r>
-          </a:p>
-          <a:p>
-            <a:pPr lvl="1"/>
-            <a:r>
-              <a:rPr lang="en-US"/>
-              <a:t>Code mẫu</a:t>
-            </a:r>
-          </a:p>
-          <a:p>
-            <a:pPr lvl="1"/>
-            <a:r>
-              <a:rPr lang="en-US"/>
-              <a:t>Mối quan hệ của các đối tượng trong code mẫu.</a:t>
-            </a:r>
-          </a:p>
-          <a:p>
-            <a:pPr lvl="1"/>
-            <a:endParaRPr lang="en-US"/>
-          </a:p>
-        </p:txBody>
-      </p:sp>
-    </p:spTree>
-    <p:extLst>
-      <p:ext uri="{BB962C8B-B14F-4D97-AF65-F5344CB8AC3E}">
-        <p14:creationId xmlns:p14="http://schemas.microsoft.com/office/powerpoint/2010/main" val="1061811024"/>
-      </p:ext>
-    </p:extLst>
-  </p:cSld>
-  <p:clrMapOvr>
-    <a:masterClrMapping/>
-  </p:clrMapOvr>
-  <mc:AlternateContent xmlns:mc="http://schemas.openxmlformats.org/markup-compatibility/2006" xmlns:p14="http://schemas.microsoft.com/office/powerpoint/2010/main">
-    <mc:Choice Requires="p14">
-      <p:transition spd="med" p14:dur="700">
-        <p:fade/>
-      </p:transition>
-    </mc:Choice>
-    <mc:Fallback xmlns="">
-      <p:transition spd="med">
-        <p:fade/>
-      </p:transition>
-    </mc:Fallback>
-  </mc:AlternateContent>
-</p:sld>
-</file>
-
-<file path=ppt/slides/slide27.xml><?xml version="1.0" encoding="utf-8"?>
-<p:sld xmlns:a="http://schemas.openxmlformats.org/drawingml/2006/main" xmlns:r="http://schemas.openxmlformats.org/officeDocument/2006/relationships" xmlns:p="http://schemas.openxmlformats.org/presentationml/2006/main">
-  <p:cSld>
-    <p:spTree>
-      <p:nvGrpSpPr>
-        <p:cNvPr id="1" name=""/>
-        <p:cNvGrpSpPr/>
-        <p:nvPr/>
-      </p:nvGrpSpPr>
-      <p:grpSpPr>
-        <a:xfrm>
-          <a:off x="0" y="0"/>
-          <a:ext cx="0" cy="0"/>
-          <a:chOff x="0" y="0"/>
-          <a:chExt cx="0" cy="0"/>
-        </a:xfrm>
-      </p:grpSpPr>
-      <p:sp>
-        <p:nvSpPr>
-          <p:cNvPr id="3" name="Title 2"/>
-          <p:cNvSpPr>
-            <a:spLocks noGrp="1"/>
-          </p:cNvSpPr>
-          <p:nvPr>
-            <p:ph type="title"/>
-          </p:nvPr>
-        </p:nvSpPr>
-        <p:spPr/>
-        <p:txBody>
-          <a:bodyPr/>
-          <a:lstStyle/>
-          <a:p>
-            <a:r>
-              <a:rPr lang="en-US"/>
-              <a:t>Ví dụ về một số hệ thống thực tế</a:t>
-            </a:r>
-          </a:p>
-        </p:txBody>
-      </p:sp>
-      <p:sp>
-        <p:nvSpPr>
-          <p:cNvPr id="2" name="Content Placeholder 1"/>
-          <p:cNvSpPr>
-            <a:spLocks noGrp="1"/>
-          </p:cNvSpPr>
-          <p:nvPr>
-            <p:ph idx="1"/>
-          </p:nvPr>
-        </p:nvSpPr>
-        <p:spPr/>
-        <p:txBody>
-          <a:bodyPr/>
-          <a:lstStyle/>
-          <a:p>
-            <a:r>
-              <a:rPr lang="en-US"/>
-              <a:t>In .NET the Proxy pattern manifests itself in the Remoting infrastructure. In .NET</a:t>
-            </a:r>
-            <a:br>
-              <a:rPr lang="en-US"/>
-            </a:br>
-            <a:r>
-              <a:rPr lang="en-US"/>
-              <a:t>Remoting, whenever an object requires access to an object in a different address space</a:t>
-            </a:r>
-            <a:br>
-              <a:rPr lang="en-US"/>
-            </a:br>
-            <a:r>
-              <a:rPr lang="en-US"/>
-              <a:t>(app domain, process, or machine) a proxy is created that sends the request to the</a:t>
-            </a:r>
-            <a:br>
-              <a:rPr lang="en-US"/>
-            </a:br>
-            <a:r>
-              <a:rPr lang="en-US"/>
-              <a:t>remote object and any data it needs. As is common with proxies, the client is frequently</a:t>
-            </a:r>
-            <a:br>
-              <a:rPr lang="en-US"/>
-            </a:br>
-            <a:r>
-              <a:rPr lang="en-US"/>
-              <a:t>not even aware that a proxy is at work.</a:t>
-            </a:r>
-            <a:br>
-              <a:rPr lang="en-US"/>
-            </a:br>
-            <a:r>
-              <a:rPr lang="en-US"/>
-              <a:t>Clients of WCF services also rely heavily on auto-generated proxy objects. </a:t>
-            </a:r>
-            <a:br>
-              <a:rPr lang="en-US"/>
-            </a:br>
-            <a:endParaRPr lang="en-US"/>
-          </a:p>
-        </p:txBody>
-      </p:sp>
-    </p:spTree>
-    <p:extLst>
-      <p:ext uri="{BB962C8B-B14F-4D97-AF65-F5344CB8AC3E}">
-        <p14:creationId xmlns:p14="http://schemas.microsoft.com/office/powerpoint/2010/main" val="2877524321"/>
-      </p:ext>
-    </p:extLst>
-  </p:cSld>
-  <p:clrMapOvr>
-    <a:masterClrMapping/>
-  </p:clrMapOvr>
-  <mc:AlternateContent xmlns:mc="http://schemas.openxmlformats.org/markup-compatibility/2006" xmlns:p14="http://schemas.microsoft.com/office/powerpoint/2010/main">
-    <mc:Choice Requires="p14">
-      <p:transition spd="med" p14:dur="700">
-        <p:fade/>
-      </p:transition>
-    </mc:Choice>
-    <mc:Fallback xmlns="">
-      <p:transition spd="med">
-        <p:fade/>
-      </p:transition>
-    </mc:Fallback>
-  </mc:AlternateContent>
-</p:sld>
-</file>
-
-<file path=ppt/slides/slide28.xml><?xml version="1.0" encoding="utf-8"?>
-<p:sld xmlns:a="http://schemas.openxmlformats.org/drawingml/2006/main" xmlns:r="http://schemas.openxmlformats.org/officeDocument/2006/relationships" xmlns:p="http://schemas.openxmlformats.org/presentationml/2006/main">
-  <p:cSld>
-    <p:spTree>
-      <p:nvGrpSpPr>
-        <p:cNvPr id="1" name=""/>
-        <p:cNvGrpSpPr/>
-        <p:nvPr/>
-      </p:nvGrpSpPr>
-      <p:grpSpPr>
-        <a:xfrm>
-          <a:off x="0" y="0"/>
-          <a:ext cx="0" cy="0"/>
-          <a:chOff x="0" y="0"/>
-          <a:chExt cx="0" cy="0"/>
-        </a:xfrm>
-      </p:grpSpPr>
-      <p:sp>
-        <p:nvSpPr>
-          <p:cNvPr id="3" name="Title 2"/>
-          <p:cNvSpPr>
-            <a:spLocks noGrp="1"/>
-          </p:cNvSpPr>
-          <p:nvPr>
-            <p:ph type="title"/>
-          </p:nvPr>
-        </p:nvSpPr>
-        <p:spPr/>
-        <p:txBody>
-          <a:bodyPr/>
-          <a:lstStyle/>
-          <a:p>
-            <a:r>
-              <a:rPr lang="en-US"/>
-              <a:t>Các mẫu liên quan</a:t>
-            </a:r>
-          </a:p>
-        </p:txBody>
-      </p:sp>
-      <p:sp>
-        <p:nvSpPr>
-          <p:cNvPr id="2" name="Content Placeholder 1"/>
-          <p:cNvSpPr>
-            <a:spLocks noGrp="1"/>
-          </p:cNvSpPr>
-          <p:nvPr>
-            <p:ph idx="1"/>
-          </p:nvPr>
-        </p:nvSpPr>
-        <p:spPr/>
-        <p:txBody>
-          <a:bodyPr>
-            <a:normAutofit/>
-          </a:bodyPr>
-          <a:lstStyle/>
-          <a:p>
-            <a:pPr lvl="1"/>
-            <a:r>
-              <a:rPr lang="vi-VN"/>
-              <a:t>Mẫu Adapter: </a:t>
-            </a:r>
-          </a:p>
-          <a:p>
-            <a:pPr lvl="2"/>
-            <a:r>
-              <a:rPr lang="vi-VN"/>
-              <a:t>Adapter hiện thực một giao diện khác cho đối tượng mà nó tham chiếu tới (đối tượng cần sự tương thích)</a:t>
-            </a:r>
-            <a:r>
-              <a:rPr lang="en-US"/>
-              <a:t>.</a:t>
-            </a:r>
-          </a:p>
-          <a:p>
-            <a:pPr lvl="2"/>
-            <a:r>
-              <a:rPr lang="vi-VN"/>
-              <a:t>Proxy hiện thực một giao diện tương tự như chủ thể của mà nó giữ tham chiếu.</a:t>
-            </a:r>
-            <a:endParaRPr lang="en-US"/>
-          </a:p>
-          <a:p>
-            <a:pPr lvl="1"/>
-            <a:r>
-              <a:rPr lang="vi-VN"/>
-              <a:t>Mẫu Decorator:</a:t>
-            </a:r>
-          </a:p>
-          <a:p>
-            <a:pPr lvl="2"/>
-            <a:r>
-              <a:rPr lang="vi-VN"/>
-              <a:t>Một hiện thực của decorator có thể gần giống như các proxy, tuy nhiên một decorator sẽ thêm một trách nhiệm mới cho đối tượng được tham chiếu.</a:t>
-            </a:r>
-            <a:endParaRPr lang="en-US"/>
-          </a:p>
-          <a:p>
-            <a:pPr lvl="2"/>
-            <a:r>
-              <a:rPr lang="vi-VN"/>
-              <a:t>Trong khi đó, một proxy sẽ kiểm soát các truy cập vào đối tượng mà nó đang giữ tham chiếu.</a:t>
-            </a:r>
-          </a:p>
-          <a:p>
-            <a:endParaRPr lang="en-US"/>
-          </a:p>
-        </p:txBody>
-      </p:sp>
-    </p:spTree>
-    <p:extLst>
-      <p:ext uri="{BB962C8B-B14F-4D97-AF65-F5344CB8AC3E}">
-        <p14:creationId xmlns:p14="http://schemas.microsoft.com/office/powerpoint/2010/main" val="1639957647"/>
       </p:ext>
     </p:extLst>
   </p:cSld>
@@ -8219,7 +8802,15 @@
           <a:p>
             <a:r>
               <a:rPr lang="en-US"/>
-              <a:t>Giới thiệu về Design Pattern</a:t>
+              <a:t>Giới thiệu về Mẫu </a:t>
+            </a:r>
+            <a:r>
+              <a:rPr lang="en-US"/>
+              <a:t>Thiết </a:t>
+            </a:r>
+            <a:r>
+              <a:rPr lang="en-US" smtClean="0"/>
+              <a:t>Kế</a:t>
             </a:r>
             <a:endParaRPr lang="en-US" dirty="0"/>
           </a:p>
@@ -8237,36 +8828,48 @@
         </p:nvSpPr>
         <p:spPr/>
         <p:txBody>
-          <a:bodyPr/>
+          <a:bodyPr>
+            <a:normAutofit/>
+          </a:bodyPr>
           <a:lstStyle/>
           <a:p>
             <a:pPr lvl="1"/>
             <a:r>
-              <a:rPr lang="vi-VN"/>
+              <a:rPr lang="vi-VN" sz="2000">
+                <a:latin typeface="Constantia" panose="02030602050306030303" pitchFamily="18" charset="0"/>
+              </a:rPr>
               <a:t>Trong kỹ thuật phần mềm, một mẫu thiết kế là một giải pháp chung lặp lại cho một vấn đề thường xảy ra trong quá trình thiết kế phần mềm. </a:t>
             </a:r>
           </a:p>
           <a:p>
             <a:pPr lvl="1"/>
             <a:r>
-              <a:rPr lang="vi-VN"/>
+              <a:rPr lang="vi-VN" sz="2000">
+                <a:latin typeface="Constantia" panose="02030602050306030303" pitchFamily="18" charset="0"/>
+              </a:rPr>
               <a:t>Một mẫu thiết kế không phải là một thiết kế hoàn chỉnh để có thể được chuyển trực tiếp thành code.</a:t>
             </a:r>
           </a:p>
           <a:p>
             <a:pPr lvl="1"/>
             <a:r>
-              <a:rPr lang="vi-VN"/>
+              <a:rPr lang="vi-VN" sz="2000">
+                <a:latin typeface="Constantia" panose="02030602050306030303" pitchFamily="18" charset="0"/>
+              </a:rPr>
               <a:t>Một mẫu thiết kế là một mô tả hoặc template được áp dụng để cung cấp cho chúng ta cách thức làm như thế nào để giải quyết một vấn đề mà có thể gặp phải trong nhiều tình huống khác nhau.</a:t>
             </a:r>
           </a:p>
           <a:p>
             <a:pPr lvl="1"/>
-            <a:endParaRPr lang="en-US"/>
+            <a:endParaRPr lang="en-US" sz="2000">
+              <a:latin typeface="Constantia" panose="02030602050306030303" pitchFamily="18" charset="0"/>
+            </a:endParaRPr>
           </a:p>
           <a:p>
             <a:pPr lvl="1"/>
-            <a:endParaRPr lang="en-US"/>
+            <a:endParaRPr lang="en-US" sz="2000">
+              <a:latin typeface="Constantia" panose="02030602050306030303" pitchFamily="18" charset="0"/>
+            </a:endParaRPr>
           </a:p>
         </p:txBody>
       </p:sp>
@@ -8274,6 +8877,376 @@
     <p:extLst>
       <p:ext uri="{BB962C8B-B14F-4D97-AF65-F5344CB8AC3E}">
         <p14:creationId xmlns:p14="http://schemas.microsoft.com/office/powerpoint/2010/main" val="223966996"/>
+      </p:ext>
+    </p:extLst>
+  </p:cSld>
+  <p:clrMapOvr>
+    <a:masterClrMapping/>
+  </p:clrMapOvr>
+  <mc:AlternateContent xmlns:mc="http://schemas.openxmlformats.org/markup-compatibility/2006" xmlns:p14="http://schemas.microsoft.com/office/powerpoint/2010/main">
+    <mc:Choice Requires="p14">
+      <p:transition spd="med" p14:dur="700">
+        <p:fade/>
+      </p:transition>
+    </mc:Choice>
+    <mc:Fallback xmlns="">
+      <p:transition spd="med">
+        <p:fade/>
+      </p:transition>
+    </mc:Fallback>
+  </mc:AlternateContent>
+  <p:timing>
+    <p:tnLst>
+      <p:par>
+        <p:cTn id="1" dur="indefinite" restart="never" nodeType="tmRoot"/>
+      </p:par>
+    </p:tnLst>
+  </p:timing>
+</p:sld>
+</file>
+
+<file path=ppt/slides/slide30.xml><?xml version="1.0" encoding="utf-8"?>
+<p:sld xmlns:a="http://schemas.openxmlformats.org/drawingml/2006/main" xmlns:r="http://schemas.openxmlformats.org/officeDocument/2006/relationships" xmlns:p="http://schemas.openxmlformats.org/presentationml/2006/main">
+  <p:cSld>
+    <p:spTree>
+      <p:nvGrpSpPr>
+        <p:cNvPr id="1" name=""/>
+        <p:cNvGrpSpPr/>
+        <p:nvPr/>
+      </p:nvGrpSpPr>
+      <p:grpSpPr>
+        <a:xfrm>
+          <a:off x="0" y="0"/>
+          <a:ext cx="0" cy="0"/>
+          <a:chOff x="0" y="0"/>
+          <a:chExt cx="0" cy="0"/>
+        </a:xfrm>
+      </p:grpSpPr>
+      <p:sp>
+        <p:nvSpPr>
+          <p:cNvPr id="3" name="Title 2"/>
+          <p:cNvSpPr>
+            <a:spLocks noGrp="1"/>
+          </p:cNvSpPr>
+          <p:nvPr>
+            <p:ph type="title"/>
+          </p:nvPr>
+        </p:nvSpPr>
+        <p:spPr/>
+        <p:txBody>
+          <a:bodyPr/>
+          <a:lstStyle/>
+          <a:p>
+            <a:r>
+              <a:rPr lang="en-US"/>
+              <a:t>Demo</a:t>
+            </a:r>
+          </a:p>
+        </p:txBody>
+      </p:sp>
+      <p:sp>
+        <p:nvSpPr>
+          <p:cNvPr id="4" name="Content Placeholder 3"/>
+          <p:cNvSpPr>
+            <a:spLocks noGrp="1"/>
+          </p:cNvSpPr>
+          <p:nvPr>
+            <p:ph idx="1"/>
+          </p:nvPr>
+        </p:nvSpPr>
+        <p:spPr/>
+        <p:txBody>
+          <a:bodyPr/>
+          <a:lstStyle/>
+          <a:p>
+            <a:pPr lvl="1"/>
+            <a:r>
+              <a:rPr lang="en-US"/>
+              <a:t>Phát biểu bài toán</a:t>
+            </a:r>
+          </a:p>
+          <a:p>
+            <a:pPr lvl="1"/>
+            <a:r>
+              <a:rPr lang="en-US"/>
+              <a:t>Sơ đồ lớp</a:t>
+            </a:r>
+          </a:p>
+          <a:p>
+            <a:pPr lvl="1"/>
+            <a:r>
+              <a:rPr lang="en-US"/>
+              <a:t>Code mẫu</a:t>
+            </a:r>
+          </a:p>
+          <a:p>
+            <a:pPr lvl="1"/>
+            <a:r>
+              <a:rPr lang="en-US"/>
+              <a:t>Mối quan hệ của các đối tượng trong code mẫu.</a:t>
+            </a:r>
+          </a:p>
+          <a:p>
+            <a:pPr lvl="1"/>
+            <a:endParaRPr lang="en-US"/>
+          </a:p>
+        </p:txBody>
+      </p:sp>
+    </p:spTree>
+    <p:extLst>
+      <p:ext uri="{BB962C8B-B14F-4D97-AF65-F5344CB8AC3E}">
+        <p14:creationId xmlns:p14="http://schemas.microsoft.com/office/powerpoint/2010/main" val="1061811024"/>
+      </p:ext>
+    </p:extLst>
+  </p:cSld>
+  <p:clrMapOvr>
+    <a:masterClrMapping/>
+  </p:clrMapOvr>
+  <mc:AlternateContent xmlns:mc="http://schemas.openxmlformats.org/markup-compatibility/2006" xmlns:p14="http://schemas.microsoft.com/office/powerpoint/2010/main">
+    <mc:Choice Requires="p14">
+      <p:transition spd="med" p14:dur="700">
+        <p:fade/>
+      </p:transition>
+    </mc:Choice>
+    <mc:Fallback xmlns="">
+      <p:transition spd="med">
+        <p:fade/>
+      </p:transition>
+    </mc:Fallback>
+  </mc:AlternateContent>
+</p:sld>
+</file>
+
+<file path=ppt/slides/slide31.xml><?xml version="1.0" encoding="utf-8"?>
+<p:sld xmlns:a="http://schemas.openxmlformats.org/drawingml/2006/main" xmlns:r="http://schemas.openxmlformats.org/officeDocument/2006/relationships" xmlns:p="http://schemas.openxmlformats.org/presentationml/2006/main">
+  <p:cSld>
+    <p:spTree>
+      <p:nvGrpSpPr>
+        <p:cNvPr id="1" name=""/>
+        <p:cNvGrpSpPr/>
+        <p:nvPr/>
+      </p:nvGrpSpPr>
+      <p:grpSpPr>
+        <a:xfrm>
+          <a:off x="0" y="0"/>
+          <a:ext cx="0" cy="0"/>
+          <a:chOff x="0" y="0"/>
+          <a:chExt cx="0" cy="0"/>
+        </a:xfrm>
+      </p:grpSpPr>
+      <p:sp>
+        <p:nvSpPr>
+          <p:cNvPr id="3" name="Title 2"/>
+          <p:cNvSpPr>
+            <a:spLocks noGrp="1"/>
+          </p:cNvSpPr>
+          <p:nvPr>
+            <p:ph type="title"/>
+          </p:nvPr>
+        </p:nvSpPr>
+        <p:spPr/>
+        <p:txBody>
+          <a:bodyPr/>
+          <a:lstStyle/>
+          <a:p>
+            <a:r>
+              <a:rPr lang="en-US"/>
+              <a:t>Ví dụ về một số hệ thống thực tế</a:t>
+            </a:r>
+          </a:p>
+        </p:txBody>
+      </p:sp>
+      <p:sp>
+        <p:nvSpPr>
+          <p:cNvPr id="2" name="Content Placeholder 1"/>
+          <p:cNvSpPr>
+            <a:spLocks noGrp="1"/>
+          </p:cNvSpPr>
+          <p:nvPr>
+            <p:ph idx="1"/>
+          </p:nvPr>
+        </p:nvSpPr>
+        <p:spPr/>
+        <p:txBody>
+          <a:bodyPr/>
+          <a:lstStyle/>
+          <a:p>
+            <a:pPr lvl="1">
+              <a:buFont typeface="Arial" panose="020B0604020202020204" pitchFamily="34" charset="0"/>
+              <a:buChar char="•"/>
+            </a:pPr>
+            <a:r>
+              <a:rPr lang="en-US" smtClean="0"/>
+              <a:t>Các hệ thống cần truy cập thông tin từ các hệ thống khác đa phần sử dụng kiến trúc Proxy</a:t>
+            </a:r>
+          </a:p>
+          <a:p>
+            <a:pPr lvl="1">
+              <a:buFont typeface="Arial" panose="020B0604020202020204" pitchFamily="34" charset="0"/>
+              <a:buChar char="•"/>
+            </a:pPr>
+            <a:r>
+              <a:rPr lang="en-US" smtClean="0"/>
+              <a:t>Các máy khách sử dụng các dịch vụ WCF phụ thuộc vào các đối tượng proxy được WCF tự động tạo ra.</a:t>
+            </a:r>
+          </a:p>
+          <a:p>
+            <a:pPr lvl="1">
+              <a:buFont typeface="Arial" panose="020B0604020202020204" pitchFamily="34" charset="0"/>
+              <a:buChar char="•"/>
+            </a:pPr>
+            <a:r>
+              <a:rPr lang="en-US" smtClean="0"/>
+              <a:t>Máy ATM có một proxy ảo lưu các thông tin ngân hàng được dùng khi xác nhận thẻ tín dụng,…</a:t>
+            </a:r>
+            <a:r>
+              <a:rPr lang="en-US"/>
+              <a:t/>
+            </a:r>
+            <a:br>
+              <a:rPr lang="en-US"/>
+            </a:br>
+            <a:endParaRPr lang="en-US"/>
+          </a:p>
+        </p:txBody>
+      </p:sp>
+    </p:spTree>
+    <p:extLst>
+      <p:ext uri="{BB962C8B-B14F-4D97-AF65-F5344CB8AC3E}">
+        <p14:creationId xmlns:p14="http://schemas.microsoft.com/office/powerpoint/2010/main" val="2877524321"/>
+      </p:ext>
+    </p:extLst>
+  </p:cSld>
+  <p:clrMapOvr>
+    <a:masterClrMapping/>
+  </p:clrMapOvr>
+  <mc:AlternateContent xmlns:mc="http://schemas.openxmlformats.org/markup-compatibility/2006" xmlns:p14="http://schemas.microsoft.com/office/powerpoint/2010/main">
+    <mc:Choice Requires="p14">
+      <p:transition spd="med" p14:dur="700">
+        <p:fade/>
+      </p:transition>
+    </mc:Choice>
+    <mc:Fallback xmlns="">
+      <p:transition spd="med">
+        <p:fade/>
+      </p:transition>
+    </mc:Fallback>
+  </mc:AlternateContent>
+</p:sld>
+</file>
+
+<file path=ppt/slides/slide32.xml><?xml version="1.0" encoding="utf-8"?>
+<p:sld xmlns:a="http://schemas.openxmlformats.org/drawingml/2006/main" xmlns:r="http://schemas.openxmlformats.org/officeDocument/2006/relationships" xmlns:p="http://schemas.openxmlformats.org/presentationml/2006/main">
+  <p:cSld>
+    <p:spTree>
+      <p:nvGrpSpPr>
+        <p:cNvPr id="1" name=""/>
+        <p:cNvGrpSpPr/>
+        <p:nvPr/>
+      </p:nvGrpSpPr>
+      <p:grpSpPr>
+        <a:xfrm>
+          <a:off x="0" y="0"/>
+          <a:ext cx="0" cy="0"/>
+          <a:chOff x="0" y="0"/>
+          <a:chExt cx="0" cy="0"/>
+        </a:xfrm>
+      </p:grpSpPr>
+      <p:sp>
+        <p:nvSpPr>
+          <p:cNvPr id="3" name="Title 2"/>
+          <p:cNvSpPr>
+            <a:spLocks noGrp="1"/>
+          </p:cNvSpPr>
+          <p:nvPr>
+            <p:ph type="title"/>
+          </p:nvPr>
+        </p:nvSpPr>
+        <p:spPr/>
+        <p:txBody>
+          <a:bodyPr/>
+          <a:lstStyle/>
+          <a:p>
+            <a:r>
+              <a:rPr lang="en-US"/>
+              <a:t>Các mẫu liên quan</a:t>
+            </a:r>
+          </a:p>
+        </p:txBody>
+      </p:sp>
+      <p:sp>
+        <p:nvSpPr>
+          <p:cNvPr id="2" name="Content Placeholder 1"/>
+          <p:cNvSpPr>
+            <a:spLocks noGrp="1"/>
+          </p:cNvSpPr>
+          <p:nvPr>
+            <p:ph idx="1"/>
+          </p:nvPr>
+        </p:nvSpPr>
+        <p:spPr/>
+        <p:txBody>
+          <a:bodyPr>
+            <a:normAutofit/>
+          </a:bodyPr>
+          <a:lstStyle/>
+          <a:p>
+            <a:pPr lvl="1"/>
+            <a:r>
+              <a:rPr lang="vi-VN" sz="2000"/>
+              <a:t>Mẫu Adapter: </a:t>
+            </a:r>
+          </a:p>
+          <a:p>
+            <a:pPr lvl="2"/>
+            <a:r>
+              <a:rPr lang="vi-VN" sz="2000"/>
+              <a:t>Adapter hiện thực một giao diện khác cho đối tượng mà nó tham chiếu tới (đối tượng cần sự tương thích)</a:t>
+            </a:r>
+            <a:r>
+              <a:rPr lang="en-US" sz="2000"/>
+              <a:t>.</a:t>
+            </a:r>
+          </a:p>
+          <a:p>
+            <a:pPr lvl="2"/>
+            <a:r>
+              <a:rPr lang="vi-VN" sz="2000"/>
+              <a:t>Proxy hiện thực một giao diện tương tự như chủ thể của mà nó giữ tham chiếu.</a:t>
+            </a:r>
+            <a:endParaRPr lang="en-US" sz="2000"/>
+          </a:p>
+          <a:p>
+            <a:pPr lvl="1"/>
+            <a:r>
+              <a:rPr lang="vi-VN" sz="2000"/>
+              <a:t>Mẫu Decorator:</a:t>
+            </a:r>
+          </a:p>
+          <a:p>
+            <a:pPr lvl="2"/>
+            <a:r>
+              <a:rPr lang="vi-VN" sz="2000"/>
+              <a:t>Một hiện thực của decorator có thể gần giống như các proxy, tuy nhiên một decorator sẽ thêm một trách nhiệm mới cho đối tượng được tham chiếu.</a:t>
+            </a:r>
+            <a:endParaRPr lang="en-US" sz="2000"/>
+          </a:p>
+          <a:p>
+            <a:pPr lvl="2"/>
+            <a:r>
+              <a:rPr lang="vi-VN" sz="2000"/>
+              <a:t>Trong khi đó, một proxy sẽ kiểm soát các truy cập vào đối tượng mà nó đang giữ tham chiếu.</a:t>
+            </a:r>
+          </a:p>
+          <a:p>
+            <a:endParaRPr lang="en-US" sz="2000"/>
+          </a:p>
+        </p:txBody>
+      </p:sp>
+    </p:spTree>
+    <p:extLst>
+      <p:ext uri="{BB962C8B-B14F-4D97-AF65-F5344CB8AC3E}">
+        <p14:creationId xmlns:p14="http://schemas.microsoft.com/office/powerpoint/2010/main" val="1639957647"/>
       </p:ext>
     </p:extLst>
   </p:cSld>
@@ -8329,7 +9302,15 @@
           <a:p>
             <a:r>
               <a:rPr lang="en-US"/>
-              <a:t>Giới thiệu về các Structural Pattern</a:t>
+              <a:t>Giới thiệu về các Mẫu </a:t>
+            </a:r>
+            <a:r>
+              <a:rPr lang="en-US"/>
+              <a:t>Kiến </a:t>
+            </a:r>
+            <a:r>
+              <a:rPr lang="en-US" smtClean="0"/>
+              <a:t>Trúc</a:t>
             </a:r>
             <a:endParaRPr lang="en-US" dirty="0"/>
           </a:p>
@@ -8345,7 +9326,12 @@
             <p:ph idx="1"/>
           </p:nvPr>
         </p:nvSpPr>
-        <p:spPr/>
+        <p:spPr>
+          <a:xfrm>
+            <a:off x="1096994" y="1845734"/>
+            <a:ext cx="10055781" cy="4250266"/>
+          </a:xfrm>
+        </p:spPr>
         <p:txBody>
           <a:bodyPr>
             <a:normAutofit/>
@@ -8354,94 +9340,281 @@
           <a:p>
             <a:pPr lvl="1"/>
             <a:r>
-              <a:rPr lang="en-US"/>
-              <a:t>Định nghĩa: Trong lĩnh vực CNPM, các mẫu Structural là các mẫu thiết kế giúp đơn giản hóa quá trình thiết kế bằng cách xác định các mối quan hệ giữa các thực thể một cách dễ dàng hơn.</a:t>
+              <a:rPr lang="en-US" sz="2000">
+                <a:latin typeface="Constantia" panose="02030602050306030303" pitchFamily="18" charset="0"/>
+              </a:rPr>
+              <a:t>Định nghĩa: </a:t>
+            </a:r>
+            <a:endParaRPr lang="en-US" sz="2000" smtClean="0">
+              <a:latin typeface="Constantia" panose="02030602050306030303" pitchFamily="18" charset="0"/>
+            </a:endParaRPr>
+          </a:p>
+          <a:p>
+            <a:pPr lvl="2"/>
+            <a:r>
+              <a:rPr lang="en-US" sz="1800" smtClean="0">
+                <a:latin typeface="Constantia" panose="02030602050306030303" pitchFamily="18" charset="0"/>
+              </a:rPr>
+              <a:t>Trong </a:t>
+            </a:r>
+            <a:r>
+              <a:rPr lang="en-US" sz="1800">
+                <a:latin typeface="Constantia" panose="02030602050306030303" pitchFamily="18" charset="0"/>
+              </a:rPr>
+              <a:t>lĩnh vực CNPM, các mẫu </a:t>
+            </a:r>
+            <a:r>
+              <a:rPr lang="en-US" sz="1800" smtClean="0">
+                <a:latin typeface="Constantia" panose="02030602050306030303" pitchFamily="18" charset="0"/>
+              </a:rPr>
+              <a:t>Kiến trúc </a:t>
+            </a:r>
+            <a:r>
+              <a:rPr lang="en-US" sz="1800">
+                <a:latin typeface="Constantia" panose="02030602050306030303" pitchFamily="18" charset="0"/>
+              </a:rPr>
+              <a:t>là các mẫu thiết kế giúp đơn giản hóa quá trình thiết kế bằng </a:t>
+            </a:r>
+            <a:r>
+              <a:rPr lang="en-US" sz="1800" smtClean="0">
+                <a:latin typeface="Constantia" panose="02030602050306030303" pitchFamily="18" charset="0"/>
+              </a:rPr>
+              <a:t>cách giúp chúng ta </a:t>
+            </a:r>
+            <a:r>
+              <a:rPr lang="en-US" sz="1800">
+                <a:latin typeface="Constantia" panose="02030602050306030303" pitchFamily="18" charset="0"/>
+              </a:rPr>
+              <a:t>xác định các mối quan hệ giữa các thực thể một cách dễ dàng hơn.</a:t>
             </a:r>
           </a:p>
           <a:p>
             <a:pPr lvl="1"/>
             <a:r>
-              <a:rPr lang="en-US"/>
+              <a:rPr lang="en-US" sz="2000">
+                <a:latin typeface="Constantia" panose="02030602050306030303" pitchFamily="18" charset="0"/>
+              </a:rPr>
               <a:t>Bao gồm các mẫu:</a:t>
             </a:r>
           </a:p>
           <a:p>
             <a:pPr lvl="2"/>
             <a:r>
-              <a:rPr lang="en-US" b="1"/>
-              <a:t>Adapter – C</a:t>
-            </a:r>
-            <a:r>
-              <a:rPr lang="en-US"/>
-              <a:t>ung cấp một giao diện mới phù hợp hơn cho một đối tượng</a:t>
-            </a:r>
+              <a:rPr lang="en-US" sz="1800" b="1">
+                <a:latin typeface="Constantia" panose="02030602050306030303" pitchFamily="18" charset="0"/>
+              </a:rPr>
+              <a:t>Adapter – </a:t>
+            </a:r>
+            <a:r>
+              <a:rPr lang="en-US" sz="1800">
+                <a:latin typeface="Constantia" panose="02030602050306030303" pitchFamily="18" charset="0"/>
+              </a:rPr>
+              <a:t>C</a:t>
+            </a:r>
+            <a:r>
+              <a:rPr lang="en-US" sz="1800" smtClean="0">
+                <a:latin typeface="Constantia" panose="02030602050306030303" pitchFamily="18" charset="0"/>
+              </a:rPr>
+              <a:t>ung </a:t>
+            </a:r>
+            <a:r>
+              <a:rPr lang="en-US" sz="1800">
+                <a:latin typeface="Constantia" panose="02030602050306030303" pitchFamily="18" charset="0"/>
+              </a:rPr>
+              <a:t>cấp một giao diện mới phù hợp hơn cho một đối </a:t>
+            </a:r>
+            <a:r>
+              <a:rPr lang="en-US" sz="1800" smtClean="0">
+                <a:latin typeface="Constantia" panose="02030602050306030303" pitchFamily="18" charset="0"/>
+              </a:rPr>
+              <a:t>tượng.</a:t>
+            </a:r>
+            <a:endParaRPr lang="en-US" sz="1800">
+              <a:latin typeface="Constantia" panose="02030602050306030303" pitchFamily="18" charset="0"/>
+            </a:endParaRPr>
           </a:p>
           <a:p>
             <a:pPr lvl="2"/>
             <a:r>
-              <a:rPr lang="en-US" b="1"/>
+              <a:rPr lang="en-US" sz="1800" b="1">
+                <a:latin typeface="Constantia" panose="02030602050306030303" pitchFamily="18" charset="0"/>
+              </a:rPr>
               <a:t>Bridge – </a:t>
             </a:r>
             <a:r>
-              <a:rPr lang="en-US"/>
-              <a:t>Tách rời phần trừu tượng và phàn hiện thức của một đối tượng</a:t>
-            </a:r>
+              <a:rPr lang="en-US" sz="1800">
+                <a:latin typeface="Constantia" panose="02030602050306030303" pitchFamily="18" charset="0"/>
+              </a:rPr>
+              <a:t>Tách rời phần trừu tượng và phàn hiện thức của một đối </a:t>
+            </a:r>
+            <a:r>
+              <a:rPr lang="en-US" sz="1800" smtClean="0">
+                <a:latin typeface="Constantia" panose="02030602050306030303" pitchFamily="18" charset="0"/>
+              </a:rPr>
+              <a:t>tượng.</a:t>
+            </a:r>
+            <a:endParaRPr lang="en-US" sz="1800">
+              <a:latin typeface="Constantia" panose="02030602050306030303" pitchFamily="18" charset="0"/>
+            </a:endParaRPr>
           </a:p>
           <a:p>
             <a:pPr lvl="2"/>
             <a:r>
-              <a:rPr lang="en-US" b="1"/>
-              <a:t>Com	posite – </a:t>
-            </a:r>
-            <a:r>
-              <a:rPr lang="en-US"/>
-              <a:t>Kết hợp nhiều đối tượng bên trong một đối tượng khác để quản lý</a:t>
-            </a:r>
+              <a:rPr lang="en-US" sz="1800" b="1" smtClean="0">
+                <a:latin typeface="Constantia" panose="02030602050306030303" pitchFamily="18" charset="0"/>
+              </a:rPr>
+              <a:t>Composite </a:t>
+            </a:r>
+            <a:r>
+              <a:rPr lang="en-US" sz="1800" b="1">
+                <a:latin typeface="Constantia" panose="02030602050306030303" pitchFamily="18" charset="0"/>
+              </a:rPr>
+              <a:t>– </a:t>
+            </a:r>
+            <a:r>
+              <a:rPr lang="en-US" sz="1800">
+                <a:latin typeface="Constantia" panose="02030602050306030303" pitchFamily="18" charset="0"/>
+              </a:rPr>
+              <a:t>Kết hợp nhiều đối tượng bên trong một đối tượng khác để quản </a:t>
+            </a:r>
+            <a:r>
+              <a:rPr lang="en-US" sz="1800" smtClean="0">
+                <a:latin typeface="Constantia" panose="02030602050306030303" pitchFamily="18" charset="0"/>
+              </a:rPr>
+              <a:t>lý.</a:t>
+            </a:r>
+            <a:endParaRPr lang="en-US" sz="1800">
+              <a:latin typeface="Constantia" panose="02030602050306030303" pitchFamily="18" charset="0"/>
+            </a:endParaRPr>
           </a:p>
           <a:p>
             <a:pPr lvl="2"/>
             <a:r>
-              <a:rPr lang="en-US" b="1"/>
+              <a:rPr lang="en-US" sz="1800" b="1">
+                <a:latin typeface="Constantia" panose="02030602050306030303" pitchFamily="18" charset="0"/>
+              </a:rPr>
               <a:t>Decorator – </a:t>
             </a:r>
             <a:r>
-              <a:rPr lang="en-US"/>
-              <a:t>Cung cấp them các trách nhiệm cho một đôi tượng một cách linh hoạt</a:t>
-            </a:r>
+              <a:rPr lang="en-US" sz="1800">
+                <a:latin typeface="Constantia" panose="02030602050306030303" pitchFamily="18" charset="0"/>
+              </a:rPr>
+              <a:t>Cung cấp them các trách nhiệm cho một </a:t>
+            </a:r>
+            <a:r>
+              <a:rPr lang="en-US" sz="1800">
+                <a:latin typeface="Constantia" panose="02030602050306030303" pitchFamily="18" charset="0"/>
+              </a:rPr>
+              <a:t>đối </a:t>
+            </a:r>
+            <a:r>
+              <a:rPr lang="en-US" sz="1800">
+                <a:latin typeface="Constantia" panose="02030602050306030303" pitchFamily="18" charset="0"/>
+              </a:rPr>
+              <a:t>tượng một cách linh </a:t>
+            </a:r>
+            <a:r>
+              <a:rPr lang="en-US" sz="1800" smtClean="0">
+                <a:latin typeface="Constantia" panose="02030602050306030303" pitchFamily="18" charset="0"/>
+              </a:rPr>
+              <a:t>hoạt.</a:t>
+            </a:r>
+            <a:endParaRPr lang="en-US" sz="1800">
+              <a:latin typeface="Constantia" panose="02030602050306030303" pitchFamily="18" charset="0"/>
+            </a:endParaRPr>
           </a:p>
           <a:p>
             <a:pPr lvl="2"/>
             <a:r>
-              <a:rPr lang="en-US" b="1"/>
+              <a:rPr lang="en-US" sz="1800" b="1">
+                <a:latin typeface="Constantia" panose="02030602050306030303" pitchFamily="18" charset="0"/>
+              </a:rPr>
               <a:t>Façade – </a:t>
             </a:r>
             <a:r>
-              <a:rPr lang="en-US"/>
-              <a:t>Cung cấp một giao diện duy nhất cho một </a:t>
-            </a:r>
+              <a:rPr lang="en-US" sz="1800">
+                <a:latin typeface="Constantia" panose="02030602050306030303" pitchFamily="18" charset="0"/>
+              </a:rPr>
+              <a:t>Cung cấp một giao diện </a:t>
+            </a:r>
+            <a:r>
+              <a:rPr lang="en-US" sz="1800" smtClean="0">
+                <a:latin typeface="Constantia" panose="02030602050306030303" pitchFamily="18" charset="0"/>
+              </a:rPr>
+              <a:t>thống </a:t>
+            </a:r>
+            <a:r>
+              <a:rPr lang="en-US" sz="1800" smtClean="0">
+                <a:latin typeface="Constantia" panose="02030602050306030303" pitchFamily="18" charset="0"/>
+              </a:rPr>
+              <a:t>nhất dễ sử dụng </a:t>
+            </a:r>
+            <a:r>
+              <a:rPr lang="en-US" sz="1800">
+                <a:latin typeface="Constantia" panose="02030602050306030303" pitchFamily="18" charset="0"/>
+              </a:rPr>
+              <a:t>cho </a:t>
+            </a:r>
+            <a:r>
+              <a:rPr lang="en-US" sz="1800" smtClean="0">
+                <a:latin typeface="Constantia" panose="02030602050306030303" pitchFamily="18" charset="0"/>
+              </a:rPr>
+              <a:t>một tập hợp các giao diện trong một hệ thống con.</a:t>
+            </a:r>
+            <a:endParaRPr lang="en-US" sz="1800">
+              <a:latin typeface="Constantia" panose="02030602050306030303" pitchFamily="18" charset="0"/>
+            </a:endParaRPr>
           </a:p>
           <a:p>
             <a:pPr lvl="2"/>
             <a:r>
-              <a:rPr lang="en-US" b="1"/>
+              <a:rPr lang="en-US" sz="1800" b="1">
+                <a:latin typeface="Constantia" panose="02030602050306030303" pitchFamily="18" charset="0"/>
+              </a:rPr>
               <a:t>Flyweight - </a:t>
             </a:r>
-            <a:endParaRPr lang="en-US"/>
+            <a:r>
+              <a:rPr lang="en-US" sz="1800" b="1" smtClean="0">
+                <a:latin typeface="Constantia" panose="02030602050306030303" pitchFamily="18" charset="0"/>
+              </a:rPr>
+              <a:t>S</a:t>
+            </a:r>
+            <a:r>
+              <a:rPr lang="vi-VN" sz="1800" smtClean="0">
+                <a:latin typeface="Constantia" panose="02030602050306030303" pitchFamily="18" charset="0"/>
+              </a:rPr>
+              <a:t>ử </a:t>
+            </a:r>
+            <a:r>
+              <a:rPr lang="vi-VN" sz="1800">
+                <a:latin typeface="Constantia" panose="02030602050306030303" pitchFamily="18" charset="0"/>
+              </a:rPr>
+              <a:t>dụng tính năng chia sẻ để hỗ trợ xử lý số lượng lớn các đối tượng một cách hiệu quả.</a:t>
+            </a:r>
+            <a:endParaRPr lang="en-US" sz="1800">
+              <a:latin typeface="Constantia" panose="02030602050306030303" pitchFamily="18" charset="0"/>
+            </a:endParaRPr>
           </a:p>
           <a:p>
             <a:pPr lvl="2"/>
             <a:r>
-              <a:rPr lang="en-US" b="1"/>
+              <a:rPr lang="en-US" sz="1800" b="1">
+                <a:latin typeface="Constantia" panose="02030602050306030303" pitchFamily="18" charset="0"/>
+              </a:rPr>
               <a:t>Proxy – </a:t>
             </a:r>
             <a:r>
-              <a:rPr lang="en-US"/>
+              <a:rPr lang="en-US" sz="1800">
+                <a:latin typeface="Constantia" panose="02030602050306030303" pitchFamily="18" charset="0"/>
+              </a:rPr>
               <a:t>Cung cấp một sự kiểm soát các truy cập đến một đối tượng</a:t>
             </a:r>
           </a:p>
           <a:p>
             <a:pPr lvl="2"/>
-            <a:endParaRPr lang="en-US" dirty="0"/>
+            <a:endParaRPr lang="en-US" dirty="0">
+              <a:latin typeface="Constantia" panose="02030602050306030303" pitchFamily="18" charset="0"/>
+            </a:endParaRPr>
           </a:p>
         </p:txBody>
       </p:sp>
@@ -8467,6 +9640,13 @@
       </p:transition>
     </mc:Fallback>
   </mc:AlternateContent>
+  <p:timing>
+    <p:tnLst>
+      <p:par>
+        <p:cTn id="1" dur="indefinite" restart="never" nodeType="tmRoot"/>
+      </p:par>
+    </p:tnLst>
+  </p:timing>
 </p:sld>
 </file>
 
@@ -8642,6 +9822,13 @@
       </p:transition>
     </mc:Fallback>
   </mc:AlternateContent>
+  <p:timing>
+    <p:tnLst>
+      <p:par>
+        <p:cTn id="1" dur="indefinite" restart="never" nodeType="tmRoot"/>
+      </p:par>
+    </p:tnLst>
+  </p:timing>
 </p:sld>
 </file>
 
@@ -8702,15 +9889,27 @@
           <a:p>
             <a:pPr lvl="1"/>
             <a:r>
-              <a:rPr lang="en-US" i="1"/>
+              <a:rPr lang="en-US" sz="2000" i="1"/>
               <a:t>“</a:t>
             </a:r>
             <a:r>
-              <a:rPr lang="vi-VN" i="1"/>
-              <a:t>Gắn kết thêm một số tính năng cho đối tượng một cách linh động. Mẫu trang trí Decorator cung cấp một phương pháp linh hoạt hơn là sử dụng lớp con để mở rộng chức năng cho đối tượng</a:t>
-            </a:r>
-            <a:r>
-              <a:rPr lang="en-US"/>
+              <a:rPr lang="vi-VN" sz="2000" i="1"/>
+              <a:t>Gắn kết thêm một số tính năng cho đối tượng một cách linh động. Mẫu trang trí </a:t>
+            </a:r>
+            <a:r>
+              <a:rPr lang="en-US" sz="2000" i="1" smtClean="0"/>
+              <a:t>-</a:t>
+            </a:r>
+            <a:r>
+              <a:rPr lang="vi-VN" sz="2000" i="1" smtClean="0"/>
+              <a:t>Decorator </a:t>
+            </a:r>
+            <a:r>
+              <a:rPr lang="vi-VN" sz="2000" i="1"/>
+              <a:t>cung cấp một phương pháp linh hoạt hơn là sử dụng lớp con để mở rộng chức năng cho đối tượng</a:t>
+            </a:r>
+            <a:r>
+              <a:rPr lang="en-US" sz="2000"/>
               <a:t>.” (GoF)</a:t>
             </a:r>
           </a:p>
@@ -8803,21 +10002,21 @@
           <a:p>
             <a:pPr lvl="1"/>
             <a:r>
-              <a:rPr lang="vi-VN"/>
+              <a:rPr lang="vi-VN" sz="2000"/>
               <a:t>Mẫu Decorator được áp dụng khi:</a:t>
             </a:r>
           </a:p>
           <a:p>
             <a:pPr lvl="2"/>
             <a:r>
-              <a:rPr lang="vi-VN"/>
+              <a:rPr lang="vi-VN" sz="1800"/>
               <a:t>Chúng ta có nhu cầu tự động thêm/loại bỏ một trách nhiệm nào đó của một lớp mà không làm ảnh hưởng đến các lớp con được dẫn xuất từ nó.</a:t>
             </a:r>
           </a:p>
           <a:p>
             <a:pPr lvl="2"/>
             <a:r>
-              <a:rPr lang="vi-VN"/>
+              <a:rPr lang="vi-VN" sz="1800"/>
               <a:t>Khi một lớp có quá nhiều lớp con dẫn xuất từ nó, việc thay đổi trách nhiệm của lớp đó có thể dẫn đến hệ lụy nghiêm trọng.</a:t>
             </a:r>
           </a:p>
@@ -8913,6 +10112,13 @@
           <a:lstStyle/>
           <a:p>
             <a:pPr lvl="1"/>
+            <a:r>
+              <a:rPr lang="en-US" smtClean="0"/>
+              <a:t>Xây dựng các hệ thống có tình tùy chọn cao, mỗi tùy chọn có thể có nhiều tùy chọn con. Ví dụ như hệ thống control của Windows Form.</a:t>
+            </a:r>
+          </a:p>
+          <a:p>
+            <a:pPr lvl="1"/>
             <a:endParaRPr lang="en-US"/>
           </a:p>
         </p:txBody>
@@ -8984,45 +10190,26 @@
       </p:sp>
       <p:pic>
         <p:nvPicPr>
-          <p:cNvPr id="11266" name="Picture 2" descr="http://www.dofactory.com/images/diagrams/net/decorator.gif"/>
+          <p:cNvPr id="4" name="Picture 3"/>
           <p:cNvPicPr>
-            <a:picLocks noGrp="1" noChangeAspect="1" noChangeArrowheads="1"/>
+            <a:picLocks noChangeAspect="1"/>
           </p:cNvPicPr>
-          <p:nvPr>
-            <p:ph idx="1"/>
-          </p:nvPr>
+          <p:nvPr/>
         </p:nvPicPr>
         <p:blipFill>
-          <a:blip r:embed="rId2">
-            <a:extLst>
-              <a:ext uri="{28A0092B-C50C-407E-A947-70E740481C1C}">
-                <a14:useLocalDpi xmlns:a14="http://schemas.microsoft.com/office/drawing/2010/main" val="0"/>
-              </a:ext>
-            </a:extLst>
-          </a:blip>
-          <a:srcRect/>
+          <a:blip r:embed="rId2"/>
           <a:stretch>
             <a:fillRect/>
           </a:stretch>
         </p:blipFill>
-        <p:spPr bwMode="auto">
+        <p:spPr>
           <a:xfrm>
-            <a:off x="3457884" y="1828800"/>
-            <a:ext cx="5334000" cy="4405810"/>
+            <a:off x="3046412" y="1828800"/>
+            <a:ext cx="5654528" cy="4497154"/>
           </a:xfrm>
           <a:prstGeom prst="rect">
             <a:avLst/>
           </a:prstGeom>
-          <a:noFill/>
-          <a:extLst>
-            <a:ext uri="{909E8E84-426E-40DD-AFC4-6F175D3DCCD1}">
-              <a14:hiddenFill xmlns:a14="http://schemas.microsoft.com/office/drawing/2010/main">
-                <a:solidFill>
-                  <a:srgbClr val="FFFFFF"/>
-                </a:solidFill>
-              </a14:hiddenFill>
-            </a:ext>
-          </a:extLst>
         </p:spPr>
       </p:pic>
     </p:spTree>
